--- a/软维组工作汇报/汇报PPT/RA工作汇报_2016-04-25.pptx
+++ b/软维组工作汇报/汇报PPT/RA工作汇报_2016-04-25.pptx
@@ -120,7 +120,7 @@
   </p:defaultTextStyle>
   <p:extLst>
     <p:ext uri="{EFAFB233-063F-42B5-8137-9DF3F51BA10A}">
-      <p15:sldGuideLst xmlns="" xmlns:p15="http://schemas.microsoft.com/office/powerpoint/2012/main">
+      <p15:sldGuideLst xmlns:p15="http://schemas.microsoft.com/office/powerpoint/2012/main">
         <p15:guide id="1" orient="horz" pos="2160">
           <p15:clr>
             <a:srgbClr val="A4A3A4"/>
@@ -139,15 +139,28 @@
 
 <file path=ppt/charts/chart1.xml><?xml version="1.0" encoding="utf-8"?>
 <c:chartSpace xmlns:c="http://schemas.openxmlformats.org/drawingml/2006/chart" xmlns:a="http://schemas.openxmlformats.org/drawingml/2006/main" xmlns:r="http://schemas.openxmlformats.org/officeDocument/2006/relationships">
+  <c:date1904 val="0"/>
   <c:lang val="zh-CN"/>
+  <c:roundedCorners val="0"/>
+  <mc:AlternateContent xmlns:mc="http://schemas.openxmlformats.org/markup-compatibility/2006">
+    <mc:Choice xmlns:c14="http://schemas.microsoft.com/office/drawing/2007/8/2/chart" Requires="c14">
+      <c14:style val="102"/>
+    </mc:Choice>
+    <mc:Fallback>
+      <c:style val="2"/>
+    </mc:Fallback>
+  </mc:AlternateContent>
   <c:chart>
     <c:title>
       <c:layout/>
+      <c:overlay val="0"/>
     </c:title>
+    <c:autoTitleDeleted val="0"/>
     <c:plotArea>
       <c:layout/>
       <c:lineChart>
         <c:grouping val="standard"/>
+        <c:varyColors val="0"/>
         <c:ser>
           <c:idx val="0"/>
           <c:order val="0"/>
@@ -876,35 +889,51 @@
               </c:numCache>
             </c:numRef>
           </c:val>
+          <c:smooth val="0"/>
         </c:ser>
+        <c:dLbls>
+          <c:showLegendKey val="0"/>
+          <c:showVal val="0"/>
+          <c:showCatName val="0"/>
+          <c:showSerName val="0"/>
+          <c:showPercent val="0"/>
+          <c:showBubbleSize val="0"/>
+        </c:dLbls>
         <c:marker val="1"/>
-        <c:axId val="66156032"/>
-        <c:axId val="66157568"/>
+        <c:smooth val="0"/>
+        <c:axId val="-1752897712"/>
+        <c:axId val="-1752890640"/>
       </c:lineChart>
       <c:dateAx>
-        <c:axId val="66156032"/>
+        <c:axId val="-1752897712"/>
         <c:scaling>
           <c:orientation val="minMax"/>
         </c:scaling>
+        <c:delete val="0"/>
         <c:axPos val="b"/>
         <c:numFmt formatCode="yyyy\/m\/d" sourceLinked="1"/>
+        <c:majorTickMark val="out"/>
+        <c:minorTickMark val="none"/>
         <c:tickLblPos val="nextTo"/>
-        <c:crossAx val="66157568"/>
+        <c:crossAx val="-1752890640"/>
         <c:crosses val="autoZero"/>
         <c:auto val="1"/>
         <c:lblOffset val="100"/>
         <c:baseTimeUnit val="days"/>
       </c:dateAx>
       <c:valAx>
-        <c:axId val="66157568"/>
+        <c:axId val="-1752890640"/>
         <c:scaling>
           <c:orientation val="minMax"/>
         </c:scaling>
+        <c:delete val="0"/>
         <c:axPos val="l"/>
         <c:majorGridlines/>
         <c:numFmt formatCode="h:mm:ss" sourceLinked="1"/>
+        <c:majorTickMark val="out"/>
+        <c:minorTickMark val="none"/>
         <c:tickLblPos val="nextTo"/>
-        <c:crossAx val="66156032"/>
+        <c:crossAx val="-1752897712"/>
         <c:crosses val="autoZero"/>
         <c:crossBetween val="between"/>
       </c:valAx>
@@ -912,25 +941,51 @@
     <c:legend>
       <c:legendPos val="r"/>
       <c:layout/>
+      <c:overlay val="0"/>
     </c:legend>
     <c:plotVisOnly val="1"/>
     <c:dispBlanksAs val="gap"/>
+    <c:showDLblsOverMax val="0"/>
   </c:chart>
-  <c:externalData r:id="rId1"/>
+  <c:externalData r:id="rId1">
+    <c:autoUpdate val="0"/>
+  </c:externalData>
 </c:chartSpace>
 </file>
 
 <file path=ppt/charts/chart2.xml><?xml version="1.0" encoding="utf-8"?>
 <c:chartSpace xmlns:c="http://schemas.openxmlformats.org/drawingml/2006/chart" xmlns:a="http://schemas.openxmlformats.org/drawingml/2006/main" xmlns:r="http://schemas.openxmlformats.org/officeDocument/2006/relationships">
+  <c:date1904 val="0"/>
   <c:lang val="zh-CN"/>
+  <c:roundedCorners val="0"/>
+  <mc:AlternateContent xmlns:mc="http://schemas.openxmlformats.org/markup-compatibility/2006">
+    <mc:Choice xmlns:c14="http://schemas.microsoft.com/office/drawing/2007/8/2/chart" Requires="c14">
+      <c14:style val="102"/>
+    </mc:Choice>
+    <mc:Fallback>
+      <c:style val="2"/>
+    </mc:Fallback>
+  </mc:AlternateContent>
   <c:chart>
     <c:title>
       <c:layout/>
+      <c:overlay val="0"/>
     </c:title>
+    <c:autoTitleDeleted val="0"/>
     <c:view3D>
       <c:rotX val="30"/>
-      <c:perspective val="30"/>
+      <c:rotY val="0"/>
+      <c:rAngAx val="0"/>
     </c:view3D>
+    <c:floor>
+      <c:thickness val="0"/>
+    </c:floor>
+    <c:sideWall>
+      <c:thickness val="0"/>
+    </c:sideWall>
+    <c:backWall>
+      <c:thickness val="0"/>
+    </c:backWall>
     <c:plotArea>
       <c:layout/>
       <c:pie3DChart>
@@ -967,10 +1022,17 @@
                 <a:endParaRPr lang="zh-CN"/>
               </a:p>
             </c:txPr>
+            <c:showLegendKey val="0"/>
+            <c:showVal val="0"/>
+            <c:showCatName val="0"/>
+            <c:showSerName val="0"/>
             <c:showPercent val="1"/>
+            <c:showBubbleSize val="0"/>
             <c:showLeaderLines val="1"/>
             <c:extLst>
-              <c:ext xmlns:c15="http://schemas.microsoft.com/office/drawing/2012/chart" uri="{CE6537A1-D6FC-4f65-9D91-7224C49458BB}"/>
+              <c:ext xmlns:c15="http://schemas.microsoft.com/office/drawing/2012/chart" uri="{CE6537A1-D6FC-4f65-9D91-7224C49458BB}">
+                <c15:layout/>
+              </c:ext>
             </c:extLst>
           </c:dLbls>
           <c:cat>
@@ -1004,13 +1066,20 @@
           </c:val>
         </c:ser>
         <c:dLbls>
+          <c:showLegendKey val="0"/>
+          <c:showVal val="0"/>
+          <c:showCatName val="0"/>
+          <c:showSerName val="0"/>
           <c:showPercent val="1"/>
+          <c:showBubbleSize val="0"/>
+          <c:showLeaderLines val="1"/>
         </c:dLbls>
       </c:pie3DChart>
     </c:plotArea>
     <c:legend>
       <c:legendPos val="t"/>
       <c:layout/>
+      <c:overlay val="0"/>
       <c:txPr>
         <a:bodyPr/>
         <a:lstStyle/>
@@ -1024,23 +1093,47 @@
     </c:legend>
     <c:plotVisOnly val="1"/>
     <c:dispBlanksAs val="zero"/>
+    <c:showDLblsOverMax val="0"/>
   </c:chart>
-  <c:externalData r:id="rId1"/>
+  <c:externalData r:id="rId1">
+    <c:autoUpdate val="0"/>
+  </c:externalData>
 </c:chartSpace>
 </file>
 
 <file path=ppt/charts/chart3.xml><?xml version="1.0" encoding="utf-8"?>
 <c:chartSpace xmlns:c="http://schemas.openxmlformats.org/drawingml/2006/chart" xmlns:a="http://schemas.openxmlformats.org/drawingml/2006/main" xmlns:r="http://schemas.openxmlformats.org/officeDocument/2006/relationships">
-  <c:date1904 val="1"/>
+  <c:date1904 val="0"/>
   <c:lang val="zh-CN"/>
+  <c:roundedCorners val="0"/>
+  <mc:AlternateContent xmlns:mc="http://schemas.openxmlformats.org/markup-compatibility/2006">
+    <mc:Choice xmlns:c14="http://schemas.microsoft.com/office/drawing/2007/8/2/chart" Requires="c14">
+      <c14:style val="102"/>
+    </mc:Choice>
+    <mc:Fallback>
+      <c:style val="2"/>
+    </mc:Fallback>
+  </mc:AlternateContent>
   <c:chart>
     <c:title>
       <c:layout/>
+      <c:overlay val="0"/>
     </c:title>
+    <c:autoTitleDeleted val="0"/>
     <c:view3D>
       <c:rotX val="30"/>
-      <c:perspective val="30"/>
+      <c:rotY val="0"/>
+      <c:rAngAx val="0"/>
     </c:view3D>
+    <c:floor>
+      <c:thickness val="0"/>
+    </c:floor>
+    <c:sideWall>
+      <c:thickness val="0"/>
+    </c:sideWall>
+    <c:backWall>
+      <c:thickness val="0"/>
+    </c:backWall>
     <c:plotArea>
       <c:layout/>
       <c:pie3DChart>
@@ -1077,10 +1170,17 @@
                 <a:endParaRPr lang="zh-CN"/>
               </a:p>
             </c:txPr>
+            <c:showLegendKey val="0"/>
+            <c:showVal val="0"/>
+            <c:showCatName val="0"/>
+            <c:showSerName val="0"/>
             <c:showPercent val="1"/>
+            <c:showBubbleSize val="0"/>
             <c:showLeaderLines val="1"/>
             <c:extLst>
-              <c:ext xmlns:c15="http://schemas.microsoft.com/office/drawing/2012/chart" uri="{CE6537A1-D6FC-4f65-9D91-7224C49458BB}"/>
+              <c:ext xmlns:c15="http://schemas.microsoft.com/office/drawing/2012/chart" uri="{CE6537A1-D6FC-4f65-9D91-7224C49458BB}">
+                <c15:layout/>
+              </c:ext>
             </c:extLst>
           </c:dLbls>
           <c:cat>
@@ -1114,13 +1214,20 @@
           </c:val>
         </c:ser>
         <c:dLbls>
+          <c:showLegendKey val="0"/>
+          <c:showVal val="0"/>
+          <c:showCatName val="0"/>
+          <c:showSerName val="0"/>
           <c:showPercent val="1"/>
+          <c:showBubbleSize val="0"/>
+          <c:showLeaderLines val="1"/>
         </c:dLbls>
       </c:pie3DChart>
     </c:plotArea>
     <c:legend>
       <c:legendPos val="t"/>
       <c:layout/>
+      <c:overlay val="0"/>
       <c:txPr>
         <a:bodyPr/>
         <a:lstStyle/>
@@ -1134,23 +1241,47 @@
     </c:legend>
     <c:plotVisOnly val="1"/>
     <c:dispBlanksAs val="zero"/>
+    <c:showDLblsOverMax val="0"/>
   </c:chart>
-  <c:externalData r:id="rId1"/>
+  <c:externalData r:id="rId1">
+    <c:autoUpdate val="0"/>
+  </c:externalData>
 </c:chartSpace>
 </file>
 
 <file path=ppt/charts/chart4.xml><?xml version="1.0" encoding="utf-8"?>
 <c:chartSpace xmlns:c="http://schemas.openxmlformats.org/drawingml/2006/chart" xmlns:a="http://schemas.openxmlformats.org/drawingml/2006/main" xmlns:r="http://schemas.openxmlformats.org/officeDocument/2006/relationships">
+  <c:date1904 val="0"/>
   <c:lang val="zh-CN"/>
-  <c:style val="1"/>
+  <c:roundedCorners val="0"/>
+  <mc:AlternateContent xmlns:mc="http://schemas.openxmlformats.org/markup-compatibility/2006">
+    <mc:Choice xmlns:c14="http://schemas.microsoft.com/office/drawing/2007/8/2/chart" Requires="c14">
+      <c14:style val="101"/>
+    </mc:Choice>
+    <mc:Fallback>
+      <c:style val="1"/>
+    </mc:Fallback>
+  </mc:AlternateContent>
   <c:chart>
     <c:title>
       <c:layout/>
+      <c:overlay val="0"/>
     </c:title>
+    <c:autoTitleDeleted val="0"/>
     <c:view3D>
       <c:rotX val="30"/>
-      <c:perspective val="30"/>
+      <c:rotY val="0"/>
+      <c:rAngAx val="0"/>
     </c:view3D>
+    <c:floor>
+      <c:thickness val="0"/>
+    </c:floor>
+    <c:sideWall>
+      <c:thickness val="0"/>
+    </c:sideWall>
+    <c:backWall>
+      <c:thickness val="0"/>
+    </c:backWall>
     <c:plotArea>
       <c:layout/>
       <c:pie3DChart>
@@ -1170,8 +1301,25 @@
             </c:strRef>
           </c:tx>
           <c:dLbls>
+            <c:spPr>
+              <a:noFill/>
+              <a:ln>
+                <a:noFill/>
+              </a:ln>
+              <a:effectLst/>
+            </c:spPr>
+            <c:showLegendKey val="0"/>
+            <c:showVal val="0"/>
+            <c:showCatName val="0"/>
+            <c:showSerName val="0"/>
             <c:showPercent val="1"/>
+            <c:showBubbleSize val="0"/>
             <c:showLeaderLines val="1"/>
+            <c:extLst>
+              <c:ext xmlns:c15="http://schemas.microsoft.com/office/drawing/2012/chart" uri="{CE6537A1-D6FC-4f65-9D91-7224C49458BB}">
+                <c15:layout/>
+              </c:ext>
+            </c:extLst>
           </c:dLbls>
           <c:cat>
             <c:strRef>
@@ -1216,7 +1364,13 @@
           </c:val>
         </c:ser>
         <c:dLbls>
+          <c:showLegendKey val="0"/>
+          <c:showVal val="0"/>
+          <c:showCatName val="0"/>
+          <c:showSerName val="0"/>
           <c:showPercent val="1"/>
+          <c:showBubbleSize val="0"/>
+          <c:showLeaderLines val="1"/>
         </c:dLbls>
       </c:pie3DChart>
     </c:plotArea>
@@ -1232,8 +1386,11 @@
           <c:h val="0.40606106086774191"/>
         </c:manualLayout>
       </c:layout>
+      <c:overlay val="0"/>
     </c:legend>
     <c:plotVisOnly val="1"/>
+    <c:dispBlanksAs val="gap"/>
+    <c:showDLblsOverMax val="0"/>
   </c:chart>
   <c:txPr>
     <a:bodyPr/>
@@ -1245,21 +1402,45 @@
       <a:endParaRPr lang="zh-CN"/>
     </a:p>
   </c:txPr>
-  <c:externalData r:id="rId1"/>
+  <c:externalData r:id="rId1">
+    <c:autoUpdate val="0"/>
+  </c:externalData>
 </c:chartSpace>
 </file>
 
 <file path=ppt/charts/chart5.xml><?xml version="1.0" encoding="utf-8"?>
 <c:chartSpace xmlns:c="http://schemas.openxmlformats.org/drawingml/2006/chart" xmlns:a="http://schemas.openxmlformats.org/drawingml/2006/main" xmlns:r="http://schemas.openxmlformats.org/officeDocument/2006/relationships">
+  <c:date1904 val="0"/>
   <c:lang val="zh-CN"/>
+  <c:roundedCorners val="0"/>
+  <mc:AlternateContent xmlns:mc="http://schemas.openxmlformats.org/markup-compatibility/2006">
+    <mc:Choice xmlns:c14="http://schemas.microsoft.com/office/drawing/2007/8/2/chart" Requires="c14">
+      <c14:style val="102"/>
+    </mc:Choice>
+    <mc:Fallback>
+      <c:style val="2"/>
+    </mc:Fallback>
+  </mc:AlternateContent>
   <c:chart>
     <c:title>
       <c:layout/>
+      <c:overlay val="0"/>
     </c:title>
+    <c:autoTitleDeleted val="0"/>
     <c:view3D>
       <c:rotX val="30"/>
-      <c:perspective val="30"/>
+      <c:rotY val="0"/>
+      <c:rAngAx val="0"/>
     </c:view3D>
+    <c:floor>
+      <c:thickness val="0"/>
+    </c:floor>
+    <c:sideWall>
+      <c:thickness val="0"/>
+    </c:sideWall>
+    <c:backWall>
+      <c:thickness val="0"/>
+    </c:backWall>
     <c:plotArea>
       <c:layout/>
       <c:pie3DChart>
@@ -1279,6 +1460,13 @@
             </c:strRef>
           </c:tx>
           <c:dLbls>
+            <c:spPr>
+              <a:noFill/>
+              <a:ln>
+                <a:noFill/>
+              </a:ln>
+              <a:effectLst/>
+            </c:spPr>
             <c:txPr>
               <a:bodyPr/>
               <a:lstStyle/>
@@ -1289,8 +1477,18 @@
                 <a:endParaRPr lang="zh-CN"/>
               </a:p>
             </c:txPr>
+            <c:showLegendKey val="0"/>
+            <c:showVal val="0"/>
+            <c:showCatName val="0"/>
+            <c:showSerName val="0"/>
             <c:showPercent val="1"/>
+            <c:showBubbleSize val="0"/>
             <c:showLeaderLines val="1"/>
+            <c:extLst>
+              <c:ext xmlns:c15="http://schemas.microsoft.com/office/drawing/2012/chart" uri="{CE6537A1-D6FC-4f65-9D91-7224C49458BB}">
+                <c15:layout/>
+              </c:ext>
+            </c:extLst>
           </c:dLbls>
           <c:cat>
             <c:strRef>
@@ -1323,13 +1521,20 @@
           </c:val>
         </c:ser>
         <c:dLbls>
+          <c:showLegendKey val="0"/>
+          <c:showVal val="0"/>
+          <c:showCatName val="0"/>
+          <c:showSerName val="0"/>
           <c:showPercent val="1"/>
+          <c:showBubbleSize val="0"/>
+          <c:showLeaderLines val="1"/>
         </c:dLbls>
       </c:pie3DChart>
     </c:plotArea>
     <c:legend>
       <c:legendPos val="t"/>
       <c:layout/>
+      <c:overlay val="0"/>
       <c:txPr>
         <a:bodyPr/>
         <a:lstStyle/>
@@ -1342,8 +1547,12 @@
       </c:txPr>
     </c:legend>
     <c:plotVisOnly val="1"/>
+    <c:dispBlanksAs val="gap"/>
+    <c:showDLblsOverMax val="0"/>
   </c:chart>
-  <c:externalData r:id="rId1"/>
+  <c:externalData r:id="rId1">
+    <c:autoUpdate val="0"/>
+  </c:externalData>
 </c:chartSpace>
 </file>
 
@@ -1430,7 +1639,7 @@
             <a:fld id="{B1DE5C37-F50D-4337-B44E-F4BD8C57ABEA}" type="datetimeFigureOut">
               <a:rPr lang="zh-CN" altLang="en-US" smtClean="0"/>
               <a:pPr/>
-              <a:t>2016/4/26</a:t>
+              <a:t>2016/4/27</a:t>
             </a:fld>
             <a:endParaRPr lang="zh-CN" altLang="en-US"/>
           </a:p>
@@ -1601,7 +1810,7 @@
     </p:spTree>
     <p:extLst>
       <p:ext uri="{BB962C8B-B14F-4D97-AF65-F5344CB8AC3E}">
-        <p14:creationId xmlns="" xmlns:p14="http://schemas.microsoft.com/office/powerpoint/2010/main" val="2445124731"/>
+        <p14:creationId xmlns:p14="http://schemas.microsoft.com/office/powerpoint/2010/main" val="2445124731"/>
       </p:ext>
     </p:extLst>
   </p:cSld>
@@ -1812,7 +2021,7 @@
     </p:spTree>
     <p:extLst>
       <p:ext uri="{BB962C8B-B14F-4D97-AF65-F5344CB8AC3E}">
-        <p14:creationId xmlns="" xmlns:p14="http://schemas.microsoft.com/office/powerpoint/2010/main" val="1883890141"/>
+        <p14:creationId xmlns:p14="http://schemas.microsoft.com/office/powerpoint/2010/main" val="1883890141"/>
       </p:ext>
     </p:extLst>
   </p:cSld>
@@ -3592,7 +3801,7 @@
     </p:spTree>
     <p:extLst>
       <p:ext uri="{BB962C8B-B14F-4D97-AF65-F5344CB8AC3E}">
-        <p14:creationId xmlns="" xmlns:p14="http://schemas.microsoft.com/office/powerpoint/2010/main" val="2030930386"/>
+        <p14:creationId xmlns:p14="http://schemas.microsoft.com/office/powerpoint/2010/main" val="2030930386"/>
       </p:ext>
     </p:extLst>
   </p:cSld>
@@ -3817,11 +4026,11 @@
             </a:pPr>
             <a:r>
               <a:rPr lang="zh-CN" altLang="en-US" sz="3000" b="1" kern="0" dirty="0" smtClean="0"/>
-              <a:t>购物篮分析</a:t>
+              <a:t>购物篮</a:t>
             </a:r>
             <a:r>
-              <a:rPr lang="zh-CN" altLang="en-US" sz="3000" b="1" kern="0" smtClean="0"/>
-              <a:t>开发。</a:t>
+              <a:rPr lang="zh-CN" altLang="en-US" sz="3000" b="1" kern="0" dirty="0" smtClean="0"/>
+              <a:t>分析。</a:t>
             </a:r>
             <a:endParaRPr lang="en-US" altLang="zh-CN" sz="3000" b="1" kern="0" dirty="0" smtClean="0"/>
           </a:p>
@@ -3921,7 +4130,41 @@
             </a:r>
             <a:r>
               <a:rPr lang="zh-CN" altLang="en-US" sz="3000" b="1" kern="0" dirty="0" smtClean="0"/>
-              <a:t>日结优化</a:t>
+              <a:t>日结</a:t>
+            </a:r>
+            <a:r>
+              <a:rPr lang="zh-CN" altLang="en-US" sz="3000" b="1" kern="0" dirty="0" smtClean="0"/>
+              <a:t>优化</a:t>
+            </a:r>
+            <a:endParaRPr lang="en-US" altLang="zh-CN" sz="3000" b="1" kern="0" dirty="0" smtClean="0"/>
+          </a:p>
+          <a:p>
+            <a:pPr marL="514350" marR="0" lvl="0" indent="-514350" algn="l" defTabSz="914400" rtl="0" eaLnBrk="1" fontAlgn="base" latinLnBrk="0" hangingPunct="1">
+              <a:lnSpc>
+                <a:spcPct val="100000"/>
+              </a:lnSpc>
+              <a:spcBef>
+                <a:spcPct val="20000"/>
+              </a:spcBef>
+              <a:spcAft>
+                <a:spcPct val="0"/>
+              </a:spcAft>
+              <a:buClr>
+                <a:schemeClr val="accent1"/>
+              </a:buClr>
+              <a:buSzPct val="65000"/>
+              <a:buFont typeface="+mj-lt"/>
+              <a:buAutoNum type="arabicPeriod"/>
+              <a:tabLst/>
+              <a:defRPr/>
+            </a:pPr>
+            <a:r>
+              <a:rPr lang="zh-CN" altLang="en-US" sz="3000" b="1" kern="0" dirty="0" smtClean="0"/>
+              <a:t>日常</a:t>
+            </a:r>
+            <a:r>
+              <a:rPr lang="zh-CN" altLang="en-US" sz="3000" b="1" kern="0" dirty="0" smtClean="0"/>
+              <a:t>维护及需求</a:t>
             </a:r>
             <a:endParaRPr lang="en-US" altLang="zh-CN" sz="3000" b="1" kern="0" dirty="0" smtClean="0"/>
           </a:p>
@@ -3960,7 +4203,7 @@
                 <a:ea typeface="+mn-ea"/>
                 <a:cs typeface="+mn-cs"/>
               </a:rPr>
-              <a:t>购物篮分析</a:t>
+              <a:t>进口食品数据分析</a:t>
             </a:r>
             <a:endParaRPr kumimoji="0" lang="en-US" altLang="zh-CN" sz="3000" b="1" i="0" u="none" strike="noStrike" kern="0" cap="none" spc="0" normalizeH="0" baseline="0" noProof="0" dirty="0" smtClean="0">
               <a:ln>
@@ -3998,33 +4241,7 @@
               <a:defRPr/>
             </a:pPr>
             <a:r>
-              <a:rPr lang="zh-CN" altLang="en-US" sz="3000" b="1" kern="0" dirty="0" smtClean="0"/>
-              <a:t>日常维护及需求</a:t>
-            </a:r>
-            <a:endParaRPr lang="en-US" altLang="zh-CN" sz="3000" b="1" kern="0" dirty="0" smtClean="0"/>
-          </a:p>
-          <a:p>
-            <a:pPr marL="514350" marR="0" lvl="0" indent="-514350" algn="l" defTabSz="914400" rtl="0" eaLnBrk="1" fontAlgn="base" latinLnBrk="0" hangingPunct="1">
-              <a:lnSpc>
-                <a:spcPct val="100000"/>
-              </a:lnSpc>
-              <a:spcBef>
-                <a:spcPct val="20000"/>
-              </a:spcBef>
-              <a:spcAft>
-                <a:spcPct val="0"/>
-              </a:spcAft>
-              <a:buClr>
-                <a:schemeClr val="accent1"/>
-              </a:buClr>
-              <a:buSzPct val="65000"/>
-              <a:buFont typeface="+mj-lt"/>
-              <a:buAutoNum type="arabicPeriod"/>
-              <a:tabLst/>
-              <a:defRPr/>
-            </a:pPr>
-            <a:r>
-              <a:rPr kumimoji="0" lang="en-US" altLang="zh-CN" sz="3000" b="1" i="0" u="none" strike="noStrike" kern="0" cap="none" spc="0" normalizeH="0" baseline="0" noProof="0" dirty="0" smtClean="0">
+              <a:rPr kumimoji="0" lang="zh-CN" altLang="en-US" sz="3000" b="1" i="0" u="none" strike="noStrike" kern="0" cap="none" spc="0" normalizeH="0" baseline="0" noProof="0" dirty="0" smtClean="0">
                 <a:ln>
                   <a:noFill/>
                 </a:ln>
@@ -4038,24 +4255,7 @@
                 <a:ea typeface="+mn-ea"/>
                 <a:cs typeface="+mn-cs"/>
               </a:rPr>
-              <a:t>RA</a:t>
-            </a:r>
-            <a:r>
-              <a:rPr kumimoji="0" lang="zh-CN" altLang="en-US" sz="3000" b="1" i="0" u="none" strike="noStrike" kern="0" cap="none" spc="0" normalizeH="0" baseline="0" noProof="0" smtClean="0">
-                <a:ln>
-                  <a:noFill/>
-                </a:ln>
-                <a:solidFill>
-                  <a:schemeClr val="tx1"/>
-                </a:solidFill>
-                <a:effectLst/>
-                <a:uLnTx/>
-                <a:uFillTx/>
-                <a:latin typeface="+mn-lt"/>
-                <a:ea typeface="+mn-ea"/>
-                <a:cs typeface="+mn-cs"/>
-              </a:rPr>
-              <a:t>培训</a:t>
+              <a:t>协同过滤推荐算法学习</a:t>
             </a:r>
             <a:endParaRPr kumimoji="0" lang="zh-CN" altLang="en-US" sz="3000" b="1" i="0" u="none" strike="noStrike" kern="0" cap="none" spc="0" normalizeH="0" baseline="0" noProof="0" dirty="0">
               <a:ln>
@@ -4111,7 +4311,7 @@
           <a:blip r:embed="rId3" cstate="print">
             <a:extLst>
               <a:ext uri="{28A0092B-C50C-407E-A947-70E740481C1C}">
-                <a14:useLocalDpi xmlns="" xmlns:a14="http://schemas.microsoft.com/office/drawing/2010/main" val="0"/>
+                <a14:useLocalDpi xmlns:a14="http://schemas.microsoft.com/office/drawing/2010/main" val="0"/>
               </a:ext>
             </a:extLst>
           </a:blip>
@@ -4134,14 +4334,14 @@
           </a:ln>
           <a:extLst>
             <a:ext uri="{909E8E84-426E-40DD-AFC4-6F175D3DCCD1}">
-              <a14:hiddenFill xmlns="" xmlns:a14="http://schemas.microsoft.com/office/drawing/2010/main">
+              <a14:hiddenFill xmlns:a14="http://schemas.microsoft.com/office/drawing/2010/main">
                 <a:solidFill>
                   <a:srgbClr val="FFFFFF"/>
                 </a:solidFill>
               </a14:hiddenFill>
             </a:ext>
             <a:ext uri="{91240B29-F687-4F45-9708-019B960494DF}">
-              <a14:hiddenLine xmlns="" xmlns:a14="http://schemas.microsoft.com/office/drawing/2010/main" w="9525">
+              <a14:hiddenLine xmlns:a14="http://schemas.microsoft.com/office/drawing/2010/main" w="9525">
                 <a:solidFill>
                   <a:srgbClr val="000000"/>
                 </a:solidFill>
@@ -4404,7 +4604,7 @@
     </p:spTree>
     <p:extLst>
       <p:ext uri="{BB962C8B-B14F-4D97-AF65-F5344CB8AC3E}">
-        <p14:creationId xmlns="" xmlns:p14="http://schemas.microsoft.com/office/powerpoint/2010/main" val="3136740454"/>
+        <p14:creationId xmlns:p14="http://schemas.microsoft.com/office/powerpoint/2010/main" val="3136740454"/>
       </p:ext>
     </p:extLst>
   </p:cSld>
@@ -4464,7 +4664,13 @@
           <p:cNvGraphicFramePr>
             <a:graphicFrameLocks noGrp="1"/>
           </p:cNvGraphicFramePr>
-          <p:nvPr/>
+          <p:nvPr>
+            <p:extLst>
+              <p:ext uri="{D42A27DB-BD31-4B8C-83A1-F6EECF244321}">
+                <p14:modId xmlns:p14="http://schemas.microsoft.com/office/powerpoint/2010/main" val="2707223524"/>
+              </p:ext>
+            </p:extLst>
+          </p:nvPr>
         </p:nvGraphicFramePr>
         <p:xfrm>
           <a:off x="5964072" y="2889660"/>
@@ -4525,23 +4731,29 @@
                     <a:p>
                       <a:pPr algn="l" fontAlgn="ctr"/>
                       <a:r>
-                        <a:rPr lang="en-US" altLang="zh-CN" sz="2000" b="0" i="0" u="none" strike="noStrike">
+                        <a:rPr lang="en-US" altLang="zh-CN" sz="2000" b="0" i="0" u="none" strike="noStrike" dirty="0" smtClean="0">
                           <a:solidFill>
                             <a:srgbClr val="000000"/>
                           </a:solidFill>
                           <a:latin typeface="宋体"/>
                         </a:rPr>
-                        <a:t>8:00</a:t>
-                      </a:r>
-                      <a:r>
-                        <a:rPr lang="zh-CN" altLang="en-US" sz="2000" b="0" i="0" u="none" strike="noStrike">
+                        <a:t>5.5</a:t>
+                      </a:r>
+                      <a:r>
+                        <a:rPr lang="zh-CN" altLang="en-US" sz="2000" b="0" i="0" u="none" strike="noStrike" dirty="0" smtClean="0">
                           <a:solidFill>
                             <a:srgbClr val="000000"/>
                           </a:solidFill>
                           <a:latin typeface="宋体"/>
                         </a:rPr>
-                        <a:t>之前完成</a:t>
-                      </a:r>
+                        <a:t>小时之内</a:t>
+                      </a:r>
+                      <a:endParaRPr lang="zh-CN" altLang="en-US" sz="2000" b="0" i="0" u="none" strike="noStrike" dirty="0">
+                        <a:solidFill>
+                          <a:srgbClr val="000000"/>
+                        </a:solidFill>
+                        <a:latin typeface="宋体"/>
+                      </a:endParaRPr>
                     </a:p>
                   </a:txBody>
                   <a:tcPr marL="0" marR="0" marT="0" marB="0" anchor="ctr"/>
@@ -4580,23 +4792,38 @@
                     <a:p>
                       <a:pPr algn="l" fontAlgn="ctr"/>
                       <a:r>
-                        <a:rPr lang="en-US" altLang="zh-CN" sz="2000" b="0" i="0" u="none" strike="noStrike">
+                        <a:rPr lang="zh-CN" altLang="en-US" sz="2000" b="0" i="0" u="none" strike="noStrike" dirty="0" smtClean="0">
                           <a:solidFill>
                             <a:srgbClr val="000000"/>
                           </a:solidFill>
                           <a:latin typeface="宋体"/>
                         </a:rPr>
-                        <a:t>8:00</a:t>
-                      </a:r>
-                      <a:r>
-                        <a:rPr lang="zh-CN" altLang="en-US" sz="2000" b="0" i="0" u="none" strike="noStrike">
+                        <a:t>超出</a:t>
+                      </a:r>
+                      <a:r>
+                        <a:rPr lang="en-US" altLang="zh-CN" sz="2000" b="0" i="0" u="none" strike="noStrike" dirty="0" smtClean="0">
                           <a:solidFill>
                             <a:srgbClr val="000000"/>
                           </a:solidFill>
                           <a:latin typeface="宋体"/>
                         </a:rPr>
-                        <a:t>之后完成</a:t>
-                      </a:r>
+                        <a:t>5.5</a:t>
+                      </a:r>
+                      <a:r>
+                        <a:rPr lang="zh-CN" altLang="en-US" sz="2000" b="0" i="0" u="none" strike="noStrike" smtClean="0">
+                          <a:solidFill>
+                            <a:srgbClr val="000000"/>
+                          </a:solidFill>
+                          <a:latin typeface="宋体"/>
+                        </a:rPr>
+                        <a:t>小时</a:t>
+                      </a:r>
+                      <a:endParaRPr lang="zh-CN" altLang="en-US" sz="2000" b="0" i="0" u="none" strike="noStrike">
+                        <a:solidFill>
+                          <a:srgbClr val="000000"/>
+                        </a:solidFill>
+                        <a:latin typeface="宋体"/>
+                      </a:endParaRPr>
                     </a:p>
                   </a:txBody>
                   <a:tcPr marL="0" marR="0" marT="0" marB="0" anchor="ctr"/>
@@ -5061,20 +5288,70 @@
           <p:nvPr>
             <p:extLst>
               <p:ext uri="{D42A27DB-BD31-4B8C-83A1-F6EECF244321}">
-                <p14:modId xmlns="" xmlns:p14="http://schemas.microsoft.com/office/powerpoint/2010/main" val="3773369728"/>
+                <p14:modId xmlns:p14="http://schemas.microsoft.com/office/powerpoint/2010/main" val="3547424873"/>
               </p:ext>
             </p:extLst>
           </p:nvPr>
         </p:nvGraphicFramePr>
         <p:xfrm>
-          <a:off x="9280879" y="2924277"/>
+          <a:off x="9183410" y="3596232"/>
           <a:ext cx="2573338" cy="454025"/>
         </p:xfrm>
         <a:graphic>
           <a:graphicData uri="http://schemas.openxmlformats.org/presentationml/2006/ole">
-            <p:oleObj spid="_x0000_s1026" name="包装程序外壳对象" showAsIcon="1" r:id="rId3" imgW="2573280" imgH="453960" progId="Package">
-              <p:embed/>
-            </p:oleObj>
+            <mc:AlternateContent xmlns:mc="http://schemas.openxmlformats.org/markup-compatibility/2006">
+              <mc:Choice xmlns:v="urn:schemas-microsoft-com:vml" Requires="v">
+                <p:oleObj spid="_x0000_s1071" name="包装程序外壳对象" showAsIcon="1" r:id="rId3" imgW="2573280" imgH="453960" progId="Package">
+                  <p:embed/>
+                </p:oleObj>
+              </mc:Choice>
+              <mc:Fallback>
+                <p:oleObj name="包装程序外壳对象" showAsIcon="1" r:id="rId3" imgW="2573280" imgH="453960" progId="Package">
+                  <p:embed/>
+                  <p:pic>
+                    <p:nvPicPr>
+                      <p:cNvPr id="0" name="Picture 2"/>
+                      <p:cNvPicPr>
+                        <a:picLocks noChangeAspect="1" noChangeArrowheads="1"/>
+                      </p:cNvPicPr>
+                      <p:nvPr/>
+                    </p:nvPicPr>
+                    <p:blipFill>
+                      <a:blip r:embed="rId4">
+                        <a:extLst>
+                          <a:ext uri="{28A0092B-C50C-407E-A947-70E740481C1C}">
+                            <a14:useLocalDpi xmlns:a14="http://schemas.microsoft.com/office/drawing/2010/main" val="0"/>
+                          </a:ext>
+                        </a:extLst>
+                      </a:blip>
+                      <a:srcRect/>
+                      <a:stretch>
+                        <a:fillRect/>
+                      </a:stretch>
+                    </p:blipFill>
+                    <p:spPr bwMode="auto">
+                      <a:xfrm>
+                        <a:off x="9183410" y="3596232"/>
+                        <a:ext cx="2573338" cy="454025"/>
+                      </a:xfrm>
+                      <a:prstGeom prst="rect">
+                        <a:avLst/>
+                      </a:prstGeom>
+                      <a:noFill/>
+                      <a:extLst>
+                        <a:ext uri="{909E8E84-426E-40DD-AFC4-6F175D3DCCD1}">
+                          <a14:hiddenFill xmlns:a14="http://schemas.microsoft.com/office/drawing/2010/main">
+                            <a:solidFill>
+                              <a:srgbClr val="FFFFFF"/>
+                            </a:solidFill>
+                          </a14:hiddenFill>
+                        </a:ext>
+                      </a:extLst>
+                    </p:spPr>
+                  </p:pic>
+                </p:oleObj>
+              </mc:Fallback>
+            </mc:AlternateContent>
           </a:graphicData>
         </a:graphic>
       </p:graphicFrame>
@@ -5087,7 +5364,7 @@
           <p:nvPr>
             <p:extLst>
               <p:ext uri="{D42A27DB-BD31-4B8C-83A1-F6EECF244321}">
-                <p14:modId xmlns="" xmlns:p14="http://schemas.microsoft.com/office/powerpoint/2010/main" val="1194388"/>
+                <p14:modId xmlns:p14="http://schemas.microsoft.com/office/powerpoint/2010/main" val="1194388"/>
               </p:ext>
             </p:extLst>
           </p:nvPr>
@@ -5098,9 +5375,59 @@
         </p:xfrm>
         <a:graphic>
           <a:graphicData uri="http://schemas.openxmlformats.org/presentationml/2006/ole">
-            <p:oleObj spid="_x0000_s1027" name="包装程序外壳对象" showAsIcon="1" r:id="rId4" imgW="3192120" imgH="453960" progId="Package">
-              <p:embed/>
-            </p:oleObj>
+            <mc:AlternateContent xmlns:mc="http://schemas.openxmlformats.org/markup-compatibility/2006">
+              <mc:Choice xmlns:v="urn:schemas-microsoft-com:vml" Requires="v">
+                <p:oleObj spid="_x0000_s1072" name="包装程序外壳对象" showAsIcon="1" r:id="rId5" imgW="3192120" imgH="453960" progId="Package">
+                  <p:embed/>
+                </p:oleObj>
+              </mc:Choice>
+              <mc:Fallback>
+                <p:oleObj name="包装程序外壳对象" showAsIcon="1" r:id="rId5" imgW="3192120" imgH="453960" progId="Package">
+                  <p:embed/>
+                  <p:pic>
+                    <p:nvPicPr>
+                      <p:cNvPr id="0" name="Picture 3"/>
+                      <p:cNvPicPr>
+                        <a:picLocks noChangeAspect="1" noChangeArrowheads="1"/>
+                      </p:cNvPicPr>
+                      <p:nvPr/>
+                    </p:nvPicPr>
+                    <p:blipFill>
+                      <a:blip r:embed="rId6">
+                        <a:extLst>
+                          <a:ext uri="{28A0092B-C50C-407E-A947-70E740481C1C}">
+                            <a14:useLocalDpi xmlns:a14="http://schemas.microsoft.com/office/drawing/2010/main" val="0"/>
+                          </a:ext>
+                        </a:extLst>
+                      </a:blip>
+                      <a:srcRect/>
+                      <a:stretch>
+                        <a:fillRect/>
+                      </a:stretch>
+                    </p:blipFill>
+                    <p:spPr bwMode="auto">
+                      <a:xfrm>
+                        <a:off x="6271938" y="2860606"/>
+                        <a:ext cx="3192463" cy="454025"/>
+                      </a:xfrm>
+                      <a:prstGeom prst="rect">
+                        <a:avLst/>
+                      </a:prstGeom>
+                      <a:noFill/>
+                      <a:extLst>
+                        <a:ext uri="{909E8E84-426E-40DD-AFC4-6F175D3DCCD1}">
+                          <a14:hiddenFill xmlns:a14="http://schemas.microsoft.com/office/drawing/2010/main">
+                            <a:solidFill>
+                              <a:srgbClr val="FFFFFF"/>
+                            </a:solidFill>
+                          </a14:hiddenFill>
+                        </a:ext>
+                      </a:extLst>
+                    </p:spPr>
+                  </p:pic>
+                </p:oleObj>
+              </mc:Fallback>
+            </mc:AlternateContent>
           </a:graphicData>
         </a:graphic>
       </p:graphicFrame>
@@ -5113,20 +5440,70 @@
           <p:nvPr>
             <p:extLst>
               <p:ext uri="{D42A27DB-BD31-4B8C-83A1-F6EECF244321}">
-                <p14:modId xmlns="" xmlns:p14="http://schemas.microsoft.com/office/powerpoint/2010/main" val="1920709435"/>
+                <p14:modId xmlns:p14="http://schemas.microsoft.com/office/powerpoint/2010/main" val="2040394943"/>
               </p:ext>
             </p:extLst>
           </p:nvPr>
         </p:nvGraphicFramePr>
         <p:xfrm>
-          <a:off x="8865688" y="2479072"/>
+          <a:off x="8861942" y="2848216"/>
           <a:ext cx="3216275" cy="454025"/>
         </p:xfrm>
         <a:graphic>
           <a:graphicData uri="http://schemas.openxmlformats.org/presentationml/2006/ole">
-            <p:oleObj spid="_x0000_s1028" name="包装程序外壳对象" showAsIcon="1" r:id="rId5" imgW="3216600" imgH="453960" progId="Package">
-              <p:embed/>
-            </p:oleObj>
+            <mc:AlternateContent xmlns:mc="http://schemas.openxmlformats.org/markup-compatibility/2006">
+              <mc:Choice xmlns:v="urn:schemas-microsoft-com:vml" Requires="v">
+                <p:oleObj spid="_x0000_s1073" name="包装程序外壳对象" showAsIcon="1" r:id="rId7" imgW="3216600" imgH="453960" progId="Package">
+                  <p:embed/>
+                </p:oleObj>
+              </mc:Choice>
+              <mc:Fallback>
+                <p:oleObj name="包装程序外壳对象" showAsIcon="1" r:id="rId7" imgW="3216600" imgH="453960" progId="Package">
+                  <p:embed/>
+                  <p:pic>
+                    <p:nvPicPr>
+                      <p:cNvPr id="0" name="Picture 4"/>
+                      <p:cNvPicPr>
+                        <a:picLocks noChangeAspect="1" noChangeArrowheads="1"/>
+                      </p:cNvPicPr>
+                      <p:nvPr/>
+                    </p:nvPicPr>
+                    <p:blipFill>
+                      <a:blip r:embed="rId8">
+                        <a:extLst>
+                          <a:ext uri="{28A0092B-C50C-407E-A947-70E740481C1C}">
+                            <a14:useLocalDpi xmlns:a14="http://schemas.microsoft.com/office/drawing/2010/main" val="0"/>
+                          </a:ext>
+                        </a:extLst>
+                      </a:blip>
+                      <a:srcRect/>
+                      <a:stretch>
+                        <a:fillRect/>
+                      </a:stretch>
+                    </p:blipFill>
+                    <p:spPr bwMode="auto">
+                      <a:xfrm>
+                        <a:off x="8861942" y="2848216"/>
+                        <a:ext cx="3216275" cy="454025"/>
+                      </a:xfrm>
+                      <a:prstGeom prst="rect">
+                        <a:avLst/>
+                      </a:prstGeom>
+                      <a:noFill/>
+                      <a:extLst>
+                        <a:ext uri="{909E8E84-426E-40DD-AFC4-6F175D3DCCD1}">
+                          <a14:hiddenFill xmlns:a14="http://schemas.microsoft.com/office/drawing/2010/main">
+                            <a:solidFill>
+                              <a:srgbClr val="FFFFFF"/>
+                            </a:solidFill>
+                          </a14:hiddenFill>
+                        </a:ext>
+                      </a:extLst>
+                    </p:spPr>
+                  </p:pic>
+                </p:oleObj>
+              </mc:Fallback>
+            </mc:AlternateContent>
           </a:graphicData>
         </a:graphic>
       </p:graphicFrame>
@@ -5139,7 +5516,7 @@
           <p:nvPr>
             <p:extLst>
               <p:ext uri="{D42A27DB-BD31-4B8C-83A1-F6EECF244321}">
-                <p14:modId xmlns="" xmlns:p14="http://schemas.microsoft.com/office/powerpoint/2010/main" val="1204520295"/>
+                <p14:modId xmlns:p14="http://schemas.microsoft.com/office/powerpoint/2010/main" val="1204520295"/>
               </p:ext>
             </p:extLst>
           </p:nvPr>
@@ -5150,9 +5527,59 @@
         </p:xfrm>
         <a:graphic>
           <a:graphicData uri="http://schemas.openxmlformats.org/presentationml/2006/ole">
-            <p:oleObj spid="_x0000_s1029" name="包装程序外壳对象" showAsIcon="1" r:id="rId6" imgW="2589480" imgH="453960" progId="Package">
-              <p:embed/>
-            </p:oleObj>
+            <mc:AlternateContent xmlns:mc="http://schemas.openxmlformats.org/markup-compatibility/2006">
+              <mc:Choice xmlns:v="urn:schemas-microsoft-com:vml" Requires="v">
+                <p:oleObj spid="_x0000_s1074" name="包装程序外壳对象" showAsIcon="1" r:id="rId9" imgW="2589480" imgH="453960" progId="Package">
+                  <p:embed/>
+                </p:oleObj>
+              </mc:Choice>
+              <mc:Fallback>
+                <p:oleObj name="包装程序外壳对象" showAsIcon="1" r:id="rId9" imgW="2589480" imgH="453960" progId="Package">
+                  <p:embed/>
+                  <p:pic>
+                    <p:nvPicPr>
+                      <p:cNvPr id="0" name="Picture 5"/>
+                      <p:cNvPicPr>
+                        <a:picLocks noChangeAspect="1" noChangeArrowheads="1"/>
+                      </p:cNvPicPr>
+                      <p:nvPr/>
+                    </p:nvPicPr>
+                    <p:blipFill>
+                      <a:blip r:embed="rId10">
+                        <a:extLst>
+                          <a:ext uri="{28A0092B-C50C-407E-A947-70E740481C1C}">
+                            <a14:useLocalDpi xmlns:a14="http://schemas.microsoft.com/office/drawing/2010/main" val="0"/>
+                          </a:ext>
+                        </a:extLst>
+                      </a:blip>
+                      <a:srcRect/>
+                      <a:stretch>
+                        <a:fillRect/>
+                      </a:stretch>
+                    </p:blipFill>
+                    <p:spPr bwMode="auto">
+                      <a:xfrm>
+                        <a:off x="6573564" y="2124980"/>
+                        <a:ext cx="2589213" cy="454025"/>
+                      </a:xfrm>
+                      <a:prstGeom prst="rect">
+                        <a:avLst/>
+                      </a:prstGeom>
+                      <a:noFill/>
+                      <a:extLst>
+                        <a:ext uri="{909E8E84-426E-40DD-AFC4-6F175D3DCCD1}">
+                          <a14:hiddenFill xmlns:a14="http://schemas.microsoft.com/office/drawing/2010/main">
+                            <a:solidFill>
+                              <a:srgbClr val="FFFFFF"/>
+                            </a:solidFill>
+                          </a14:hiddenFill>
+                        </a:ext>
+                      </a:extLst>
+                    </p:spPr>
+                  </p:pic>
+                </p:oleObj>
+              </mc:Fallback>
+            </mc:AlternateContent>
           </a:graphicData>
         </a:graphic>
       </p:graphicFrame>
@@ -5165,7 +5592,7 @@
           <p:nvPr>
             <p:extLst>
               <p:ext uri="{D42A27DB-BD31-4B8C-83A1-F6EECF244321}">
-                <p14:modId xmlns="" xmlns:p14="http://schemas.microsoft.com/office/powerpoint/2010/main" val="593818019"/>
+                <p14:modId xmlns:p14="http://schemas.microsoft.com/office/powerpoint/2010/main" val="593818019"/>
               </p:ext>
             </p:extLst>
           </p:nvPr>
@@ -5176,9 +5603,59 @@
         </p:xfrm>
         <a:graphic>
           <a:graphicData uri="http://schemas.openxmlformats.org/presentationml/2006/ole">
-            <p:oleObj spid="_x0000_s1030" name="包装程序外壳对象" showAsIcon="1" r:id="rId7" imgW="2548800" imgH="453960" progId="Package">
-              <p:embed/>
-            </p:oleObj>
+            <mc:AlternateContent xmlns:mc="http://schemas.openxmlformats.org/markup-compatibility/2006">
+              <mc:Choice xmlns:v="urn:schemas-microsoft-com:vml" Requires="v">
+                <p:oleObj spid="_x0000_s1075" name="包装程序外壳对象" showAsIcon="1" r:id="rId11" imgW="2548800" imgH="453960" progId="Package">
+                  <p:embed/>
+                </p:oleObj>
+              </mc:Choice>
+              <mc:Fallback>
+                <p:oleObj name="包装程序外壳对象" showAsIcon="1" r:id="rId11" imgW="2548800" imgH="453960" progId="Package">
+                  <p:embed/>
+                  <p:pic>
+                    <p:nvPicPr>
+                      <p:cNvPr id="0" name="Picture 6"/>
+                      <p:cNvPicPr>
+                        <a:picLocks noChangeAspect="1" noChangeArrowheads="1"/>
+                      </p:cNvPicPr>
+                      <p:nvPr/>
+                    </p:nvPicPr>
+                    <p:blipFill>
+                      <a:blip r:embed="rId12">
+                        <a:extLst>
+                          <a:ext uri="{28A0092B-C50C-407E-A947-70E740481C1C}">
+                            <a14:useLocalDpi xmlns:a14="http://schemas.microsoft.com/office/drawing/2010/main" val="0"/>
+                          </a:ext>
+                        </a:extLst>
+                      </a:blip>
+                      <a:srcRect/>
+                      <a:stretch>
+                        <a:fillRect/>
+                      </a:stretch>
+                    </p:blipFill>
+                    <p:spPr bwMode="auto">
+                      <a:xfrm>
+                        <a:off x="6691038" y="1446503"/>
+                        <a:ext cx="2549525" cy="454025"/>
+                      </a:xfrm>
+                      <a:prstGeom prst="rect">
+                        <a:avLst/>
+                      </a:prstGeom>
+                      <a:noFill/>
+                      <a:extLst>
+                        <a:ext uri="{909E8E84-426E-40DD-AFC4-6F175D3DCCD1}">
+                          <a14:hiddenFill xmlns:a14="http://schemas.microsoft.com/office/drawing/2010/main">
+                            <a:solidFill>
+                              <a:srgbClr val="FFFFFF"/>
+                            </a:solidFill>
+                          </a14:hiddenFill>
+                        </a:ext>
+                      </a:extLst>
+                    </p:spPr>
+                  </p:pic>
+                </p:oleObj>
+              </mc:Fallback>
+            </mc:AlternateContent>
           </a:graphicData>
         </a:graphic>
       </p:graphicFrame>
@@ -5191,7 +5668,7 @@
           <p:nvPr>
             <p:extLst>
               <p:ext uri="{D42A27DB-BD31-4B8C-83A1-F6EECF244321}">
-                <p14:modId xmlns="" xmlns:p14="http://schemas.microsoft.com/office/powerpoint/2010/main" val="3398220824"/>
+                <p14:modId xmlns:p14="http://schemas.microsoft.com/office/powerpoint/2010/main" val="3398220824"/>
               </p:ext>
             </p:extLst>
           </p:nvPr>
@@ -5202,9 +5679,59 @@
         </p:xfrm>
         <a:graphic>
           <a:graphicData uri="http://schemas.openxmlformats.org/presentationml/2006/ole">
-            <p:oleObj spid="_x0000_s1031" name="包装程序外壳对象" showAsIcon="1" r:id="rId8" imgW="2784960" imgH="453960" progId="Package">
-              <p:embed/>
-            </p:oleObj>
+            <mc:AlternateContent xmlns:mc="http://schemas.openxmlformats.org/markup-compatibility/2006">
+              <mc:Choice xmlns:v="urn:schemas-microsoft-com:vml" Requires="v">
+                <p:oleObj spid="_x0000_s1076" name="包装程序外壳对象" showAsIcon="1" r:id="rId13" imgW="2784960" imgH="453960" progId="Package">
+                  <p:embed/>
+                </p:oleObj>
+              </mc:Choice>
+              <mc:Fallback>
+                <p:oleObj name="包装程序外壳对象" showAsIcon="1" r:id="rId13" imgW="2784960" imgH="453960" progId="Package">
+                  <p:embed/>
+                  <p:pic>
+                    <p:nvPicPr>
+                      <p:cNvPr id="0" name="Picture 7"/>
+                      <p:cNvPicPr>
+                        <a:picLocks noChangeAspect="1" noChangeArrowheads="1"/>
+                      </p:cNvPicPr>
+                      <p:nvPr/>
+                    </p:nvPicPr>
+                    <p:blipFill>
+                      <a:blip r:embed="rId14">
+                        <a:extLst>
+                          <a:ext uri="{28A0092B-C50C-407E-A947-70E740481C1C}">
+                            <a14:useLocalDpi xmlns:a14="http://schemas.microsoft.com/office/drawing/2010/main" val="0"/>
+                          </a:ext>
+                        </a:extLst>
+                      </a:blip>
+                      <a:srcRect/>
+                      <a:stretch>
+                        <a:fillRect/>
+                      </a:stretch>
+                    </p:blipFill>
+                    <p:spPr bwMode="auto">
+                      <a:xfrm>
+                        <a:off x="6573564" y="852463"/>
+                        <a:ext cx="2784475" cy="454025"/>
+                      </a:xfrm>
+                      <a:prstGeom prst="rect">
+                        <a:avLst/>
+                      </a:prstGeom>
+                      <a:noFill/>
+                      <a:extLst>
+                        <a:ext uri="{909E8E84-426E-40DD-AFC4-6F175D3DCCD1}">
+                          <a14:hiddenFill xmlns:a14="http://schemas.microsoft.com/office/drawing/2010/main">
+                            <a:solidFill>
+                              <a:srgbClr val="FFFFFF"/>
+                            </a:solidFill>
+                          </a14:hiddenFill>
+                        </a:ext>
+                      </a:extLst>
+                    </p:spPr>
+                  </p:pic>
+                </p:oleObj>
+              </mc:Fallback>
+            </mc:AlternateContent>
           </a:graphicData>
         </a:graphic>
       </p:graphicFrame>
@@ -5217,20 +5744,70 @@
           <p:nvPr>
             <p:extLst>
               <p:ext uri="{D42A27DB-BD31-4B8C-83A1-F6EECF244321}">
-                <p14:modId xmlns="" xmlns:p14="http://schemas.microsoft.com/office/powerpoint/2010/main" val="566420968"/>
+                <p14:modId xmlns:p14="http://schemas.microsoft.com/office/powerpoint/2010/main" val="2446644732"/>
               </p:ext>
             </p:extLst>
           </p:nvPr>
         </p:nvGraphicFramePr>
         <p:xfrm>
-          <a:off x="9179280" y="2002523"/>
+          <a:off x="9118324" y="2124979"/>
           <a:ext cx="2703513" cy="454025"/>
         </p:xfrm>
         <a:graphic>
           <a:graphicData uri="http://schemas.openxmlformats.org/presentationml/2006/ole">
-            <p:oleObj spid="_x0000_s1032" name="包装程序外壳对象" showAsIcon="1" r:id="rId9" imgW="2703600" imgH="453960" progId="Package">
-              <p:embed/>
-            </p:oleObj>
+            <mc:AlternateContent xmlns:mc="http://schemas.openxmlformats.org/markup-compatibility/2006">
+              <mc:Choice xmlns:v="urn:schemas-microsoft-com:vml" Requires="v">
+                <p:oleObj spid="_x0000_s1077" name="包装程序外壳对象" showAsIcon="1" r:id="rId15" imgW="2703600" imgH="453960" progId="Package">
+                  <p:embed/>
+                </p:oleObj>
+              </mc:Choice>
+              <mc:Fallback>
+                <p:oleObj name="包装程序外壳对象" showAsIcon="1" r:id="rId15" imgW="2703600" imgH="453960" progId="Package">
+                  <p:embed/>
+                  <p:pic>
+                    <p:nvPicPr>
+                      <p:cNvPr id="0" name="Picture 8"/>
+                      <p:cNvPicPr>
+                        <a:picLocks noChangeAspect="1" noChangeArrowheads="1"/>
+                      </p:cNvPicPr>
+                      <p:nvPr/>
+                    </p:nvPicPr>
+                    <p:blipFill>
+                      <a:blip r:embed="rId16">
+                        <a:extLst>
+                          <a:ext uri="{28A0092B-C50C-407E-A947-70E740481C1C}">
+                            <a14:useLocalDpi xmlns:a14="http://schemas.microsoft.com/office/drawing/2010/main" val="0"/>
+                          </a:ext>
+                        </a:extLst>
+                      </a:blip>
+                      <a:srcRect/>
+                      <a:stretch>
+                        <a:fillRect/>
+                      </a:stretch>
+                    </p:blipFill>
+                    <p:spPr bwMode="auto">
+                      <a:xfrm>
+                        <a:off x="9118324" y="2124979"/>
+                        <a:ext cx="2703513" cy="454025"/>
+                      </a:xfrm>
+                      <a:prstGeom prst="rect">
+                        <a:avLst/>
+                      </a:prstGeom>
+                      <a:noFill/>
+                      <a:extLst>
+                        <a:ext uri="{909E8E84-426E-40DD-AFC4-6F175D3DCCD1}">
+                          <a14:hiddenFill xmlns:a14="http://schemas.microsoft.com/office/drawing/2010/main">
+                            <a:solidFill>
+                              <a:srgbClr val="FFFFFF"/>
+                            </a:solidFill>
+                          </a14:hiddenFill>
+                        </a:ext>
+                      </a:extLst>
+                    </p:spPr>
+                  </p:pic>
+                </p:oleObj>
+              </mc:Fallback>
+            </mc:AlternateContent>
           </a:graphicData>
         </a:graphic>
       </p:graphicFrame>
@@ -5243,20 +5820,70 @@
           <p:nvPr>
             <p:extLst>
               <p:ext uri="{D42A27DB-BD31-4B8C-83A1-F6EECF244321}">
-                <p14:modId xmlns="" xmlns:p14="http://schemas.microsoft.com/office/powerpoint/2010/main" val="1733485645"/>
+                <p14:modId xmlns:p14="http://schemas.microsoft.com/office/powerpoint/2010/main" val="3327828016"/>
               </p:ext>
             </p:extLst>
           </p:nvPr>
         </p:nvGraphicFramePr>
         <p:xfrm>
-          <a:off x="9207854" y="1473929"/>
+          <a:off x="9146900" y="1446502"/>
           <a:ext cx="2646363" cy="454025"/>
         </p:xfrm>
         <a:graphic>
           <a:graphicData uri="http://schemas.openxmlformats.org/presentationml/2006/ole">
-            <p:oleObj spid="_x0000_s1033" name="包装程序外壳对象" showAsIcon="1" r:id="rId10" imgW="2646720" imgH="453960" progId="Package">
-              <p:embed/>
-            </p:oleObj>
+            <mc:AlternateContent xmlns:mc="http://schemas.openxmlformats.org/markup-compatibility/2006">
+              <mc:Choice xmlns:v="urn:schemas-microsoft-com:vml" Requires="v">
+                <p:oleObj spid="_x0000_s1078" name="包装程序外壳对象" showAsIcon="1" r:id="rId17" imgW="2646720" imgH="453960" progId="Package">
+                  <p:embed/>
+                </p:oleObj>
+              </mc:Choice>
+              <mc:Fallback>
+                <p:oleObj name="包装程序外壳对象" showAsIcon="1" r:id="rId17" imgW="2646720" imgH="453960" progId="Package">
+                  <p:embed/>
+                  <p:pic>
+                    <p:nvPicPr>
+                      <p:cNvPr id="0" name="Picture 9"/>
+                      <p:cNvPicPr>
+                        <a:picLocks noChangeAspect="1" noChangeArrowheads="1"/>
+                      </p:cNvPicPr>
+                      <p:nvPr/>
+                    </p:nvPicPr>
+                    <p:blipFill>
+                      <a:blip r:embed="rId18">
+                        <a:extLst>
+                          <a:ext uri="{28A0092B-C50C-407E-A947-70E740481C1C}">
+                            <a14:useLocalDpi xmlns:a14="http://schemas.microsoft.com/office/drawing/2010/main" val="0"/>
+                          </a:ext>
+                        </a:extLst>
+                      </a:blip>
+                      <a:srcRect/>
+                      <a:stretch>
+                        <a:fillRect/>
+                      </a:stretch>
+                    </p:blipFill>
+                    <p:spPr bwMode="auto">
+                      <a:xfrm>
+                        <a:off x="9146900" y="1446502"/>
+                        <a:ext cx="2646363" cy="454025"/>
+                      </a:xfrm>
+                      <a:prstGeom prst="rect">
+                        <a:avLst/>
+                      </a:prstGeom>
+                      <a:noFill/>
+                      <a:extLst>
+                        <a:ext uri="{909E8E84-426E-40DD-AFC4-6F175D3DCCD1}">
+                          <a14:hiddenFill xmlns:a14="http://schemas.microsoft.com/office/drawing/2010/main">
+                            <a:solidFill>
+                              <a:srgbClr val="FFFFFF"/>
+                            </a:solidFill>
+                          </a14:hiddenFill>
+                        </a:ext>
+                      </a:extLst>
+                    </p:spPr>
+                  </p:pic>
+                </p:oleObj>
+              </mc:Fallback>
+            </mc:AlternateContent>
           </a:graphicData>
         </a:graphic>
       </p:graphicFrame>
@@ -5269,27 +5896,77 @@
           <p:nvPr>
             <p:extLst>
               <p:ext uri="{D42A27DB-BD31-4B8C-83A1-F6EECF244321}">
-                <p14:modId xmlns="" xmlns:p14="http://schemas.microsoft.com/office/powerpoint/2010/main" val="3261391285"/>
+                <p14:modId xmlns:p14="http://schemas.microsoft.com/office/powerpoint/2010/main" val="4271721957"/>
               </p:ext>
             </p:extLst>
           </p:nvPr>
         </p:nvGraphicFramePr>
         <p:xfrm>
-          <a:off x="9240563" y="1092395"/>
+          <a:off x="9240563" y="848053"/>
           <a:ext cx="2459038" cy="454025"/>
         </p:xfrm>
         <a:graphic>
           <a:graphicData uri="http://schemas.openxmlformats.org/presentationml/2006/ole">
-            <p:oleObj spid="_x0000_s1034" name="包装程序外壳对象" showAsIcon="1" r:id="rId11" imgW="2459160" imgH="453960" progId="Package">
-              <p:embed/>
-            </p:oleObj>
+            <mc:AlternateContent xmlns:mc="http://schemas.openxmlformats.org/markup-compatibility/2006">
+              <mc:Choice xmlns:v="urn:schemas-microsoft-com:vml" Requires="v">
+                <p:oleObj spid="_x0000_s1079" name="包装程序外壳对象" showAsIcon="1" r:id="rId19" imgW="2459160" imgH="453960" progId="Package">
+                  <p:embed/>
+                </p:oleObj>
+              </mc:Choice>
+              <mc:Fallback>
+                <p:oleObj name="包装程序外壳对象" showAsIcon="1" r:id="rId19" imgW="2459160" imgH="453960" progId="Package">
+                  <p:embed/>
+                  <p:pic>
+                    <p:nvPicPr>
+                      <p:cNvPr id="0" name="Picture 10"/>
+                      <p:cNvPicPr>
+                        <a:picLocks noChangeAspect="1" noChangeArrowheads="1"/>
+                      </p:cNvPicPr>
+                      <p:nvPr/>
+                    </p:nvPicPr>
+                    <p:blipFill>
+                      <a:blip r:embed="rId20">
+                        <a:extLst>
+                          <a:ext uri="{28A0092B-C50C-407E-A947-70E740481C1C}">
+                            <a14:useLocalDpi xmlns:a14="http://schemas.microsoft.com/office/drawing/2010/main" val="0"/>
+                          </a:ext>
+                        </a:extLst>
+                      </a:blip>
+                      <a:srcRect/>
+                      <a:stretch>
+                        <a:fillRect/>
+                      </a:stretch>
+                    </p:blipFill>
+                    <p:spPr bwMode="auto">
+                      <a:xfrm>
+                        <a:off x="9240563" y="848053"/>
+                        <a:ext cx="2459038" cy="454025"/>
+                      </a:xfrm>
+                      <a:prstGeom prst="rect">
+                        <a:avLst/>
+                      </a:prstGeom>
+                      <a:noFill/>
+                      <a:extLst>
+                        <a:ext uri="{909E8E84-426E-40DD-AFC4-6F175D3DCCD1}">
+                          <a14:hiddenFill xmlns:a14="http://schemas.microsoft.com/office/drawing/2010/main">
+                            <a:solidFill>
+                              <a:srgbClr val="FFFFFF"/>
+                            </a:solidFill>
+                          </a14:hiddenFill>
+                        </a:ext>
+                      </a:extLst>
+                    </p:spPr>
+                  </p:pic>
+                </p:oleObj>
+              </mc:Fallback>
+            </mc:AlternateContent>
           </a:graphicData>
         </a:graphic>
       </p:graphicFrame>
     </p:spTree>
     <p:extLst>
       <p:ext uri="{BB962C8B-B14F-4D97-AF65-F5344CB8AC3E}">
-        <p14:creationId xmlns="" xmlns:p14="http://schemas.microsoft.com/office/powerpoint/2010/main" val="1852646896"/>
+        <p14:creationId xmlns:p14="http://schemas.microsoft.com/office/powerpoint/2010/main" val="1852646896"/>
       </p:ext>
     </p:extLst>
   </p:cSld>
@@ -5318,31 +5995,39 @@
       </p:grpSpPr>
       <p:graphicFrame>
         <p:nvGraphicFramePr>
-          <p:cNvPr id="4" name="内容占位符 3"/>
+          <p:cNvPr id="3" name="内容占位符 2"/>
           <p:cNvGraphicFramePr>
             <a:graphicFrameLocks noGrp="1"/>
           </p:cNvGraphicFramePr>
           <p:nvPr>
             <p:ph idx="1"/>
+            <p:extLst>
+              <p:ext uri="{D42A27DB-BD31-4B8C-83A1-F6EECF244321}">
+                <p14:modId xmlns:p14="http://schemas.microsoft.com/office/powerpoint/2010/main" val="403461259"/>
+              </p:ext>
+            </p:extLst>
           </p:nvPr>
         </p:nvGraphicFramePr>
         <p:xfrm>
-          <a:off x="1174748" y="1405720"/>
-          <a:ext cx="10071006" cy="4217160"/>
+          <a:off x="755176" y="1266872"/>
+          <a:ext cx="10627057" cy="4750269"/>
         </p:xfrm>
         <a:graphic>
           <a:graphicData uri="http://schemas.openxmlformats.org/drawingml/2006/table">
             <a:tbl>
-              <a:tblPr/>
+              <a:tblPr>
+                <a:tableStyleId>{5940675A-B579-460E-94D1-54222C63F5DA}</a:tableStyleId>
+              </a:tblPr>
               <a:tblGrid>
-                <a:gridCol w="818675"/>
-                <a:gridCol w="2962825"/>
-                <a:gridCol w="2378057"/>
-                <a:gridCol w="1988211"/>
-                <a:gridCol w="961619"/>
-                <a:gridCol w="961619"/>
+                <a:gridCol w="248991"/>
+                <a:gridCol w="871467"/>
+                <a:gridCol w="3153881"/>
+                <a:gridCol w="2531404"/>
+                <a:gridCol w="1774058"/>
+                <a:gridCol w="1023628"/>
+                <a:gridCol w="1023628"/>
               </a:tblGrid>
-              <a:tr h="421716">
+              <a:tr h="365754">
                 <a:tc>
                   <a:txBody>
                     <a:bodyPr/>
@@ -5350,75 +6035,58 @@
                     <a:p>
                       <a:pPr algn="ctr" fontAlgn="ctr"/>
                       <a:r>
-                        <a:rPr lang="zh-CN" altLang="en-US" sz="1200" b="0" i="0" u="none" strike="noStrike">
-                          <a:solidFill>
-                            <a:srgbClr val="000000"/>
-                          </a:solidFill>
-                          <a:latin typeface="黑体" pitchFamily="49" charset="-122"/>
-                          <a:ea typeface="黑体" pitchFamily="49" charset="-122"/>
+                        <a:rPr lang="en-US" sz="1200" u="none" strike="noStrike" dirty="0">
+                          <a:effectLst/>
+                        </a:rPr>
+                        <a:t>SN</a:t>
+                      </a:r>
+                      <a:endParaRPr lang="en-US" sz="1200" b="0" i="0" u="none" strike="noStrike" dirty="0">
+                        <a:solidFill>
+                          <a:srgbClr val="000000"/>
+                        </a:solidFill>
+                        <a:effectLst/>
+                        <a:latin typeface="宋体" panose="02010600030101010101" pitchFamily="2" charset="-122"/>
+                        <a:ea typeface="宋体" panose="02010600030101010101" pitchFamily="2" charset="-122"/>
+                      </a:endParaRPr>
+                    </a:p>
+                  </a:txBody>
+                  <a:tcPr marL="9525" marR="9525" marT="9525" marB="0" anchor="ctr"/>
+                </a:tc>
+                <a:tc>
+                  <a:txBody>
+                    <a:bodyPr/>
+                    <a:lstStyle/>
+                    <a:p>
+                      <a:pPr algn="ctr" fontAlgn="ctr"/>
+                      <a:r>
+                        <a:rPr lang="zh-CN" altLang="en-US" sz="1200" u="none" strike="noStrike">
+                          <a:effectLst/>
                         </a:rPr>
                         <a:t>发给郭</a:t>
                       </a:r>
                       <a:r>
-                        <a:rPr lang="en-US" sz="1200" b="0" i="0" u="none" strike="noStrike">
-                          <a:solidFill>
-                            <a:srgbClr val="000000"/>
-                          </a:solidFill>
-                          <a:latin typeface="黑体" pitchFamily="49" charset="-122"/>
-                          <a:ea typeface="黑体" pitchFamily="49" charset="-122"/>
+                        <a:rPr lang="en-US" sz="1200" u="none" strike="noStrike">
+                          <a:effectLst/>
                         </a:rPr>
                         <a:t>DB</a:t>
                       </a:r>
                       <a:r>
-                        <a:rPr lang="zh-CN" altLang="en-US" sz="1200" b="0" i="0" u="none" strike="noStrike">
-                          <a:solidFill>
-                            <a:srgbClr val="000000"/>
-                          </a:solidFill>
-                          <a:latin typeface="黑体" pitchFamily="49" charset="-122"/>
-                          <a:ea typeface="黑体" pitchFamily="49" charset="-122"/>
+                        <a:rPr lang="zh-CN" altLang="en-US" sz="1200" u="none" strike="noStrike">
+                          <a:effectLst/>
                         </a:rPr>
                         <a:t>日期</a:t>
                       </a:r>
-                    </a:p>
-                  </a:txBody>
-                  <a:tcPr marL="9525" marR="9525" marT="9525" marB="0" anchor="ctr">
-                    <a:lnL w="6350" cap="flat" cmpd="sng" algn="ctr">
-                      <a:solidFill>
-                        <a:srgbClr val="000000"/>
-                      </a:solidFill>
-                      <a:prstDash val="solid"/>
-                      <a:round/>
-                      <a:headEnd type="none" w="med" len="med"/>
-                      <a:tailEnd type="none" w="med" len="med"/>
-                    </a:lnL>
-                    <a:lnR w="6350" cap="flat" cmpd="sng" algn="ctr">
-                      <a:solidFill>
-                        <a:srgbClr val="000000"/>
-                      </a:solidFill>
-                      <a:prstDash val="solid"/>
-                      <a:round/>
-                      <a:headEnd type="none" w="med" len="med"/>
-                      <a:tailEnd type="none" w="med" len="med"/>
-                    </a:lnR>
-                    <a:lnT w="6350" cap="flat" cmpd="sng" algn="ctr">
-                      <a:solidFill>
-                        <a:srgbClr val="000000"/>
-                      </a:solidFill>
-                      <a:prstDash val="solid"/>
-                      <a:round/>
-                      <a:headEnd type="none" w="med" len="med"/>
-                      <a:tailEnd type="none" w="med" len="med"/>
-                    </a:lnT>
-                    <a:lnB w="6350" cap="flat" cmpd="sng" algn="ctr">
-                      <a:solidFill>
-                        <a:srgbClr val="000000"/>
-                      </a:solidFill>
-                      <a:prstDash val="solid"/>
-                      <a:round/>
-                      <a:headEnd type="none" w="med" len="med"/>
-                      <a:tailEnd type="none" w="med" len="med"/>
-                    </a:lnB>
-                  </a:tcPr>
+                      <a:endParaRPr lang="zh-CN" altLang="en-US" sz="1200" b="0" i="0" u="none" strike="noStrike">
+                        <a:solidFill>
+                          <a:srgbClr val="000000"/>
+                        </a:solidFill>
+                        <a:effectLst/>
+                        <a:latin typeface="宋体" panose="02010600030101010101" pitchFamily="2" charset="-122"/>
+                        <a:ea typeface="宋体" panose="02010600030101010101" pitchFamily="2" charset="-122"/>
+                      </a:endParaRPr>
+                    </a:p>
+                  </a:txBody>
+                  <a:tcPr marL="9525" marR="9525" marT="9525" marB="0" anchor="ctr"/>
                 </a:tc>
                 <a:tc>
                   <a:txBody>
@@ -5427,65 +6095,28 @@
                     <a:p>
                       <a:pPr algn="ctr" fontAlgn="ctr"/>
                       <a:r>
-                        <a:rPr lang="en-US" sz="1200" b="0" i="0" u="none" strike="noStrike">
-                          <a:solidFill>
-                            <a:srgbClr val="000000"/>
-                          </a:solidFill>
-                          <a:latin typeface="黑体" pitchFamily="49" charset="-122"/>
-                          <a:ea typeface="黑体" pitchFamily="49" charset="-122"/>
+                        <a:rPr lang="en-US" sz="1200" u="none" strike="noStrike" dirty="0">
+                          <a:effectLst/>
                         </a:rPr>
                         <a:t>SQL</a:t>
                       </a:r>
                       <a:r>
-                        <a:rPr lang="zh-CN" altLang="en-US" sz="1200" b="0" i="0" u="none" strike="noStrike">
-                          <a:solidFill>
-                            <a:srgbClr val="000000"/>
-                          </a:solidFill>
-                          <a:latin typeface="黑体" pitchFamily="49" charset="-122"/>
-                          <a:ea typeface="黑体" pitchFamily="49" charset="-122"/>
+                        <a:rPr lang="zh-CN" altLang="en-US" sz="1200" u="none" strike="noStrike" dirty="0">
+                          <a:effectLst/>
                         </a:rPr>
                         <a:t>文件</a:t>
                       </a:r>
-                    </a:p>
-                  </a:txBody>
-                  <a:tcPr marL="9525" marR="9525" marT="9525" marB="0" anchor="ctr">
-                    <a:lnL w="6350" cap="flat" cmpd="sng" algn="ctr">
-                      <a:solidFill>
-                        <a:srgbClr val="000000"/>
-                      </a:solidFill>
-                      <a:prstDash val="solid"/>
-                      <a:round/>
-                      <a:headEnd type="none" w="med" len="med"/>
-                      <a:tailEnd type="none" w="med" len="med"/>
-                    </a:lnL>
-                    <a:lnR w="6350" cap="flat" cmpd="sng" algn="ctr">
-                      <a:solidFill>
-                        <a:srgbClr val="000000"/>
-                      </a:solidFill>
-                      <a:prstDash val="solid"/>
-                      <a:round/>
-                      <a:headEnd type="none" w="med" len="med"/>
-                      <a:tailEnd type="none" w="med" len="med"/>
-                    </a:lnR>
-                    <a:lnT w="6350" cap="flat" cmpd="sng" algn="ctr">
-                      <a:solidFill>
-                        <a:srgbClr val="000000"/>
-                      </a:solidFill>
-                      <a:prstDash val="solid"/>
-                      <a:round/>
-                      <a:headEnd type="none" w="med" len="med"/>
-                      <a:tailEnd type="none" w="med" len="med"/>
-                    </a:lnT>
-                    <a:lnB w="6350" cap="flat" cmpd="sng" algn="ctr">
-                      <a:solidFill>
-                        <a:srgbClr val="000000"/>
-                      </a:solidFill>
-                      <a:prstDash val="solid"/>
-                      <a:round/>
-                      <a:headEnd type="none" w="med" len="med"/>
-                      <a:tailEnd type="none" w="med" len="med"/>
-                    </a:lnB>
-                  </a:tcPr>
+                      <a:endParaRPr lang="zh-CN" altLang="en-US" sz="1200" b="0" i="0" u="none" strike="noStrike" dirty="0">
+                        <a:solidFill>
+                          <a:srgbClr val="000000"/>
+                        </a:solidFill>
+                        <a:effectLst/>
+                        <a:latin typeface="宋体" panose="02010600030101010101" pitchFamily="2" charset="-122"/>
+                        <a:ea typeface="宋体" panose="02010600030101010101" pitchFamily="2" charset="-122"/>
+                      </a:endParaRPr>
+                    </a:p>
+                  </a:txBody>
+                  <a:tcPr marL="9525" marR="9525" marT="9525" marB="0" anchor="ctr"/>
                 </a:tc>
                 <a:tc>
                   <a:txBody>
@@ -5494,55 +6125,22 @@
                     <a:p>
                       <a:pPr algn="ctr" fontAlgn="ctr"/>
                       <a:r>
-                        <a:rPr lang="zh-CN" altLang="en-US" sz="1200" b="0" i="0" u="none" strike="noStrike">
-                          <a:solidFill>
-                            <a:srgbClr val="000000"/>
-                          </a:solidFill>
-                          <a:latin typeface="黑体" pitchFamily="49" charset="-122"/>
-                          <a:ea typeface="黑体" pitchFamily="49" charset="-122"/>
+                        <a:rPr lang="zh-CN" altLang="en-US" sz="1200" u="none" strike="noStrike">
+                          <a:effectLst/>
                         </a:rPr>
                         <a:t>场景名称</a:t>
                       </a:r>
-                    </a:p>
-                  </a:txBody>
-                  <a:tcPr marL="9525" marR="9525" marT="9525" marB="0" anchor="ctr">
-                    <a:lnL w="6350" cap="flat" cmpd="sng" algn="ctr">
-                      <a:solidFill>
-                        <a:srgbClr val="000000"/>
-                      </a:solidFill>
-                      <a:prstDash val="solid"/>
-                      <a:round/>
-                      <a:headEnd type="none" w="med" len="med"/>
-                      <a:tailEnd type="none" w="med" len="med"/>
-                    </a:lnL>
-                    <a:lnR w="6350" cap="flat" cmpd="sng" algn="ctr">
-                      <a:solidFill>
-                        <a:srgbClr val="000000"/>
-                      </a:solidFill>
-                      <a:prstDash val="solid"/>
-                      <a:round/>
-                      <a:headEnd type="none" w="med" len="med"/>
-                      <a:tailEnd type="none" w="med" len="med"/>
-                    </a:lnR>
-                    <a:lnT w="6350" cap="flat" cmpd="sng" algn="ctr">
-                      <a:solidFill>
-                        <a:srgbClr val="000000"/>
-                      </a:solidFill>
-                      <a:prstDash val="solid"/>
-                      <a:round/>
-                      <a:headEnd type="none" w="med" len="med"/>
-                      <a:tailEnd type="none" w="med" len="med"/>
-                    </a:lnT>
-                    <a:lnB w="6350" cap="flat" cmpd="sng" algn="ctr">
-                      <a:solidFill>
-                        <a:srgbClr val="000000"/>
-                      </a:solidFill>
-                      <a:prstDash val="solid"/>
-                      <a:round/>
-                      <a:headEnd type="none" w="med" len="med"/>
-                      <a:tailEnd type="none" w="med" len="med"/>
-                    </a:lnB>
-                  </a:tcPr>
+                      <a:endParaRPr lang="zh-CN" altLang="en-US" sz="1200" b="0" i="0" u="none" strike="noStrike">
+                        <a:solidFill>
+                          <a:srgbClr val="000000"/>
+                        </a:solidFill>
+                        <a:effectLst/>
+                        <a:latin typeface="宋体" panose="02010600030101010101" pitchFamily="2" charset="-122"/>
+                        <a:ea typeface="宋体" panose="02010600030101010101" pitchFamily="2" charset="-122"/>
+                      </a:endParaRPr>
+                    </a:p>
+                  </a:txBody>
+                  <a:tcPr marL="9525" marR="9525" marT="9525" marB="0" anchor="ctr"/>
                 </a:tc>
                 <a:tc>
                   <a:txBody>
@@ -5551,55 +6149,22 @@
                     <a:p>
                       <a:pPr algn="ctr" fontAlgn="ctr"/>
                       <a:r>
-                        <a:rPr lang="en-US" sz="1200" b="0" i="0" u="none" strike="noStrike">
-                          <a:solidFill>
-                            <a:srgbClr val="000000"/>
-                          </a:solidFill>
-                          <a:latin typeface="黑体" pitchFamily="49" charset="-122"/>
-                          <a:ea typeface="黑体" pitchFamily="49" charset="-122"/>
+                        <a:rPr lang="en-US" sz="1200" u="none" strike="noStrike">
+                          <a:effectLst/>
                         </a:rPr>
                         <a:t>ksh</a:t>
                       </a:r>
-                    </a:p>
-                  </a:txBody>
-                  <a:tcPr marL="9525" marR="9525" marT="9525" marB="0" anchor="ctr">
-                    <a:lnL w="6350" cap="flat" cmpd="sng" algn="ctr">
-                      <a:solidFill>
-                        <a:srgbClr val="000000"/>
-                      </a:solidFill>
-                      <a:prstDash val="solid"/>
-                      <a:round/>
-                      <a:headEnd type="none" w="med" len="med"/>
-                      <a:tailEnd type="none" w="med" len="med"/>
-                    </a:lnL>
-                    <a:lnR w="6350" cap="flat" cmpd="sng" algn="ctr">
-                      <a:solidFill>
-                        <a:srgbClr val="000000"/>
-                      </a:solidFill>
-                      <a:prstDash val="solid"/>
-                      <a:round/>
-                      <a:headEnd type="none" w="med" len="med"/>
-                      <a:tailEnd type="none" w="med" len="med"/>
-                    </a:lnR>
-                    <a:lnT w="6350" cap="flat" cmpd="sng" algn="ctr">
-                      <a:solidFill>
-                        <a:srgbClr val="000000"/>
-                      </a:solidFill>
-                      <a:prstDash val="solid"/>
-                      <a:round/>
-                      <a:headEnd type="none" w="med" len="med"/>
-                      <a:tailEnd type="none" w="med" len="med"/>
-                    </a:lnT>
-                    <a:lnB w="6350" cap="flat" cmpd="sng" algn="ctr">
-                      <a:solidFill>
-                        <a:srgbClr val="000000"/>
-                      </a:solidFill>
-                      <a:prstDash val="solid"/>
-                      <a:round/>
-                      <a:headEnd type="none" w="med" len="med"/>
-                      <a:tailEnd type="none" w="med" len="med"/>
-                    </a:lnB>
-                  </a:tcPr>
+                      <a:endParaRPr lang="en-US" sz="1200" b="0" i="0" u="none" strike="noStrike">
+                        <a:solidFill>
+                          <a:srgbClr val="000000"/>
+                        </a:solidFill>
+                        <a:effectLst/>
+                        <a:latin typeface="宋体" panose="02010600030101010101" pitchFamily="2" charset="-122"/>
+                        <a:ea typeface="宋体" panose="02010600030101010101" pitchFamily="2" charset="-122"/>
+                      </a:endParaRPr>
+                    </a:p>
+                  </a:txBody>
+                  <a:tcPr marL="9525" marR="9525" marT="9525" marB="0" anchor="ctr"/>
                 </a:tc>
                 <a:tc>
                   <a:txBody>
@@ -5608,55 +6173,22 @@
                     <a:p>
                       <a:pPr algn="ctr" fontAlgn="ctr"/>
                       <a:r>
-                        <a:rPr lang="zh-CN" altLang="en-US" sz="1200" b="0" i="0" u="none" strike="noStrike">
-                          <a:solidFill>
-                            <a:srgbClr val="000000"/>
-                          </a:solidFill>
-                          <a:latin typeface="黑体" pitchFamily="49" charset="-122"/>
-                          <a:ea typeface="黑体" pitchFamily="49" charset="-122"/>
+                        <a:rPr lang="zh-CN" altLang="en-US" sz="1200" u="none" strike="noStrike">
+                          <a:effectLst/>
                         </a:rPr>
                         <a:t>优化前执行时间</a:t>
                       </a:r>
-                    </a:p>
-                  </a:txBody>
-                  <a:tcPr marL="9525" marR="9525" marT="9525" marB="0" anchor="ctr">
-                    <a:lnL w="6350" cap="flat" cmpd="sng" algn="ctr">
-                      <a:solidFill>
-                        <a:srgbClr val="000000"/>
-                      </a:solidFill>
-                      <a:prstDash val="solid"/>
-                      <a:round/>
-                      <a:headEnd type="none" w="med" len="med"/>
-                      <a:tailEnd type="none" w="med" len="med"/>
-                    </a:lnL>
-                    <a:lnR w="6350" cap="flat" cmpd="sng" algn="ctr">
-                      <a:solidFill>
-                        <a:srgbClr val="000000"/>
-                      </a:solidFill>
-                      <a:prstDash val="solid"/>
-                      <a:round/>
-                      <a:headEnd type="none" w="med" len="med"/>
-                      <a:tailEnd type="none" w="med" len="med"/>
-                    </a:lnR>
-                    <a:lnT w="6350" cap="flat" cmpd="sng" algn="ctr">
-                      <a:solidFill>
-                        <a:srgbClr val="000000"/>
-                      </a:solidFill>
-                      <a:prstDash val="solid"/>
-                      <a:round/>
-                      <a:headEnd type="none" w="med" len="med"/>
-                      <a:tailEnd type="none" w="med" len="med"/>
-                    </a:lnT>
-                    <a:lnB w="6350" cap="flat" cmpd="sng" algn="ctr">
-                      <a:solidFill>
-                        <a:srgbClr val="000000"/>
-                      </a:solidFill>
-                      <a:prstDash val="solid"/>
-                      <a:round/>
-                      <a:headEnd type="none" w="med" len="med"/>
-                      <a:tailEnd type="none" w="med" len="med"/>
-                    </a:lnB>
-                  </a:tcPr>
+                      <a:endParaRPr lang="zh-CN" altLang="en-US" sz="1200" b="0" i="0" u="none" strike="noStrike">
+                        <a:solidFill>
+                          <a:srgbClr val="000000"/>
+                        </a:solidFill>
+                        <a:effectLst/>
+                        <a:latin typeface="宋体" panose="02010600030101010101" pitchFamily="2" charset="-122"/>
+                        <a:ea typeface="宋体" panose="02010600030101010101" pitchFamily="2" charset="-122"/>
+                      </a:endParaRPr>
+                    </a:p>
+                  </a:txBody>
+                  <a:tcPr marL="9525" marR="9525" marT="9525" marB="0" anchor="ctr"/>
                 </a:tc>
                 <a:tc>
                   <a:txBody>
@@ -5665,58 +6197,25 @@
                     <a:p>
                       <a:pPr algn="ctr" fontAlgn="ctr"/>
                       <a:r>
-                        <a:rPr lang="zh-CN" altLang="en-US" sz="1200" b="0" i="0" u="none" strike="noStrike">
-                          <a:solidFill>
-                            <a:srgbClr val="000000"/>
-                          </a:solidFill>
-                          <a:latin typeface="黑体" pitchFamily="49" charset="-122"/>
-                          <a:ea typeface="黑体" pitchFamily="49" charset="-122"/>
+                        <a:rPr lang="zh-CN" altLang="en-US" sz="1200" u="none" strike="noStrike">
+                          <a:effectLst/>
                         </a:rPr>
                         <a:t>优化后执行时间</a:t>
                       </a:r>
-                    </a:p>
-                  </a:txBody>
-                  <a:tcPr marL="9525" marR="9525" marT="9525" marB="0" anchor="ctr">
-                    <a:lnL w="6350" cap="flat" cmpd="sng" algn="ctr">
-                      <a:solidFill>
-                        <a:srgbClr val="000000"/>
-                      </a:solidFill>
-                      <a:prstDash val="solid"/>
-                      <a:round/>
-                      <a:headEnd type="none" w="med" len="med"/>
-                      <a:tailEnd type="none" w="med" len="med"/>
-                    </a:lnL>
-                    <a:lnR w="6350" cap="flat" cmpd="sng" algn="ctr">
-                      <a:solidFill>
-                        <a:srgbClr val="000000"/>
-                      </a:solidFill>
-                      <a:prstDash val="solid"/>
-                      <a:round/>
-                      <a:headEnd type="none" w="med" len="med"/>
-                      <a:tailEnd type="none" w="med" len="med"/>
-                    </a:lnR>
-                    <a:lnT w="6350" cap="flat" cmpd="sng" algn="ctr">
-                      <a:solidFill>
-                        <a:srgbClr val="000000"/>
-                      </a:solidFill>
-                      <a:prstDash val="solid"/>
-                      <a:round/>
-                      <a:headEnd type="none" w="med" len="med"/>
-                      <a:tailEnd type="none" w="med" len="med"/>
-                    </a:lnT>
-                    <a:lnB w="6350" cap="flat" cmpd="sng" algn="ctr">
-                      <a:solidFill>
-                        <a:srgbClr val="000000"/>
-                      </a:solidFill>
-                      <a:prstDash val="solid"/>
-                      <a:round/>
-                      <a:headEnd type="none" w="med" len="med"/>
-                      <a:tailEnd type="none" w="med" len="med"/>
-                    </a:lnB>
-                  </a:tcPr>
+                      <a:endParaRPr lang="zh-CN" altLang="en-US" sz="1200" b="0" i="0" u="none" strike="noStrike">
+                        <a:solidFill>
+                          <a:srgbClr val="000000"/>
+                        </a:solidFill>
+                        <a:effectLst/>
+                        <a:latin typeface="宋体" panose="02010600030101010101" pitchFamily="2" charset="-122"/>
+                        <a:ea typeface="宋体" panose="02010600030101010101" pitchFamily="2" charset="-122"/>
+                      </a:endParaRPr>
+                    </a:p>
+                  </a:txBody>
+                  <a:tcPr marL="9525" marR="9525" marT="9525" marB="0" anchor="ctr"/>
                 </a:tc>
               </a:tr>
-              <a:tr h="421716">
+              <a:tr h="365754">
                 <a:tc>
                   <a:txBody>
                     <a:bodyPr/>
@@ -5724,55 +6223,46 @@
                     <a:p>
                       <a:pPr algn="ctr" fontAlgn="ctr"/>
                       <a:r>
-                        <a:rPr lang="en-US" altLang="zh-CN" sz="1200" b="0" i="0" u="none" strike="noStrike">
-                          <a:solidFill>
-                            <a:srgbClr val="000000"/>
-                          </a:solidFill>
-                          <a:latin typeface="黑体" pitchFamily="49" charset="-122"/>
-                          <a:ea typeface="黑体" pitchFamily="49" charset="-122"/>
+                        <a:rPr lang="en-US" altLang="zh-CN" sz="1200" u="none" strike="noStrike">
+                          <a:effectLst/>
+                        </a:rPr>
+                        <a:t>1</a:t>
+                      </a:r>
+                      <a:endParaRPr lang="en-US" altLang="zh-CN" sz="1200" b="0" i="0" u="none" strike="noStrike">
+                        <a:solidFill>
+                          <a:srgbClr val="000000"/>
+                        </a:solidFill>
+                        <a:effectLst/>
+                        <a:latin typeface="宋体" panose="02010600030101010101" pitchFamily="2" charset="-122"/>
+                        <a:ea typeface="宋体" panose="02010600030101010101" pitchFamily="2" charset="-122"/>
+                      </a:endParaRPr>
+                    </a:p>
+                  </a:txBody>
+                  <a:tcPr marL="9525" marR="9525" marT="9525" marB="0" anchor="ctr"/>
+                </a:tc>
+                <a:tc>
+                  <a:txBody>
+                    <a:bodyPr/>
+                    <a:lstStyle/>
+                    <a:p>
+                      <a:pPr algn="ctr" fontAlgn="ctr"/>
+                      <a:r>
+                        <a:rPr lang="en-US" altLang="zh-CN" sz="1200" u="none" strike="noStrike">
+                          <a:effectLst/>
                         </a:rPr>
                         <a:t>2015/7/8</a:t>
                       </a:r>
-                    </a:p>
-                  </a:txBody>
-                  <a:tcPr marL="9525" marR="9525" marT="9525" marB="0" anchor="ctr">
-                    <a:lnL w="6350" cap="flat" cmpd="sng" algn="ctr">
-                      <a:solidFill>
-                        <a:srgbClr val="000000"/>
-                      </a:solidFill>
-                      <a:prstDash val="solid"/>
-                      <a:round/>
-                      <a:headEnd type="none" w="med" len="med"/>
-                      <a:tailEnd type="none" w="med" len="med"/>
-                    </a:lnL>
-                    <a:lnR w="6350" cap="flat" cmpd="sng" algn="ctr">
-                      <a:solidFill>
-                        <a:srgbClr val="000000"/>
-                      </a:solidFill>
-                      <a:prstDash val="solid"/>
-                      <a:round/>
-                      <a:headEnd type="none" w="med" len="med"/>
-                      <a:tailEnd type="none" w="med" len="med"/>
-                    </a:lnR>
-                    <a:lnT w="6350" cap="flat" cmpd="sng" algn="ctr">
-                      <a:solidFill>
-                        <a:srgbClr val="000000"/>
-                      </a:solidFill>
-                      <a:prstDash val="solid"/>
-                      <a:round/>
-                      <a:headEnd type="none" w="med" len="med"/>
-                      <a:tailEnd type="none" w="med" len="med"/>
-                    </a:lnT>
-                    <a:lnB w="6350" cap="flat" cmpd="sng" algn="ctr">
-                      <a:solidFill>
-                        <a:srgbClr val="000000"/>
-                      </a:solidFill>
-                      <a:prstDash val="solid"/>
-                      <a:round/>
-                      <a:headEnd type="none" w="med" len="med"/>
-                      <a:tailEnd type="none" w="med" len="med"/>
-                    </a:lnB>
-                  </a:tcPr>
+                      <a:endParaRPr lang="en-US" altLang="zh-CN" sz="1200" b="0" i="0" u="none" strike="noStrike">
+                        <a:solidFill>
+                          <a:srgbClr val="000000"/>
+                        </a:solidFill>
+                        <a:effectLst/>
+                        <a:latin typeface="宋体" panose="02010600030101010101" pitchFamily="2" charset="-122"/>
+                        <a:ea typeface="宋体" panose="02010600030101010101" pitchFamily="2" charset="-122"/>
+                      </a:endParaRPr>
+                    </a:p>
+                  </a:txBody>
+                  <a:tcPr marL="9525" marR="9525" marT="9525" marB="0" anchor="ctr"/>
                 </a:tc>
                 <a:tc>
                   <a:txBody>
@@ -5781,55 +6271,22 @@
                     <a:p>
                       <a:pPr algn="ctr" fontAlgn="ctr"/>
                       <a:r>
-                        <a:rPr lang="en-US" sz="1200" b="0" i="0" u="none" strike="noStrike">
-                          <a:solidFill>
-                            <a:srgbClr val="000000"/>
-                          </a:solidFill>
-                          <a:latin typeface="黑体" pitchFamily="49" charset="-122"/>
-                          <a:ea typeface="黑体" pitchFamily="49" charset="-122"/>
+                        <a:rPr lang="en-US" sz="1200" u="none" strike="noStrike">
+                          <a:effectLst/>
                         </a:rPr>
                         <a:t>MERGE RADM W_RTL_BCOST_IT_DY_A.sql</a:t>
                       </a:r>
-                    </a:p>
-                  </a:txBody>
-                  <a:tcPr marL="9525" marR="9525" marT="9525" marB="0" anchor="ctr">
-                    <a:lnL w="6350" cap="flat" cmpd="sng" algn="ctr">
-                      <a:solidFill>
-                        <a:srgbClr val="000000"/>
-                      </a:solidFill>
-                      <a:prstDash val="solid"/>
-                      <a:round/>
-                      <a:headEnd type="none" w="med" len="med"/>
-                      <a:tailEnd type="none" w="med" len="med"/>
-                    </a:lnL>
-                    <a:lnR w="6350" cap="flat" cmpd="sng" algn="ctr">
-                      <a:solidFill>
-                        <a:srgbClr val="000000"/>
-                      </a:solidFill>
-                      <a:prstDash val="solid"/>
-                      <a:round/>
-                      <a:headEnd type="none" w="med" len="med"/>
-                      <a:tailEnd type="none" w="med" len="med"/>
-                    </a:lnR>
-                    <a:lnT w="6350" cap="flat" cmpd="sng" algn="ctr">
-                      <a:solidFill>
-                        <a:srgbClr val="000000"/>
-                      </a:solidFill>
-                      <a:prstDash val="solid"/>
-                      <a:round/>
-                      <a:headEnd type="none" w="med" len="med"/>
-                      <a:tailEnd type="none" w="med" len="med"/>
-                    </a:lnT>
-                    <a:lnB w="6350" cap="flat" cmpd="sng" algn="ctr">
-                      <a:solidFill>
-                        <a:srgbClr val="000000"/>
-                      </a:solidFill>
-                      <a:prstDash val="solid"/>
-                      <a:round/>
-                      <a:headEnd type="none" w="med" len="med"/>
-                      <a:tailEnd type="none" w="med" len="med"/>
-                    </a:lnB>
-                  </a:tcPr>
+                      <a:endParaRPr lang="en-US" sz="1200" b="0" i="0" u="none" strike="noStrike">
+                        <a:solidFill>
+                          <a:srgbClr val="000000"/>
+                        </a:solidFill>
+                        <a:effectLst/>
+                        <a:latin typeface="宋体" panose="02010600030101010101" pitchFamily="2" charset="-122"/>
+                        <a:ea typeface="宋体" panose="02010600030101010101" pitchFamily="2" charset="-122"/>
+                      </a:endParaRPr>
+                    </a:p>
+                  </a:txBody>
+                  <a:tcPr marL="9525" marR="9525" marT="9525" marB="0" anchor="ctr"/>
                 </a:tc>
                 <a:tc>
                   <a:txBody>
@@ -5838,55 +6295,22 @@
                     <a:p>
                       <a:pPr algn="ctr" fontAlgn="ctr"/>
                       <a:r>
-                        <a:rPr lang="zh-CN" altLang="en-US" sz="1200" b="0" i="0" u="none" strike="noStrike" dirty="0">
-                          <a:solidFill>
-                            <a:srgbClr val="000000"/>
-                          </a:solidFill>
-                          <a:latin typeface="黑体" pitchFamily="49" charset="-122"/>
-                          <a:ea typeface="黑体" pitchFamily="49" charset="-122"/>
+                        <a:rPr lang="zh-CN" altLang="en-US" sz="1200" u="none" strike="noStrike" dirty="0">
+                          <a:effectLst/>
                         </a:rPr>
                         <a:t>　</a:t>
                       </a:r>
-                    </a:p>
-                  </a:txBody>
-                  <a:tcPr marL="9525" marR="9525" marT="9525" marB="0" anchor="ctr">
-                    <a:lnL w="6350" cap="flat" cmpd="sng" algn="ctr">
-                      <a:solidFill>
-                        <a:srgbClr val="000000"/>
-                      </a:solidFill>
-                      <a:prstDash val="solid"/>
-                      <a:round/>
-                      <a:headEnd type="none" w="med" len="med"/>
-                      <a:tailEnd type="none" w="med" len="med"/>
-                    </a:lnL>
-                    <a:lnR w="6350" cap="flat" cmpd="sng" algn="ctr">
-                      <a:solidFill>
-                        <a:srgbClr val="000000"/>
-                      </a:solidFill>
-                      <a:prstDash val="solid"/>
-                      <a:round/>
-                      <a:headEnd type="none" w="med" len="med"/>
-                      <a:tailEnd type="none" w="med" len="med"/>
-                    </a:lnR>
-                    <a:lnT w="6350" cap="flat" cmpd="sng" algn="ctr">
-                      <a:solidFill>
-                        <a:srgbClr val="000000"/>
-                      </a:solidFill>
-                      <a:prstDash val="solid"/>
-                      <a:round/>
-                      <a:headEnd type="none" w="med" len="med"/>
-                      <a:tailEnd type="none" w="med" len="med"/>
-                    </a:lnT>
-                    <a:lnB w="6350" cap="flat" cmpd="sng" algn="ctr">
-                      <a:solidFill>
-                        <a:srgbClr val="000000"/>
-                      </a:solidFill>
-                      <a:prstDash val="solid"/>
-                      <a:round/>
-                      <a:headEnd type="none" w="med" len="med"/>
-                      <a:tailEnd type="none" w="med" len="med"/>
-                    </a:lnB>
-                  </a:tcPr>
+                      <a:endParaRPr lang="zh-CN" altLang="en-US" sz="1200" b="0" i="0" u="none" strike="noStrike" dirty="0">
+                        <a:solidFill>
+                          <a:srgbClr val="000000"/>
+                        </a:solidFill>
+                        <a:effectLst/>
+                        <a:latin typeface="宋体" panose="02010600030101010101" pitchFamily="2" charset="-122"/>
+                        <a:ea typeface="宋体" panose="02010600030101010101" pitchFamily="2" charset="-122"/>
+                      </a:endParaRPr>
+                    </a:p>
+                  </a:txBody>
+                  <a:tcPr marL="9525" marR="9525" marT="9525" marB="0" anchor="ctr"/>
                 </a:tc>
                 <a:tc>
                   <a:txBody>
@@ -5895,55 +6319,22 @@
                     <a:p>
                       <a:pPr algn="ctr" fontAlgn="ctr"/>
                       <a:r>
-                        <a:rPr lang="zh-CN" altLang="en-US" sz="1200" b="0" i="0" u="none" strike="noStrike">
-                          <a:solidFill>
-                            <a:srgbClr val="000000"/>
-                          </a:solidFill>
-                          <a:latin typeface="黑体" pitchFamily="49" charset="-122"/>
-                          <a:ea typeface="黑体" pitchFamily="49" charset="-122"/>
+                        <a:rPr lang="zh-CN" altLang="en-US" sz="1200" u="none" strike="noStrike">
+                          <a:effectLst/>
                         </a:rPr>
                         <a:t>　</a:t>
                       </a:r>
-                    </a:p>
-                  </a:txBody>
-                  <a:tcPr marL="9525" marR="9525" marT="9525" marB="0" anchor="ctr">
-                    <a:lnL w="6350" cap="flat" cmpd="sng" algn="ctr">
-                      <a:solidFill>
-                        <a:srgbClr val="000000"/>
-                      </a:solidFill>
-                      <a:prstDash val="solid"/>
-                      <a:round/>
-                      <a:headEnd type="none" w="med" len="med"/>
-                      <a:tailEnd type="none" w="med" len="med"/>
-                    </a:lnL>
-                    <a:lnR w="6350" cap="flat" cmpd="sng" algn="ctr">
-                      <a:solidFill>
-                        <a:srgbClr val="000000"/>
-                      </a:solidFill>
-                      <a:prstDash val="solid"/>
-                      <a:round/>
-                      <a:headEnd type="none" w="med" len="med"/>
-                      <a:tailEnd type="none" w="med" len="med"/>
-                    </a:lnR>
-                    <a:lnT w="6350" cap="flat" cmpd="sng" algn="ctr">
-                      <a:solidFill>
-                        <a:srgbClr val="000000"/>
-                      </a:solidFill>
-                      <a:prstDash val="solid"/>
-                      <a:round/>
-                      <a:headEnd type="none" w="med" len="med"/>
-                      <a:tailEnd type="none" w="med" len="med"/>
-                    </a:lnT>
-                    <a:lnB w="6350" cap="flat" cmpd="sng" algn="ctr">
-                      <a:solidFill>
-                        <a:srgbClr val="000000"/>
-                      </a:solidFill>
-                      <a:prstDash val="solid"/>
-                      <a:round/>
-                      <a:headEnd type="none" w="med" len="med"/>
-                      <a:tailEnd type="none" w="med" len="med"/>
-                    </a:lnB>
-                  </a:tcPr>
+                      <a:endParaRPr lang="zh-CN" altLang="en-US" sz="1200" b="0" i="0" u="none" strike="noStrike">
+                        <a:solidFill>
+                          <a:srgbClr val="000000"/>
+                        </a:solidFill>
+                        <a:effectLst/>
+                        <a:latin typeface="宋体" panose="02010600030101010101" pitchFamily="2" charset="-122"/>
+                        <a:ea typeface="宋体" panose="02010600030101010101" pitchFamily="2" charset="-122"/>
+                      </a:endParaRPr>
+                    </a:p>
+                  </a:txBody>
+                  <a:tcPr marL="9525" marR="9525" marT="9525" marB="0" anchor="ctr"/>
                 </a:tc>
                 <a:tc>
                   <a:txBody>
@@ -5952,55 +6343,22 @@
                     <a:p>
                       <a:pPr algn="ctr" fontAlgn="ctr"/>
                       <a:r>
-                        <a:rPr lang="zh-CN" altLang="en-US" sz="1200" b="0" i="0" u="none" strike="noStrike">
-                          <a:solidFill>
-                            <a:srgbClr val="000000"/>
-                          </a:solidFill>
-                          <a:latin typeface="黑体" pitchFamily="49" charset="-122"/>
-                          <a:ea typeface="黑体" pitchFamily="49" charset="-122"/>
+                        <a:rPr lang="zh-CN" altLang="en-US" sz="1200" u="none" strike="noStrike">
+                          <a:effectLst/>
                         </a:rPr>
                         <a:t>　</a:t>
                       </a:r>
-                    </a:p>
-                  </a:txBody>
-                  <a:tcPr marL="9525" marR="9525" marT="9525" marB="0" anchor="ctr">
-                    <a:lnL w="6350" cap="flat" cmpd="sng" algn="ctr">
-                      <a:solidFill>
-                        <a:srgbClr val="000000"/>
-                      </a:solidFill>
-                      <a:prstDash val="solid"/>
-                      <a:round/>
-                      <a:headEnd type="none" w="med" len="med"/>
-                      <a:tailEnd type="none" w="med" len="med"/>
-                    </a:lnL>
-                    <a:lnR w="6350" cap="flat" cmpd="sng" algn="ctr">
-                      <a:solidFill>
-                        <a:srgbClr val="000000"/>
-                      </a:solidFill>
-                      <a:prstDash val="solid"/>
-                      <a:round/>
-                      <a:headEnd type="none" w="med" len="med"/>
-                      <a:tailEnd type="none" w="med" len="med"/>
-                    </a:lnR>
-                    <a:lnT w="6350" cap="flat" cmpd="sng" algn="ctr">
-                      <a:solidFill>
-                        <a:srgbClr val="000000"/>
-                      </a:solidFill>
-                      <a:prstDash val="solid"/>
-                      <a:round/>
-                      <a:headEnd type="none" w="med" len="med"/>
-                      <a:tailEnd type="none" w="med" len="med"/>
-                    </a:lnT>
-                    <a:lnB w="6350" cap="flat" cmpd="sng" algn="ctr">
-                      <a:solidFill>
-                        <a:srgbClr val="000000"/>
-                      </a:solidFill>
-                      <a:prstDash val="solid"/>
-                      <a:round/>
-                      <a:headEnd type="none" w="med" len="med"/>
-                      <a:tailEnd type="none" w="med" len="med"/>
-                    </a:lnB>
-                  </a:tcPr>
+                      <a:endParaRPr lang="zh-CN" altLang="en-US" sz="1200" b="0" i="0" u="none" strike="noStrike">
+                        <a:solidFill>
+                          <a:srgbClr val="000000"/>
+                        </a:solidFill>
+                        <a:effectLst/>
+                        <a:latin typeface="宋体" panose="02010600030101010101" pitchFamily="2" charset="-122"/>
+                        <a:ea typeface="宋体" panose="02010600030101010101" pitchFamily="2" charset="-122"/>
+                      </a:endParaRPr>
+                    </a:p>
+                  </a:txBody>
+                  <a:tcPr marL="9525" marR="9525" marT="9525" marB="0" anchor="ctr"/>
                 </a:tc>
                 <a:tc>
                   <a:txBody>
@@ -6009,58 +6367,25 @@
                     <a:p>
                       <a:pPr algn="ctr" fontAlgn="ctr"/>
                       <a:r>
-                        <a:rPr lang="zh-CN" altLang="en-US" sz="1200" b="0" i="0" u="none" strike="noStrike">
-                          <a:solidFill>
-                            <a:srgbClr val="000000"/>
-                          </a:solidFill>
-                          <a:latin typeface="黑体" pitchFamily="49" charset="-122"/>
-                          <a:ea typeface="黑体" pitchFamily="49" charset="-122"/>
+                        <a:rPr lang="zh-CN" altLang="en-US" sz="1200" u="none" strike="noStrike">
+                          <a:effectLst/>
                         </a:rPr>
                         <a:t>　</a:t>
                       </a:r>
-                    </a:p>
-                  </a:txBody>
-                  <a:tcPr marL="9525" marR="9525" marT="9525" marB="0" anchor="ctr">
-                    <a:lnL w="6350" cap="flat" cmpd="sng" algn="ctr">
-                      <a:solidFill>
-                        <a:srgbClr val="000000"/>
-                      </a:solidFill>
-                      <a:prstDash val="solid"/>
-                      <a:round/>
-                      <a:headEnd type="none" w="med" len="med"/>
-                      <a:tailEnd type="none" w="med" len="med"/>
-                    </a:lnL>
-                    <a:lnR w="6350" cap="flat" cmpd="sng" algn="ctr">
-                      <a:solidFill>
-                        <a:srgbClr val="000000"/>
-                      </a:solidFill>
-                      <a:prstDash val="solid"/>
-                      <a:round/>
-                      <a:headEnd type="none" w="med" len="med"/>
-                      <a:tailEnd type="none" w="med" len="med"/>
-                    </a:lnR>
-                    <a:lnT w="6350" cap="flat" cmpd="sng" algn="ctr">
-                      <a:solidFill>
-                        <a:srgbClr val="000000"/>
-                      </a:solidFill>
-                      <a:prstDash val="solid"/>
-                      <a:round/>
-                      <a:headEnd type="none" w="med" len="med"/>
-                      <a:tailEnd type="none" w="med" len="med"/>
-                    </a:lnT>
-                    <a:lnB w="6350" cap="flat" cmpd="sng" algn="ctr">
-                      <a:solidFill>
-                        <a:srgbClr val="000000"/>
-                      </a:solidFill>
-                      <a:prstDash val="solid"/>
-                      <a:round/>
-                      <a:headEnd type="none" w="med" len="med"/>
-                      <a:tailEnd type="none" w="med" len="med"/>
-                    </a:lnB>
-                  </a:tcPr>
+                      <a:endParaRPr lang="zh-CN" altLang="en-US" sz="1200" b="0" i="0" u="none" strike="noStrike">
+                        <a:solidFill>
+                          <a:srgbClr val="000000"/>
+                        </a:solidFill>
+                        <a:effectLst/>
+                        <a:latin typeface="宋体" panose="02010600030101010101" pitchFamily="2" charset="-122"/>
+                        <a:ea typeface="宋体" panose="02010600030101010101" pitchFamily="2" charset="-122"/>
+                      </a:endParaRPr>
+                    </a:p>
+                  </a:txBody>
+                  <a:tcPr marL="9525" marR="9525" marT="9525" marB="0" anchor="ctr"/>
                 </a:tc>
               </a:tr>
-              <a:tr h="421716">
+              <a:tr h="365754">
                 <a:tc>
                   <a:txBody>
                     <a:bodyPr/>
@@ -6068,55 +6393,46 @@
                     <a:p>
                       <a:pPr algn="ctr" fontAlgn="ctr"/>
                       <a:r>
-                        <a:rPr lang="en-US" altLang="zh-CN" sz="1200" b="0" i="0" u="none" strike="noStrike">
-                          <a:solidFill>
-                            <a:srgbClr val="000000"/>
-                          </a:solidFill>
-                          <a:latin typeface="黑体" pitchFamily="49" charset="-122"/>
-                          <a:ea typeface="黑体" pitchFamily="49" charset="-122"/>
+                        <a:rPr lang="en-US" altLang="zh-CN" sz="1200" u="none" strike="noStrike">
+                          <a:effectLst/>
+                        </a:rPr>
+                        <a:t>2</a:t>
+                      </a:r>
+                      <a:endParaRPr lang="en-US" altLang="zh-CN" sz="1200" b="0" i="0" u="none" strike="noStrike">
+                        <a:solidFill>
+                          <a:srgbClr val="000000"/>
+                        </a:solidFill>
+                        <a:effectLst/>
+                        <a:latin typeface="宋体" panose="02010600030101010101" pitchFamily="2" charset="-122"/>
+                        <a:ea typeface="宋体" panose="02010600030101010101" pitchFamily="2" charset="-122"/>
+                      </a:endParaRPr>
+                    </a:p>
+                  </a:txBody>
+                  <a:tcPr marL="9525" marR="9525" marT="9525" marB="0" anchor="ctr"/>
+                </a:tc>
+                <a:tc>
+                  <a:txBody>
+                    <a:bodyPr/>
+                    <a:lstStyle/>
+                    <a:p>
+                      <a:pPr algn="ctr" fontAlgn="ctr"/>
+                      <a:r>
+                        <a:rPr lang="en-US" altLang="zh-CN" sz="1200" u="none" strike="noStrike">
+                          <a:effectLst/>
                         </a:rPr>
                         <a:t>2015/7/9</a:t>
                       </a:r>
-                    </a:p>
-                  </a:txBody>
-                  <a:tcPr marL="9525" marR="9525" marT="9525" marB="0" anchor="ctr">
-                    <a:lnL w="6350" cap="flat" cmpd="sng" algn="ctr">
-                      <a:solidFill>
-                        <a:srgbClr val="000000"/>
-                      </a:solidFill>
-                      <a:prstDash val="solid"/>
-                      <a:round/>
-                      <a:headEnd type="none" w="med" len="med"/>
-                      <a:tailEnd type="none" w="med" len="med"/>
-                    </a:lnL>
-                    <a:lnR w="6350" cap="flat" cmpd="sng" algn="ctr">
-                      <a:solidFill>
-                        <a:srgbClr val="000000"/>
-                      </a:solidFill>
-                      <a:prstDash val="solid"/>
-                      <a:round/>
-                      <a:headEnd type="none" w="med" len="med"/>
-                      <a:tailEnd type="none" w="med" len="med"/>
-                    </a:lnR>
-                    <a:lnT w="6350" cap="flat" cmpd="sng" algn="ctr">
-                      <a:solidFill>
-                        <a:srgbClr val="000000"/>
-                      </a:solidFill>
-                      <a:prstDash val="solid"/>
-                      <a:round/>
-                      <a:headEnd type="none" w="med" len="med"/>
-                      <a:tailEnd type="none" w="med" len="med"/>
-                    </a:lnT>
-                    <a:lnB w="6350" cap="flat" cmpd="sng" algn="ctr">
-                      <a:solidFill>
-                        <a:srgbClr val="000000"/>
-                      </a:solidFill>
-                      <a:prstDash val="solid"/>
-                      <a:round/>
-                      <a:headEnd type="none" w="med" len="med"/>
-                      <a:tailEnd type="none" w="med" len="med"/>
-                    </a:lnB>
-                  </a:tcPr>
+                      <a:endParaRPr lang="en-US" altLang="zh-CN" sz="1200" b="0" i="0" u="none" strike="noStrike">
+                        <a:solidFill>
+                          <a:srgbClr val="000000"/>
+                        </a:solidFill>
+                        <a:effectLst/>
+                        <a:latin typeface="宋体" panose="02010600030101010101" pitchFamily="2" charset="-122"/>
+                        <a:ea typeface="宋体" panose="02010600030101010101" pitchFamily="2" charset="-122"/>
+                      </a:endParaRPr>
+                    </a:p>
+                  </a:txBody>
+                  <a:tcPr marL="9525" marR="9525" marT="9525" marB="0" anchor="ctr"/>
                 </a:tc>
                 <a:tc>
                   <a:txBody>
@@ -6125,55 +6441,22 @@
                     <a:p>
                       <a:pPr algn="ctr" fontAlgn="ctr"/>
                       <a:r>
-                        <a:rPr lang="en-US" sz="1200" b="0" i="0" u="none" strike="noStrike">
-                          <a:solidFill>
-                            <a:srgbClr val="000000"/>
-                          </a:solidFill>
-                          <a:latin typeface="黑体" pitchFamily="49" charset="-122"/>
-                          <a:ea typeface="黑体" pitchFamily="49" charset="-122"/>
+                        <a:rPr lang="en-US" sz="1200" u="none" strike="noStrike">
+                          <a:effectLst/>
                         </a:rPr>
                         <a:t>MERGE-RADM-BBG_RA_CUST_IT_LC_DY_F.sql</a:t>
                       </a:r>
-                    </a:p>
-                  </a:txBody>
-                  <a:tcPr marL="9525" marR="9525" marT="9525" marB="0" anchor="ctr">
-                    <a:lnL w="6350" cap="flat" cmpd="sng" algn="ctr">
-                      <a:solidFill>
-                        <a:srgbClr val="000000"/>
-                      </a:solidFill>
-                      <a:prstDash val="solid"/>
-                      <a:round/>
-                      <a:headEnd type="none" w="med" len="med"/>
-                      <a:tailEnd type="none" w="med" len="med"/>
-                    </a:lnL>
-                    <a:lnR w="6350" cap="flat" cmpd="sng" algn="ctr">
-                      <a:solidFill>
-                        <a:srgbClr val="000000"/>
-                      </a:solidFill>
-                      <a:prstDash val="solid"/>
-                      <a:round/>
-                      <a:headEnd type="none" w="med" len="med"/>
-                      <a:tailEnd type="none" w="med" len="med"/>
-                    </a:lnR>
-                    <a:lnT w="6350" cap="flat" cmpd="sng" algn="ctr">
-                      <a:solidFill>
-                        <a:srgbClr val="000000"/>
-                      </a:solidFill>
-                      <a:prstDash val="solid"/>
-                      <a:round/>
-                      <a:headEnd type="none" w="med" len="med"/>
-                      <a:tailEnd type="none" w="med" len="med"/>
-                    </a:lnT>
-                    <a:lnB w="6350" cap="flat" cmpd="sng" algn="ctr">
-                      <a:solidFill>
-                        <a:srgbClr val="000000"/>
-                      </a:solidFill>
-                      <a:prstDash val="solid"/>
-                      <a:round/>
-                      <a:headEnd type="none" w="med" len="med"/>
-                      <a:tailEnd type="none" w="med" len="med"/>
-                    </a:lnB>
-                  </a:tcPr>
+                      <a:endParaRPr lang="en-US" sz="1200" b="0" i="0" u="none" strike="noStrike">
+                        <a:solidFill>
+                          <a:srgbClr val="000000"/>
+                        </a:solidFill>
+                        <a:effectLst/>
+                        <a:latin typeface="宋体" panose="02010600030101010101" pitchFamily="2" charset="-122"/>
+                        <a:ea typeface="宋体" panose="02010600030101010101" pitchFamily="2" charset="-122"/>
+                      </a:endParaRPr>
+                    </a:p>
+                  </a:txBody>
+                  <a:tcPr marL="9525" marR="9525" marT="9525" marB="0" anchor="ctr"/>
                 </a:tc>
                 <a:tc>
                   <a:txBody>
@@ -6182,55 +6465,22 @@
                     <a:p>
                       <a:pPr algn="ctr" fontAlgn="ctr"/>
                       <a:r>
-                        <a:rPr lang="zh-CN" altLang="en-US" sz="1200" b="0" i="0" u="none" strike="noStrike" dirty="0">
-                          <a:solidFill>
-                            <a:srgbClr val="000000"/>
-                          </a:solidFill>
-                          <a:latin typeface="黑体" pitchFamily="49" charset="-122"/>
-                          <a:ea typeface="黑体" pitchFamily="49" charset="-122"/>
+                        <a:rPr lang="zh-CN" altLang="en-US" sz="1200" u="none" strike="noStrike">
+                          <a:effectLst/>
                         </a:rPr>
                         <a:t>　</a:t>
                       </a:r>
-                    </a:p>
-                  </a:txBody>
-                  <a:tcPr marL="9525" marR="9525" marT="9525" marB="0" anchor="ctr">
-                    <a:lnL w="6350" cap="flat" cmpd="sng" algn="ctr">
-                      <a:solidFill>
-                        <a:srgbClr val="000000"/>
-                      </a:solidFill>
-                      <a:prstDash val="solid"/>
-                      <a:round/>
-                      <a:headEnd type="none" w="med" len="med"/>
-                      <a:tailEnd type="none" w="med" len="med"/>
-                    </a:lnL>
-                    <a:lnR w="6350" cap="flat" cmpd="sng" algn="ctr">
-                      <a:solidFill>
-                        <a:srgbClr val="000000"/>
-                      </a:solidFill>
-                      <a:prstDash val="solid"/>
-                      <a:round/>
-                      <a:headEnd type="none" w="med" len="med"/>
-                      <a:tailEnd type="none" w="med" len="med"/>
-                    </a:lnR>
-                    <a:lnT w="6350" cap="flat" cmpd="sng" algn="ctr">
-                      <a:solidFill>
-                        <a:srgbClr val="000000"/>
-                      </a:solidFill>
-                      <a:prstDash val="solid"/>
-                      <a:round/>
-                      <a:headEnd type="none" w="med" len="med"/>
-                      <a:tailEnd type="none" w="med" len="med"/>
-                    </a:lnT>
-                    <a:lnB w="6350" cap="flat" cmpd="sng" algn="ctr">
-                      <a:solidFill>
-                        <a:srgbClr val="000000"/>
-                      </a:solidFill>
-                      <a:prstDash val="solid"/>
-                      <a:round/>
-                      <a:headEnd type="none" w="med" len="med"/>
-                      <a:tailEnd type="none" w="med" len="med"/>
-                    </a:lnB>
-                  </a:tcPr>
+                      <a:endParaRPr lang="zh-CN" altLang="en-US" sz="1200" b="0" i="0" u="none" strike="noStrike">
+                        <a:solidFill>
+                          <a:srgbClr val="000000"/>
+                        </a:solidFill>
+                        <a:effectLst/>
+                        <a:latin typeface="宋体" panose="02010600030101010101" pitchFamily="2" charset="-122"/>
+                        <a:ea typeface="宋体" panose="02010600030101010101" pitchFamily="2" charset="-122"/>
+                      </a:endParaRPr>
+                    </a:p>
+                  </a:txBody>
+                  <a:tcPr marL="9525" marR="9525" marT="9525" marB="0" anchor="ctr"/>
                 </a:tc>
                 <a:tc>
                   <a:txBody>
@@ -6239,55 +6489,22 @@
                     <a:p>
                       <a:pPr algn="ctr" fontAlgn="ctr"/>
                       <a:r>
-                        <a:rPr lang="zh-CN" altLang="en-US" sz="1200" b="0" i="0" u="none" strike="noStrike" dirty="0">
-                          <a:solidFill>
-                            <a:srgbClr val="000000"/>
-                          </a:solidFill>
-                          <a:latin typeface="黑体" pitchFamily="49" charset="-122"/>
-                          <a:ea typeface="黑体" pitchFamily="49" charset="-122"/>
+                        <a:rPr lang="zh-CN" altLang="en-US" sz="1200" u="none" strike="noStrike">
+                          <a:effectLst/>
                         </a:rPr>
                         <a:t>　</a:t>
                       </a:r>
-                    </a:p>
-                  </a:txBody>
-                  <a:tcPr marL="9525" marR="9525" marT="9525" marB="0" anchor="ctr">
-                    <a:lnL w="6350" cap="flat" cmpd="sng" algn="ctr">
-                      <a:solidFill>
-                        <a:srgbClr val="000000"/>
-                      </a:solidFill>
-                      <a:prstDash val="solid"/>
-                      <a:round/>
-                      <a:headEnd type="none" w="med" len="med"/>
-                      <a:tailEnd type="none" w="med" len="med"/>
-                    </a:lnL>
-                    <a:lnR w="6350" cap="flat" cmpd="sng" algn="ctr">
-                      <a:solidFill>
-                        <a:srgbClr val="000000"/>
-                      </a:solidFill>
-                      <a:prstDash val="solid"/>
-                      <a:round/>
-                      <a:headEnd type="none" w="med" len="med"/>
-                      <a:tailEnd type="none" w="med" len="med"/>
-                    </a:lnR>
-                    <a:lnT w="6350" cap="flat" cmpd="sng" algn="ctr">
-                      <a:solidFill>
-                        <a:srgbClr val="000000"/>
-                      </a:solidFill>
-                      <a:prstDash val="solid"/>
-                      <a:round/>
-                      <a:headEnd type="none" w="med" len="med"/>
-                      <a:tailEnd type="none" w="med" len="med"/>
-                    </a:lnT>
-                    <a:lnB w="6350" cap="flat" cmpd="sng" algn="ctr">
-                      <a:solidFill>
-                        <a:srgbClr val="000000"/>
-                      </a:solidFill>
-                      <a:prstDash val="solid"/>
-                      <a:round/>
-                      <a:headEnd type="none" w="med" len="med"/>
-                      <a:tailEnd type="none" w="med" len="med"/>
-                    </a:lnB>
-                  </a:tcPr>
+                      <a:endParaRPr lang="zh-CN" altLang="en-US" sz="1200" b="0" i="0" u="none" strike="noStrike">
+                        <a:solidFill>
+                          <a:srgbClr val="000000"/>
+                        </a:solidFill>
+                        <a:effectLst/>
+                        <a:latin typeface="宋体" panose="02010600030101010101" pitchFamily="2" charset="-122"/>
+                        <a:ea typeface="宋体" panose="02010600030101010101" pitchFamily="2" charset="-122"/>
+                      </a:endParaRPr>
+                    </a:p>
+                  </a:txBody>
+                  <a:tcPr marL="9525" marR="9525" marT="9525" marB="0" anchor="ctr"/>
                 </a:tc>
                 <a:tc>
                   <a:txBody>
@@ -6296,55 +6513,22 @@
                     <a:p>
                       <a:pPr algn="ctr" fontAlgn="ctr"/>
                       <a:r>
-                        <a:rPr lang="zh-CN" altLang="en-US" sz="1200" b="0" i="0" u="none" strike="noStrike">
-                          <a:solidFill>
-                            <a:srgbClr val="000000"/>
-                          </a:solidFill>
-                          <a:latin typeface="黑体" pitchFamily="49" charset="-122"/>
-                          <a:ea typeface="黑体" pitchFamily="49" charset="-122"/>
+                        <a:rPr lang="zh-CN" altLang="en-US" sz="1200" u="none" strike="noStrike">
+                          <a:effectLst/>
                         </a:rPr>
                         <a:t>　</a:t>
                       </a:r>
-                    </a:p>
-                  </a:txBody>
-                  <a:tcPr marL="9525" marR="9525" marT="9525" marB="0" anchor="ctr">
-                    <a:lnL w="6350" cap="flat" cmpd="sng" algn="ctr">
-                      <a:solidFill>
-                        <a:srgbClr val="000000"/>
-                      </a:solidFill>
-                      <a:prstDash val="solid"/>
-                      <a:round/>
-                      <a:headEnd type="none" w="med" len="med"/>
-                      <a:tailEnd type="none" w="med" len="med"/>
-                    </a:lnL>
-                    <a:lnR w="6350" cap="flat" cmpd="sng" algn="ctr">
-                      <a:solidFill>
-                        <a:srgbClr val="000000"/>
-                      </a:solidFill>
-                      <a:prstDash val="solid"/>
-                      <a:round/>
-                      <a:headEnd type="none" w="med" len="med"/>
-                      <a:tailEnd type="none" w="med" len="med"/>
-                    </a:lnR>
-                    <a:lnT w="6350" cap="flat" cmpd="sng" algn="ctr">
-                      <a:solidFill>
-                        <a:srgbClr val="000000"/>
-                      </a:solidFill>
-                      <a:prstDash val="solid"/>
-                      <a:round/>
-                      <a:headEnd type="none" w="med" len="med"/>
-                      <a:tailEnd type="none" w="med" len="med"/>
-                    </a:lnT>
-                    <a:lnB w="6350" cap="flat" cmpd="sng" algn="ctr">
-                      <a:solidFill>
-                        <a:srgbClr val="000000"/>
-                      </a:solidFill>
-                      <a:prstDash val="solid"/>
-                      <a:round/>
-                      <a:headEnd type="none" w="med" len="med"/>
-                      <a:tailEnd type="none" w="med" len="med"/>
-                    </a:lnB>
-                  </a:tcPr>
+                      <a:endParaRPr lang="zh-CN" altLang="en-US" sz="1200" b="0" i="0" u="none" strike="noStrike">
+                        <a:solidFill>
+                          <a:srgbClr val="000000"/>
+                        </a:solidFill>
+                        <a:effectLst/>
+                        <a:latin typeface="宋体" panose="02010600030101010101" pitchFamily="2" charset="-122"/>
+                        <a:ea typeface="宋体" panose="02010600030101010101" pitchFamily="2" charset="-122"/>
+                      </a:endParaRPr>
+                    </a:p>
+                  </a:txBody>
+                  <a:tcPr marL="9525" marR="9525" marT="9525" marB="0" anchor="ctr"/>
                 </a:tc>
                 <a:tc>
                   <a:txBody>
@@ -6353,58 +6537,25 @@
                     <a:p>
                       <a:pPr algn="ctr" fontAlgn="ctr"/>
                       <a:r>
-                        <a:rPr lang="zh-CN" altLang="en-US" sz="1200" b="0" i="0" u="none" strike="noStrike">
-                          <a:solidFill>
-                            <a:srgbClr val="000000"/>
-                          </a:solidFill>
-                          <a:latin typeface="黑体" pitchFamily="49" charset="-122"/>
-                          <a:ea typeface="黑体" pitchFamily="49" charset="-122"/>
+                        <a:rPr lang="zh-CN" altLang="en-US" sz="1200" u="none" strike="noStrike" dirty="0">
+                          <a:effectLst/>
                         </a:rPr>
                         <a:t>　</a:t>
                       </a:r>
-                    </a:p>
-                  </a:txBody>
-                  <a:tcPr marL="9525" marR="9525" marT="9525" marB="0" anchor="ctr">
-                    <a:lnL w="6350" cap="flat" cmpd="sng" algn="ctr">
-                      <a:solidFill>
-                        <a:srgbClr val="000000"/>
-                      </a:solidFill>
-                      <a:prstDash val="solid"/>
-                      <a:round/>
-                      <a:headEnd type="none" w="med" len="med"/>
-                      <a:tailEnd type="none" w="med" len="med"/>
-                    </a:lnL>
-                    <a:lnR w="6350" cap="flat" cmpd="sng" algn="ctr">
-                      <a:solidFill>
-                        <a:srgbClr val="000000"/>
-                      </a:solidFill>
-                      <a:prstDash val="solid"/>
-                      <a:round/>
-                      <a:headEnd type="none" w="med" len="med"/>
-                      <a:tailEnd type="none" w="med" len="med"/>
-                    </a:lnR>
-                    <a:lnT w="6350" cap="flat" cmpd="sng" algn="ctr">
-                      <a:solidFill>
-                        <a:srgbClr val="000000"/>
-                      </a:solidFill>
-                      <a:prstDash val="solid"/>
-                      <a:round/>
-                      <a:headEnd type="none" w="med" len="med"/>
-                      <a:tailEnd type="none" w="med" len="med"/>
-                    </a:lnT>
-                    <a:lnB w="6350" cap="flat" cmpd="sng" algn="ctr">
-                      <a:solidFill>
-                        <a:srgbClr val="000000"/>
-                      </a:solidFill>
-                      <a:prstDash val="solid"/>
-                      <a:round/>
-                      <a:headEnd type="none" w="med" len="med"/>
-                      <a:tailEnd type="none" w="med" len="med"/>
-                    </a:lnB>
-                  </a:tcPr>
+                      <a:endParaRPr lang="zh-CN" altLang="en-US" sz="1200" b="0" i="0" u="none" strike="noStrike" dirty="0">
+                        <a:solidFill>
+                          <a:srgbClr val="000000"/>
+                        </a:solidFill>
+                        <a:effectLst/>
+                        <a:latin typeface="宋体" panose="02010600030101010101" pitchFamily="2" charset="-122"/>
+                        <a:ea typeface="宋体" panose="02010600030101010101" pitchFamily="2" charset="-122"/>
+                      </a:endParaRPr>
+                    </a:p>
+                  </a:txBody>
+                  <a:tcPr marL="9525" marR="9525" marT="9525" marB="0" anchor="ctr"/>
                 </a:tc>
               </a:tr>
-              <a:tr h="421716">
+              <a:tr h="365754">
                 <a:tc>
                   <a:txBody>
                     <a:bodyPr/>
@@ -6412,55 +6563,46 @@
                     <a:p>
                       <a:pPr algn="ctr" fontAlgn="ctr"/>
                       <a:r>
-                        <a:rPr lang="en-US" altLang="zh-CN" sz="1200" b="0" i="0" u="none" strike="noStrike">
-                          <a:solidFill>
-                            <a:srgbClr val="000000"/>
-                          </a:solidFill>
-                          <a:latin typeface="黑体" pitchFamily="49" charset="-122"/>
-                          <a:ea typeface="黑体" pitchFamily="49" charset="-122"/>
+                        <a:rPr lang="en-US" altLang="zh-CN" sz="1200" u="none" strike="noStrike">
+                          <a:effectLst/>
+                        </a:rPr>
+                        <a:t>3</a:t>
+                      </a:r>
+                      <a:endParaRPr lang="en-US" altLang="zh-CN" sz="1200" b="0" i="0" u="none" strike="noStrike">
+                        <a:solidFill>
+                          <a:srgbClr val="000000"/>
+                        </a:solidFill>
+                        <a:effectLst/>
+                        <a:latin typeface="宋体" panose="02010600030101010101" pitchFamily="2" charset="-122"/>
+                        <a:ea typeface="宋体" panose="02010600030101010101" pitchFamily="2" charset="-122"/>
+                      </a:endParaRPr>
+                    </a:p>
+                  </a:txBody>
+                  <a:tcPr marL="9525" marR="9525" marT="9525" marB="0" anchor="ctr"/>
+                </a:tc>
+                <a:tc>
+                  <a:txBody>
+                    <a:bodyPr/>
+                    <a:lstStyle/>
+                    <a:p>
+                      <a:pPr algn="ctr" fontAlgn="ctr"/>
+                      <a:r>
+                        <a:rPr lang="en-US" altLang="zh-CN" sz="1200" u="none" strike="noStrike">
+                          <a:effectLst/>
                         </a:rPr>
                         <a:t>2016/4/1</a:t>
                       </a:r>
-                    </a:p>
-                  </a:txBody>
-                  <a:tcPr marL="9525" marR="9525" marT="9525" marB="0" anchor="ctr">
-                    <a:lnL w="6350" cap="flat" cmpd="sng" algn="ctr">
-                      <a:solidFill>
-                        <a:srgbClr val="000000"/>
-                      </a:solidFill>
-                      <a:prstDash val="solid"/>
-                      <a:round/>
-                      <a:headEnd type="none" w="med" len="med"/>
-                      <a:tailEnd type="none" w="med" len="med"/>
-                    </a:lnL>
-                    <a:lnR w="6350" cap="flat" cmpd="sng" algn="ctr">
-                      <a:solidFill>
-                        <a:srgbClr val="000000"/>
-                      </a:solidFill>
-                      <a:prstDash val="solid"/>
-                      <a:round/>
-                      <a:headEnd type="none" w="med" len="med"/>
-                      <a:tailEnd type="none" w="med" len="med"/>
-                    </a:lnR>
-                    <a:lnT w="6350" cap="flat" cmpd="sng" algn="ctr">
-                      <a:solidFill>
-                        <a:srgbClr val="000000"/>
-                      </a:solidFill>
-                      <a:prstDash val="solid"/>
-                      <a:round/>
-                      <a:headEnd type="none" w="med" len="med"/>
-                      <a:tailEnd type="none" w="med" len="med"/>
-                    </a:lnT>
-                    <a:lnB w="6350" cap="flat" cmpd="sng" algn="ctr">
-                      <a:solidFill>
-                        <a:srgbClr val="000000"/>
-                      </a:solidFill>
-                      <a:prstDash val="solid"/>
-                      <a:round/>
-                      <a:headEnd type="none" w="med" len="med"/>
-                      <a:tailEnd type="none" w="med" len="med"/>
-                    </a:lnB>
-                  </a:tcPr>
+                      <a:endParaRPr lang="en-US" altLang="zh-CN" sz="1200" b="0" i="0" u="none" strike="noStrike">
+                        <a:solidFill>
+                          <a:srgbClr val="000000"/>
+                        </a:solidFill>
+                        <a:effectLst/>
+                        <a:latin typeface="宋体" panose="02010600030101010101" pitchFamily="2" charset="-122"/>
+                        <a:ea typeface="宋体" panose="02010600030101010101" pitchFamily="2" charset="-122"/>
+                      </a:endParaRPr>
+                    </a:p>
+                  </a:txBody>
+                  <a:tcPr marL="9525" marR="9525" marT="9525" marB="0" anchor="ctr"/>
                 </a:tc>
                 <a:tc>
                   <a:txBody>
@@ -6469,55 +6611,22 @@
                     <a:p>
                       <a:pPr algn="ctr" fontAlgn="ctr"/>
                       <a:r>
-                        <a:rPr lang="en-US" sz="1200" b="0" i="0" u="none" strike="noStrike">
-                          <a:solidFill>
-                            <a:srgbClr val="000000"/>
-                          </a:solidFill>
-                          <a:latin typeface="黑体" pitchFamily="49" charset="-122"/>
-                          <a:ea typeface="黑体" pitchFamily="49" charset="-122"/>
+                        <a:rPr lang="en-US" sz="1200" u="none" strike="noStrike">
+                          <a:effectLst/>
                         </a:rPr>
                         <a:t>update-RADM-W_RTL_PRICE_IT_LC_DY_F.sql</a:t>
                       </a:r>
-                    </a:p>
-                  </a:txBody>
-                  <a:tcPr marL="9525" marR="9525" marT="9525" marB="0" anchor="ctr">
-                    <a:lnL w="6350" cap="flat" cmpd="sng" algn="ctr">
-                      <a:solidFill>
-                        <a:srgbClr val="000000"/>
-                      </a:solidFill>
-                      <a:prstDash val="solid"/>
-                      <a:round/>
-                      <a:headEnd type="none" w="med" len="med"/>
-                      <a:tailEnd type="none" w="med" len="med"/>
-                    </a:lnL>
-                    <a:lnR w="6350" cap="flat" cmpd="sng" algn="ctr">
-                      <a:solidFill>
-                        <a:srgbClr val="000000"/>
-                      </a:solidFill>
-                      <a:prstDash val="solid"/>
-                      <a:round/>
-                      <a:headEnd type="none" w="med" len="med"/>
-                      <a:tailEnd type="none" w="med" len="med"/>
-                    </a:lnR>
-                    <a:lnT w="6350" cap="flat" cmpd="sng" algn="ctr">
-                      <a:solidFill>
-                        <a:srgbClr val="000000"/>
-                      </a:solidFill>
-                      <a:prstDash val="solid"/>
-                      <a:round/>
-                      <a:headEnd type="none" w="med" len="med"/>
-                      <a:tailEnd type="none" w="med" len="med"/>
-                    </a:lnT>
-                    <a:lnB w="6350" cap="flat" cmpd="sng" algn="ctr">
-                      <a:solidFill>
-                        <a:srgbClr val="000000"/>
-                      </a:solidFill>
-                      <a:prstDash val="solid"/>
-                      <a:round/>
-                      <a:headEnd type="none" w="med" len="med"/>
-                      <a:tailEnd type="none" w="med" len="med"/>
-                    </a:lnB>
-                  </a:tcPr>
+                      <a:endParaRPr lang="en-US" sz="1200" b="0" i="0" u="none" strike="noStrike">
+                        <a:solidFill>
+                          <a:srgbClr val="000000"/>
+                        </a:solidFill>
+                        <a:effectLst/>
+                        <a:latin typeface="宋体" panose="02010600030101010101" pitchFamily="2" charset="-122"/>
+                        <a:ea typeface="宋体" panose="02010600030101010101" pitchFamily="2" charset="-122"/>
+                      </a:endParaRPr>
+                    </a:p>
+                  </a:txBody>
+                  <a:tcPr marL="9525" marR="9525" marT="9525" marB="0" anchor="ctr"/>
                 </a:tc>
                 <a:tc>
                   <a:txBody>
@@ -6526,55 +6635,22 @@
                     <a:p>
                       <a:pPr algn="ctr" fontAlgn="ctr"/>
                       <a:r>
-                        <a:rPr lang="en-US" sz="1200" b="0" i="0" u="none" strike="noStrike">
-                          <a:solidFill>
-                            <a:srgbClr val="000000"/>
-                          </a:solidFill>
-                          <a:latin typeface="黑体" pitchFamily="49" charset="-122"/>
-                          <a:ea typeface="黑体" pitchFamily="49" charset="-122"/>
+                        <a:rPr lang="en-US" sz="1200" u="none" strike="noStrike">
+                          <a:effectLst/>
                         </a:rPr>
                         <a:t>SIL_BBG_RETAILPRICEFACT</a:t>
                       </a:r>
-                    </a:p>
-                  </a:txBody>
-                  <a:tcPr marL="9525" marR="9525" marT="9525" marB="0" anchor="ctr">
-                    <a:lnL w="6350" cap="flat" cmpd="sng" algn="ctr">
-                      <a:solidFill>
-                        <a:srgbClr val="000000"/>
-                      </a:solidFill>
-                      <a:prstDash val="solid"/>
-                      <a:round/>
-                      <a:headEnd type="none" w="med" len="med"/>
-                      <a:tailEnd type="none" w="med" len="med"/>
-                    </a:lnL>
-                    <a:lnR w="6350" cap="flat" cmpd="sng" algn="ctr">
-                      <a:solidFill>
-                        <a:srgbClr val="000000"/>
-                      </a:solidFill>
-                      <a:prstDash val="solid"/>
-                      <a:round/>
-                      <a:headEnd type="none" w="med" len="med"/>
-                      <a:tailEnd type="none" w="med" len="med"/>
-                    </a:lnR>
-                    <a:lnT w="6350" cap="flat" cmpd="sng" algn="ctr">
-                      <a:solidFill>
-                        <a:srgbClr val="000000"/>
-                      </a:solidFill>
-                      <a:prstDash val="solid"/>
-                      <a:round/>
-                      <a:headEnd type="none" w="med" len="med"/>
-                      <a:tailEnd type="none" w="med" len="med"/>
-                    </a:lnT>
-                    <a:lnB w="6350" cap="flat" cmpd="sng" algn="ctr">
-                      <a:solidFill>
-                        <a:srgbClr val="000000"/>
-                      </a:solidFill>
-                      <a:prstDash val="solid"/>
-                      <a:round/>
-                      <a:headEnd type="none" w="med" len="med"/>
-                      <a:tailEnd type="none" w="med" len="med"/>
-                    </a:lnB>
-                  </a:tcPr>
+                      <a:endParaRPr lang="en-US" sz="1200" b="0" i="0" u="none" strike="noStrike">
+                        <a:solidFill>
+                          <a:srgbClr val="000000"/>
+                        </a:solidFill>
+                        <a:effectLst/>
+                        <a:latin typeface="宋体" panose="02010600030101010101" pitchFamily="2" charset="-122"/>
+                        <a:ea typeface="宋体" panose="02010600030101010101" pitchFamily="2" charset="-122"/>
+                      </a:endParaRPr>
+                    </a:p>
+                  </a:txBody>
+                  <a:tcPr marL="9525" marR="9525" marT="9525" marB="0" anchor="ctr"/>
                 </a:tc>
                 <a:tc>
                   <a:txBody>
@@ -6583,55 +6659,22 @@
                     <a:p>
                       <a:pPr algn="ctr" fontAlgn="ctr"/>
                       <a:r>
-                        <a:rPr lang="zh-CN" altLang="en-US" sz="1200" b="0" i="0" u="none" strike="noStrike">
-                          <a:solidFill>
-                            <a:srgbClr val="000000"/>
-                          </a:solidFill>
-                          <a:latin typeface="黑体" pitchFamily="49" charset="-122"/>
-                          <a:ea typeface="黑体" pitchFamily="49" charset="-122"/>
+                        <a:rPr lang="zh-CN" altLang="en-US" sz="1200" u="none" strike="noStrike">
+                          <a:effectLst/>
                         </a:rPr>
                         <a:t>　</a:t>
                       </a:r>
-                    </a:p>
-                  </a:txBody>
-                  <a:tcPr marL="9525" marR="9525" marT="9525" marB="0" anchor="ctr">
-                    <a:lnL w="6350" cap="flat" cmpd="sng" algn="ctr">
-                      <a:solidFill>
-                        <a:srgbClr val="000000"/>
-                      </a:solidFill>
-                      <a:prstDash val="solid"/>
-                      <a:round/>
-                      <a:headEnd type="none" w="med" len="med"/>
-                      <a:tailEnd type="none" w="med" len="med"/>
-                    </a:lnL>
-                    <a:lnR w="6350" cap="flat" cmpd="sng" algn="ctr">
-                      <a:solidFill>
-                        <a:srgbClr val="000000"/>
-                      </a:solidFill>
-                      <a:prstDash val="solid"/>
-                      <a:round/>
-                      <a:headEnd type="none" w="med" len="med"/>
-                      <a:tailEnd type="none" w="med" len="med"/>
-                    </a:lnR>
-                    <a:lnT w="6350" cap="flat" cmpd="sng" algn="ctr">
-                      <a:solidFill>
-                        <a:srgbClr val="000000"/>
-                      </a:solidFill>
-                      <a:prstDash val="solid"/>
-                      <a:round/>
-                      <a:headEnd type="none" w="med" len="med"/>
-                      <a:tailEnd type="none" w="med" len="med"/>
-                    </a:lnT>
-                    <a:lnB w="6350" cap="flat" cmpd="sng" algn="ctr">
-                      <a:solidFill>
-                        <a:srgbClr val="000000"/>
-                      </a:solidFill>
-                      <a:prstDash val="solid"/>
-                      <a:round/>
-                      <a:headEnd type="none" w="med" len="med"/>
-                      <a:tailEnd type="none" w="med" len="med"/>
-                    </a:lnB>
-                  </a:tcPr>
+                      <a:endParaRPr lang="zh-CN" altLang="en-US" sz="1200" b="0" i="0" u="none" strike="noStrike">
+                        <a:solidFill>
+                          <a:srgbClr val="000000"/>
+                        </a:solidFill>
+                        <a:effectLst/>
+                        <a:latin typeface="宋体" panose="02010600030101010101" pitchFamily="2" charset="-122"/>
+                        <a:ea typeface="宋体" panose="02010600030101010101" pitchFamily="2" charset="-122"/>
+                      </a:endParaRPr>
+                    </a:p>
+                  </a:txBody>
+                  <a:tcPr marL="9525" marR="9525" marT="9525" marB="0" anchor="ctr"/>
                 </a:tc>
                 <a:tc>
                   <a:txBody>
@@ -6640,55 +6683,22 @@
                     <a:p>
                       <a:pPr algn="ctr" fontAlgn="ctr"/>
                       <a:r>
-                        <a:rPr lang="zh-CN" altLang="en-US" sz="1200" b="0" i="0" u="none" strike="noStrike">
-                          <a:solidFill>
-                            <a:srgbClr val="000000"/>
-                          </a:solidFill>
-                          <a:latin typeface="黑体" pitchFamily="49" charset="-122"/>
-                          <a:ea typeface="黑体" pitchFamily="49" charset="-122"/>
+                        <a:rPr lang="zh-CN" altLang="en-US" sz="1200" u="none" strike="noStrike" dirty="0">
+                          <a:effectLst/>
                         </a:rPr>
                         <a:t>　</a:t>
                       </a:r>
-                    </a:p>
-                  </a:txBody>
-                  <a:tcPr marL="9525" marR="9525" marT="9525" marB="0" anchor="ctr">
-                    <a:lnL w="6350" cap="flat" cmpd="sng" algn="ctr">
-                      <a:solidFill>
-                        <a:srgbClr val="000000"/>
-                      </a:solidFill>
-                      <a:prstDash val="solid"/>
-                      <a:round/>
-                      <a:headEnd type="none" w="med" len="med"/>
-                      <a:tailEnd type="none" w="med" len="med"/>
-                    </a:lnL>
-                    <a:lnR w="6350" cap="flat" cmpd="sng" algn="ctr">
-                      <a:solidFill>
-                        <a:srgbClr val="000000"/>
-                      </a:solidFill>
-                      <a:prstDash val="solid"/>
-                      <a:round/>
-                      <a:headEnd type="none" w="med" len="med"/>
-                      <a:tailEnd type="none" w="med" len="med"/>
-                    </a:lnR>
-                    <a:lnT w="6350" cap="flat" cmpd="sng" algn="ctr">
-                      <a:solidFill>
-                        <a:srgbClr val="000000"/>
-                      </a:solidFill>
-                      <a:prstDash val="solid"/>
-                      <a:round/>
-                      <a:headEnd type="none" w="med" len="med"/>
-                      <a:tailEnd type="none" w="med" len="med"/>
-                    </a:lnT>
-                    <a:lnB w="6350" cap="flat" cmpd="sng" algn="ctr">
-                      <a:solidFill>
-                        <a:srgbClr val="000000"/>
-                      </a:solidFill>
-                      <a:prstDash val="solid"/>
-                      <a:round/>
-                      <a:headEnd type="none" w="med" len="med"/>
-                      <a:tailEnd type="none" w="med" len="med"/>
-                    </a:lnB>
-                  </a:tcPr>
+                      <a:endParaRPr lang="zh-CN" altLang="en-US" sz="1200" b="0" i="0" u="none" strike="noStrike" dirty="0">
+                        <a:solidFill>
+                          <a:srgbClr val="000000"/>
+                        </a:solidFill>
+                        <a:effectLst/>
+                        <a:latin typeface="宋体" panose="02010600030101010101" pitchFamily="2" charset="-122"/>
+                        <a:ea typeface="宋体" panose="02010600030101010101" pitchFamily="2" charset="-122"/>
+                      </a:endParaRPr>
+                    </a:p>
+                  </a:txBody>
+                  <a:tcPr marL="9525" marR="9525" marT="9525" marB="0" anchor="ctr"/>
                 </a:tc>
                 <a:tc>
                   <a:txBody>
@@ -6697,58 +6707,25 @@
                     <a:p>
                       <a:pPr algn="ctr" fontAlgn="ctr"/>
                       <a:r>
-                        <a:rPr lang="zh-CN" altLang="en-US" sz="1200" b="0" i="0" u="none" strike="noStrike">
-                          <a:solidFill>
-                            <a:srgbClr val="000000"/>
-                          </a:solidFill>
-                          <a:latin typeface="黑体" pitchFamily="49" charset="-122"/>
-                          <a:ea typeface="黑体" pitchFamily="49" charset="-122"/>
+                        <a:rPr lang="zh-CN" altLang="en-US" sz="1200" u="none" strike="noStrike" dirty="0">
+                          <a:effectLst/>
                         </a:rPr>
                         <a:t>　</a:t>
                       </a:r>
-                    </a:p>
-                  </a:txBody>
-                  <a:tcPr marL="9525" marR="9525" marT="9525" marB="0" anchor="ctr">
-                    <a:lnL w="6350" cap="flat" cmpd="sng" algn="ctr">
-                      <a:solidFill>
-                        <a:srgbClr val="000000"/>
-                      </a:solidFill>
-                      <a:prstDash val="solid"/>
-                      <a:round/>
-                      <a:headEnd type="none" w="med" len="med"/>
-                      <a:tailEnd type="none" w="med" len="med"/>
-                    </a:lnL>
-                    <a:lnR w="6350" cap="flat" cmpd="sng" algn="ctr">
-                      <a:solidFill>
-                        <a:srgbClr val="000000"/>
-                      </a:solidFill>
-                      <a:prstDash val="solid"/>
-                      <a:round/>
-                      <a:headEnd type="none" w="med" len="med"/>
-                      <a:tailEnd type="none" w="med" len="med"/>
-                    </a:lnR>
-                    <a:lnT w="6350" cap="flat" cmpd="sng" algn="ctr">
-                      <a:solidFill>
-                        <a:srgbClr val="000000"/>
-                      </a:solidFill>
-                      <a:prstDash val="solid"/>
-                      <a:round/>
-                      <a:headEnd type="none" w="med" len="med"/>
-                      <a:tailEnd type="none" w="med" len="med"/>
-                    </a:lnT>
-                    <a:lnB w="6350" cap="flat" cmpd="sng" algn="ctr">
-                      <a:solidFill>
-                        <a:srgbClr val="000000"/>
-                      </a:solidFill>
-                      <a:prstDash val="solid"/>
-                      <a:round/>
-                      <a:headEnd type="none" w="med" len="med"/>
-                      <a:tailEnd type="none" w="med" len="med"/>
-                    </a:lnB>
-                  </a:tcPr>
+                      <a:endParaRPr lang="zh-CN" altLang="en-US" sz="1200" b="0" i="0" u="none" strike="noStrike" dirty="0">
+                        <a:solidFill>
+                          <a:srgbClr val="000000"/>
+                        </a:solidFill>
+                        <a:effectLst/>
+                        <a:latin typeface="宋体" panose="02010600030101010101" pitchFamily="2" charset="-122"/>
+                        <a:ea typeface="宋体" panose="02010600030101010101" pitchFamily="2" charset="-122"/>
+                      </a:endParaRPr>
+                    </a:p>
+                  </a:txBody>
+                  <a:tcPr marL="9525" marR="9525" marT="9525" marB="0" anchor="ctr"/>
                 </a:tc>
               </a:tr>
-              <a:tr h="421716">
+              <a:tr h="707758">
                 <a:tc>
                   <a:txBody>
                     <a:bodyPr/>
@@ -6756,55 +6733,46 @@
                     <a:p>
                       <a:pPr algn="ctr" fontAlgn="ctr"/>
                       <a:r>
-                        <a:rPr lang="en-US" altLang="zh-CN" sz="1200" b="0" i="0" u="none" strike="noStrike">
-                          <a:solidFill>
-                            <a:srgbClr val="000000"/>
-                          </a:solidFill>
-                          <a:latin typeface="黑体" pitchFamily="49" charset="-122"/>
-                          <a:ea typeface="黑体" pitchFamily="49" charset="-122"/>
+                        <a:rPr lang="en-US" altLang="zh-CN" sz="1200" u="none" strike="noStrike">
+                          <a:effectLst/>
+                        </a:rPr>
+                        <a:t>4</a:t>
+                      </a:r>
+                      <a:endParaRPr lang="en-US" altLang="zh-CN" sz="1200" b="0" i="0" u="none" strike="noStrike">
+                        <a:solidFill>
+                          <a:srgbClr val="000000"/>
+                        </a:solidFill>
+                        <a:effectLst/>
+                        <a:latin typeface="宋体" panose="02010600030101010101" pitchFamily="2" charset="-122"/>
+                        <a:ea typeface="宋体" panose="02010600030101010101" pitchFamily="2" charset="-122"/>
+                      </a:endParaRPr>
+                    </a:p>
+                  </a:txBody>
+                  <a:tcPr marL="9525" marR="9525" marT="9525" marB="0" anchor="ctr"/>
+                </a:tc>
+                <a:tc>
+                  <a:txBody>
+                    <a:bodyPr/>
+                    <a:lstStyle/>
+                    <a:p>
+                      <a:pPr algn="ctr" fontAlgn="ctr"/>
+                      <a:r>
+                        <a:rPr lang="en-US" altLang="zh-CN" sz="1200" u="none" strike="noStrike">
+                          <a:effectLst/>
                         </a:rPr>
                         <a:t>2016/3/28</a:t>
                       </a:r>
-                    </a:p>
-                  </a:txBody>
-                  <a:tcPr marL="9525" marR="9525" marT="9525" marB="0" anchor="ctr">
-                    <a:lnL w="6350" cap="flat" cmpd="sng" algn="ctr">
-                      <a:solidFill>
-                        <a:srgbClr val="000000"/>
-                      </a:solidFill>
-                      <a:prstDash val="solid"/>
-                      <a:round/>
-                      <a:headEnd type="none" w="med" len="med"/>
-                      <a:tailEnd type="none" w="med" len="med"/>
-                    </a:lnL>
-                    <a:lnR w="6350" cap="flat" cmpd="sng" algn="ctr">
-                      <a:solidFill>
-                        <a:srgbClr val="000000"/>
-                      </a:solidFill>
-                      <a:prstDash val="solid"/>
-                      <a:round/>
-                      <a:headEnd type="none" w="med" len="med"/>
-                      <a:tailEnd type="none" w="med" len="med"/>
-                    </a:lnR>
-                    <a:lnT w="6350" cap="flat" cmpd="sng" algn="ctr">
-                      <a:solidFill>
-                        <a:srgbClr val="000000"/>
-                      </a:solidFill>
-                      <a:prstDash val="solid"/>
-                      <a:round/>
-                      <a:headEnd type="none" w="med" len="med"/>
-                      <a:tailEnd type="none" w="med" len="med"/>
-                    </a:lnT>
-                    <a:lnB w="6350" cap="flat" cmpd="sng" algn="ctr">
-                      <a:solidFill>
-                        <a:srgbClr val="000000"/>
-                      </a:solidFill>
-                      <a:prstDash val="solid"/>
-                      <a:round/>
-                      <a:headEnd type="none" w="med" len="med"/>
-                      <a:tailEnd type="none" w="med" len="med"/>
-                    </a:lnB>
-                  </a:tcPr>
+                      <a:endParaRPr lang="en-US" altLang="zh-CN" sz="1200" b="0" i="0" u="none" strike="noStrike">
+                        <a:solidFill>
+                          <a:srgbClr val="000000"/>
+                        </a:solidFill>
+                        <a:effectLst/>
+                        <a:latin typeface="宋体" panose="02010600030101010101" pitchFamily="2" charset="-122"/>
+                        <a:ea typeface="宋体" panose="02010600030101010101" pitchFamily="2" charset="-122"/>
+                      </a:endParaRPr>
+                    </a:p>
+                  </a:txBody>
+                  <a:tcPr marL="9525" marR="9525" marT="9525" marB="0" anchor="ctr"/>
                 </a:tc>
                 <a:tc>
                   <a:txBody>
@@ -6813,55 +6781,22 @@
                     <a:p>
                       <a:pPr algn="ctr" fontAlgn="ctr"/>
                       <a:r>
-                        <a:rPr lang="en-US" sz="1200" b="0" i="0" u="none" strike="noStrike">
-                          <a:solidFill>
-                            <a:srgbClr val="000000"/>
-                          </a:solidFill>
-                          <a:latin typeface="黑体" pitchFamily="49" charset="-122"/>
-                          <a:ea typeface="黑体" pitchFamily="49" charset="-122"/>
+                        <a:rPr lang="en-US" sz="1200" u="none" strike="noStrike">
+                          <a:effectLst/>
                         </a:rPr>
                         <a:t>INSERT-RABATCHER-BBG_RA_CUST_IT_LC_DY_TMP.sql</a:t>
                       </a:r>
-                    </a:p>
-                  </a:txBody>
-                  <a:tcPr marL="9525" marR="9525" marT="9525" marB="0" anchor="ctr">
-                    <a:lnL w="6350" cap="flat" cmpd="sng" algn="ctr">
-                      <a:solidFill>
-                        <a:srgbClr val="000000"/>
-                      </a:solidFill>
-                      <a:prstDash val="solid"/>
-                      <a:round/>
-                      <a:headEnd type="none" w="med" len="med"/>
-                      <a:tailEnd type="none" w="med" len="med"/>
-                    </a:lnL>
-                    <a:lnR w="6350" cap="flat" cmpd="sng" algn="ctr">
-                      <a:solidFill>
-                        <a:srgbClr val="000000"/>
-                      </a:solidFill>
-                      <a:prstDash val="solid"/>
-                      <a:round/>
-                      <a:headEnd type="none" w="med" len="med"/>
-                      <a:tailEnd type="none" w="med" len="med"/>
-                    </a:lnR>
-                    <a:lnT w="6350" cap="flat" cmpd="sng" algn="ctr">
-                      <a:solidFill>
-                        <a:srgbClr val="000000"/>
-                      </a:solidFill>
-                      <a:prstDash val="solid"/>
-                      <a:round/>
-                      <a:headEnd type="none" w="med" len="med"/>
-                      <a:tailEnd type="none" w="med" len="med"/>
-                    </a:lnT>
-                    <a:lnB w="6350" cap="flat" cmpd="sng" algn="ctr">
-                      <a:solidFill>
-                        <a:srgbClr val="000000"/>
-                      </a:solidFill>
-                      <a:prstDash val="solid"/>
-                      <a:round/>
-                      <a:headEnd type="none" w="med" len="med"/>
-                      <a:tailEnd type="none" w="med" len="med"/>
-                    </a:lnB>
-                  </a:tcPr>
+                      <a:endParaRPr lang="en-US" sz="1200" b="0" i="0" u="none" strike="noStrike">
+                        <a:solidFill>
+                          <a:srgbClr val="000000"/>
+                        </a:solidFill>
+                        <a:effectLst/>
+                        <a:latin typeface="宋体" panose="02010600030101010101" pitchFamily="2" charset="-122"/>
+                        <a:ea typeface="宋体" panose="02010600030101010101" pitchFamily="2" charset="-122"/>
+                      </a:endParaRPr>
+                    </a:p>
+                  </a:txBody>
+                  <a:tcPr marL="9525" marR="9525" marT="9525" marB="0" anchor="ctr"/>
                 </a:tc>
                 <a:tc>
                   <a:txBody>
@@ -6870,55 +6805,22 @@
                     <a:p>
                       <a:pPr algn="ctr" fontAlgn="ctr"/>
                       <a:r>
-                        <a:rPr lang="en-US" sz="1200" b="0" i="0" u="none" strike="noStrike">
-                          <a:solidFill>
-                            <a:srgbClr val="000000"/>
-                          </a:solidFill>
-                          <a:latin typeface="黑体" pitchFamily="49" charset="-122"/>
-                          <a:ea typeface="黑体" pitchFamily="49" charset="-122"/>
+                        <a:rPr lang="en-US" sz="1200" u="none" strike="noStrike">
+                          <a:effectLst/>
                         </a:rPr>
                         <a:t>BBG_SIL_BBG_RA_CUST_IT_LC_DY_F</a:t>
                       </a:r>
-                    </a:p>
-                  </a:txBody>
-                  <a:tcPr marL="9525" marR="9525" marT="9525" marB="0" anchor="ctr">
-                    <a:lnL w="6350" cap="flat" cmpd="sng" algn="ctr">
-                      <a:solidFill>
-                        <a:srgbClr val="000000"/>
-                      </a:solidFill>
-                      <a:prstDash val="solid"/>
-                      <a:round/>
-                      <a:headEnd type="none" w="med" len="med"/>
-                      <a:tailEnd type="none" w="med" len="med"/>
-                    </a:lnL>
-                    <a:lnR w="6350" cap="flat" cmpd="sng" algn="ctr">
-                      <a:solidFill>
-                        <a:srgbClr val="000000"/>
-                      </a:solidFill>
-                      <a:prstDash val="solid"/>
-                      <a:round/>
-                      <a:headEnd type="none" w="med" len="med"/>
-                      <a:tailEnd type="none" w="med" len="med"/>
-                    </a:lnR>
-                    <a:lnT w="6350" cap="flat" cmpd="sng" algn="ctr">
-                      <a:solidFill>
-                        <a:srgbClr val="000000"/>
-                      </a:solidFill>
-                      <a:prstDash val="solid"/>
-                      <a:round/>
-                      <a:headEnd type="none" w="med" len="med"/>
-                      <a:tailEnd type="none" w="med" len="med"/>
-                    </a:lnT>
-                    <a:lnB w="6350" cap="flat" cmpd="sng" algn="ctr">
-                      <a:solidFill>
-                        <a:srgbClr val="000000"/>
-                      </a:solidFill>
-                      <a:prstDash val="solid"/>
-                      <a:round/>
-                      <a:headEnd type="none" w="med" len="med"/>
-                      <a:tailEnd type="none" w="med" len="med"/>
-                    </a:lnB>
-                  </a:tcPr>
+                      <a:endParaRPr lang="en-US" sz="1200" b="0" i="0" u="none" strike="noStrike">
+                        <a:solidFill>
+                          <a:srgbClr val="000000"/>
+                        </a:solidFill>
+                        <a:effectLst/>
+                        <a:latin typeface="宋体" panose="02010600030101010101" pitchFamily="2" charset="-122"/>
+                        <a:ea typeface="宋体" panose="02010600030101010101" pitchFamily="2" charset="-122"/>
+                      </a:endParaRPr>
+                    </a:p>
+                  </a:txBody>
+                  <a:tcPr marL="9525" marR="9525" marT="9525" marB="0" anchor="ctr"/>
                 </a:tc>
                 <a:tc>
                   <a:txBody>
@@ -6927,55 +6829,22 @@
                     <a:p>
                       <a:pPr algn="ctr" fontAlgn="ctr"/>
                       <a:r>
-                        <a:rPr lang="zh-CN" altLang="en-US" sz="1200" b="0" i="0" u="none" strike="noStrike">
-                          <a:solidFill>
-                            <a:srgbClr val="000000"/>
-                          </a:solidFill>
-                          <a:latin typeface="黑体" pitchFamily="49" charset="-122"/>
-                          <a:ea typeface="黑体" pitchFamily="49" charset="-122"/>
+                        <a:rPr lang="zh-CN" altLang="en-US" sz="1200" u="none" strike="noStrike">
+                          <a:effectLst/>
                         </a:rPr>
                         <a:t>　</a:t>
                       </a:r>
-                    </a:p>
-                  </a:txBody>
-                  <a:tcPr marL="9525" marR="9525" marT="9525" marB="0" anchor="ctr">
-                    <a:lnL w="6350" cap="flat" cmpd="sng" algn="ctr">
-                      <a:solidFill>
-                        <a:srgbClr val="000000"/>
-                      </a:solidFill>
-                      <a:prstDash val="solid"/>
-                      <a:round/>
-                      <a:headEnd type="none" w="med" len="med"/>
-                      <a:tailEnd type="none" w="med" len="med"/>
-                    </a:lnL>
-                    <a:lnR w="6350" cap="flat" cmpd="sng" algn="ctr">
-                      <a:solidFill>
-                        <a:srgbClr val="000000"/>
-                      </a:solidFill>
-                      <a:prstDash val="solid"/>
-                      <a:round/>
-                      <a:headEnd type="none" w="med" len="med"/>
-                      <a:tailEnd type="none" w="med" len="med"/>
-                    </a:lnR>
-                    <a:lnT w="6350" cap="flat" cmpd="sng" algn="ctr">
-                      <a:solidFill>
-                        <a:srgbClr val="000000"/>
-                      </a:solidFill>
-                      <a:prstDash val="solid"/>
-                      <a:round/>
-                      <a:headEnd type="none" w="med" len="med"/>
-                      <a:tailEnd type="none" w="med" len="med"/>
-                    </a:lnT>
-                    <a:lnB w="6350" cap="flat" cmpd="sng" algn="ctr">
-                      <a:solidFill>
-                        <a:srgbClr val="000000"/>
-                      </a:solidFill>
-                      <a:prstDash val="solid"/>
-                      <a:round/>
-                      <a:headEnd type="none" w="med" len="med"/>
-                      <a:tailEnd type="none" w="med" len="med"/>
-                    </a:lnB>
-                  </a:tcPr>
+                      <a:endParaRPr lang="zh-CN" altLang="en-US" sz="1200" b="0" i="0" u="none" strike="noStrike">
+                        <a:solidFill>
+                          <a:srgbClr val="000000"/>
+                        </a:solidFill>
+                        <a:effectLst/>
+                        <a:latin typeface="宋体" panose="02010600030101010101" pitchFamily="2" charset="-122"/>
+                        <a:ea typeface="宋体" panose="02010600030101010101" pitchFamily="2" charset="-122"/>
+                      </a:endParaRPr>
+                    </a:p>
+                  </a:txBody>
+                  <a:tcPr marL="9525" marR="9525" marT="9525" marB="0" anchor="ctr"/>
                 </a:tc>
                 <a:tc>
                   <a:txBody>
@@ -6984,55 +6853,22 @@
                     <a:p>
                       <a:pPr algn="ctr" fontAlgn="ctr"/>
                       <a:r>
-                        <a:rPr lang="en-US" sz="1200" b="0" i="0" u="none" strike="noStrike">
-                          <a:solidFill>
-                            <a:srgbClr val="000000"/>
-                          </a:solidFill>
-                          <a:latin typeface="黑体" pitchFamily="49" charset="-122"/>
-                          <a:ea typeface="黑体" pitchFamily="49" charset="-122"/>
+                        <a:rPr lang="en-US" sz="1200" u="none" strike="noStrike">
+                          <a:effectLst/>
                         </a:rPr>
                         <a:t>5792s</a:t>
                       </a:r>
-                    </a:p>
-                  </a:txBody>
-                  <a:tcPr marL="9525" marR="9525" marT="9525" marB="0" anchor="ctr">
-                    <a:lnL w="6350" cap="flat" cmpd="sng" algn="ctr">
-                      <a:solidFill>
-                        <a:srgbClr val="000000"/>
-                      </a:solidFill>
-                      <a:prstDash val="solid"/>
-                      <a:round/>
-                      <a:headEnd type="none" w="med" len="med"/>
-                      <a:tailEnd type="none" w="med" len="med"/>
-                    </a:lnL>
-                    <a:lnR w="6350" cap="flat" cmpd="sng" algn="ctr">
-                      <a:solidFill>
-                        <a:srgbClr val="000000"/>
-                      </a:solidFill>
-                      <a:prstDash val="solid"/>
-                      <a:round/>
-                      <a:headEnd type="none" w="med" len="med"/>
-                      <a:tailEnd type="none" w="med" len="med"/>
-                    </a:lnR>
-                    <a:lnT w="6350" cap="flat" cmpd="sng" algn="ctr">
-                      <a:solidFill>
-                        <a:srgbClr val="000000"/>
-                      </a:solidFill>
-                      <a:prstDash val="solid"/>
-                      <a:round/>
-                      <a:headEnd type="none" w="med" len="med"/>
-                      <a:tailEnd type="none" w="med" len="med"/>
-                    </a:lnT>
-                    <a:lnB w="6350" cap="flat" cmpd="sng" algn="ctr">
-                      <a:solidFill>
-                        <a:srgbClr val="000000"/>
-                      </a:solidFill>
-                      <a:prstDash val="solid"/>
-                      <a:round/>
-                      <a:headEnd type="none" w="med" len="med"/>
-                      <a:tailEnd type="none" w="med" len="med"/>
-                    </a:lnB>
-                  </a:tcPr>
+                      <a:endParaRPr lang="en-US" sz="1200" b="0" i="0" u="none" strike="noStrike">
+                        <a:solidFill>
+                          <a:srgbClr val="000000"/>
+                        </a:solidFill>
+                        <a:effectLst/>
+                        <a:latin typeface="宋体" panose="02010600030101010101" pitchFamily="2" charset="-122"/>
+                        <a:ea typeface="宋体" panose="02010600030101010101" pitchFamily="2" charset="-122"/>
+                      </a:endParaRPr>
+                    </a:p>
+                  </a:txBody>
+                  <a:tcPr marL="9525" marR="9525" marT="9525" marB="0" anchor="ctr"/>
                 </a:tc>
                 <a:tc>
                   <a:txBody>
@@ -7041,58 +6877,25 @@
                     <a:p>
                       <a:pPr algn="ctr" fontAlgn="ctr"/>
                       <a:r>
-                        <a:rPr lang="en-US" sz="1200" b="0" i="0" u="none" strike="noStrike">
-                          <a:solidFill>
-                            <a:srgbClr val="000000"/>
-                          </a:solidFill>
-                          <a:latin typeface="黑体" pitchFamily="49" charset="-122"/>
-                          <a:ea typeface="黑体" pitchFamily="49" charset="-122"/>
+                        <a:rPr lang="en-US" sz="1200" u="none" strike="noStrike" dirty="0">
+                          <a:effectLst/>
                         </a:rPr>
                         <a:t>90s</a:t>
                       </a:r>
-                    </a:p>
-                  </a:txBody>
-                  <a:tcPr marL="9525" marR="9525" marT="9525" marB="0" anchor="ctr">
-                    <a:lnL w="6350" cap="flat" cmpd="sng" algn="ctr">
-                      <a:solidFill>
-                        <a:srgbClr val="000000"/>
-                      </a:solidFill>
-                      <a:prstDash val="solid"/>
-                      <a:round/>
-                      <a:headEnd type="none" w="med" len="med"/>
-                      <a:tailEnd type="none" w="med" len="med"/>
-                    </a:lnL>
-                    <a:lnR w="6350" cap="flat" cmpd="sng" algn="ctr">
-                      <a:solidFill>
-                        <a:srgbClr val="000000"/>
-                      </a:solidFill>
-                      <a:prstDash val="solid"/>
-                      <a:round/>
-                      <a:headEnd type="none" w="med" len="med"/>
-                      <a:tailEnd type="none" w="med" len="med"/>
-                    </a:lnR>
-                    <a:lnT w="6350" cap="flat" cmpd="sng" algn="ctr">
-                      <a:solidFill>
-                        <a:srgbClr val="000000"/>
-                      </a:solidFill>
-                      <a:prstDash val="solid"/>
-                      <a:round/>
-                      <a:headEnd type="none" w="med" len="med"/>
-                      <a:tailEnd type="none" w="med" len="med"/>
-                    </a:lnT>
-                    <a:lnB w="6350" cap="flat" cmpd="sng" algn="ctr">
-                      <a:solidFill>
-                        <a:srgbClr val="000000"/>
-                      </a:solidFill>
-                      <a:prstDash val="solid"/>
-                      <a:round/>
-                      <a:headEnd type="none" w="med" len="med"/>
-                      <a:tailEnd type="none" w="med" len="med"/>
-                    </a:lnB>
-                  </a:tcPr>
+                      <a:endParaRPr lang="en-US" sz="1200" b="0" i="0" u="none" strike="noStrike" dirty="0">
+                        <a:solidFill>
+                          <a:srgbClr val="000000"/>
+                        </a:solidFill>
+                        <a:effectLst/>
+                        <a:latin typeface="宋体" panose="02010600030101010101" pitchFamily="2" charset="-122"/>
+                        <a:ea typeface="宋体" panose="02010600030101010101" pitchFamily="2" charset="-122"/>
+                      </a:endParaRPr>
+                    </a:p>
+                  </a:txBody>
+                  <a:tcPr marL="9525" marR="9525" marT="9525" marB="0" anchor="ctr"/>
                 </a:tc>
               </a:tr>
-              <a:tr h="421716">
+              <a:tr h="707758">
                 <a:tc>
                   <a:txBody>
                     <a:bodyPr/>
@@ -7100,55 +6903,46 @@
                     <a:p>
                       <a:pPr algn="ctr" fontAlgn="ctr"/>
                       <a:r>
-                        <a:rPr lang="en-US" altLang="zh-CN" sz="1200" b="0" i="0" u="none" strike="noStrike">
-                          <a:solidFill>
-                            <a:srgbClr val="000000"/>
-                          </a:solidFill>
-                          <a:latin typeface="黑体" pitchFamily="49" charset="-122"/>
-                          <a:ea typeface="黑体" pitchFamily="49" charset="-122"/>
+                        <a:rPr lang="en-US" altLang="zh-CN" sz="1200" u="none" strike="noStrike">
+                          <a:effectLst/>
+                        </a:rPr>
+                        <a:t>5</a:t>
+                      </a:r>
+                      <a:endParaRPr lang="en-US" altLang="zh-CN" sz="1200" b="0" i="0" u="none" strike="noStrike">
+                        <a:solidFill>
+                          <a:srgbClr val="000000"/>
+                        </a:solidFill>
+                        <a:effectLst/>
+                        <a:latin typeface="宋体" panose="02010600030101010101" pitchFamily="2" charset="-122"/>
+                        <a:ea typeface="宋体" panose="02010600030101010101" pitchFamily="2" charset="-122"/>
+                      </a:endParaRPr>
+                    </a:p>
+                  </a:txBody>
+                  <a:tcPr marL="9525" marR="9525" marT="9525" marB="0" anchor="ctr"/>
+                </a:tc>
+                <a:tc>
+                  <a:txBody>
+                    <a:bodyPr/>
+                    <a:lstStyle/>
+                    <a:p>
+                      <a:pPr algn="ctr" fontAlgn="ctr"/>
+                      <a:r>
+                        <a:rPr lang="en-US" altLang="zh-CN" sz="1200" u="none" strike="noStrike">
+                          <a:effectLst/>
                         </a:rPr>
                         <a:t>2016/3/23</a:t>
                       </a:r>
-                    </a:p>
-                  </a:txBody>
-                  <a:tcPr marL="9525" marR="9525" marT="9525" marB="0" anchor="ctr">
-                    <a:lnL w="6350" cap="flat" cmpd="sng" algn="ctr">
-                      <a:solidFill>
-                        <a:srgbClr val="000000"/>
-                      </a:solidFill>
-                      <a:prstDash val="solid"/>
-                      <a:round/>
-                      <a:headEnd type="none" w="med" len="med"/>
-                      <a:tailEnd type="none" w="med" len="med"/>
-                    </a:lnL>
-                    <a:lnR w="6350" cap="flat" cmpd="sng" algn="ctr">
-                      <a:solidFill>
-                        <a:srgbClr val="000000"/>
-                      </a:solidFill>
-                      <a:prstDash val="solid"/>
-                      <a:round/>
-                      <a:headEnd type="none" w="med" len="med"/>
-                      <a:tailEnd type="none" w="med" len="med"/>
-                    </a:lnR>
-                    <a:lnT w="6350" cap="flat" cmpd="sng" algn="ctr">
-                      <a:solidFill>
-                        <a:srgbClr val="000000"/>
-                      </a:solidFill>
-                      <a:prstDash val="solid"/>
-                      <a:round/>
-                      <a:headEnd type="none" w="med" len="med"/>
-                      <a:tailEnd type="none" w="med" len="med"/>
-                    </a:lnT>
-                    <a:lnB w="6350" cap="flat" cmpd="sng" algn="ctr">
-                      <a:solidFill>
-                        <a:srgbClr val="000000"/>
-                      </a:solidFill>
-                      <a:prstDash val="solid"/>
-                      <a:round/>
-                      <a:headEnd type="none" w="med" len="med"/>
-                      <a:tailEnd type="none" w="med" len="med"/>
-                    </a:lnB>
-                  </a:tcPr>
+                      <a:endParaRPr lang="en-US" altLang="zh-CN" sz="1200" b="0" i="0" u="none" strike="noStrike">
+                        <a:solidFill>
+                          <a:srgbClr val="000000"/>
+                        </a:solidFill>
+                        <a:effectLst/>
+                        <a:latin typeface="宋体" panose="02010600030101010101" pitchFamily="2" charset="-122"/>
+                        <a:ea typeface="宋体" panose="02010600030101010101" pitchFamily="2" charset="-122"/>
+                      </a:endParaRPr>
+                    </a:p>
+                  </a:txBody>
+                  <a:tcPr marL="9525" marR="9525" marT="9525" marB="0" anchor="ctr"/>
                 </a:tc>
                 <a:tc>
                   <a:txBody>
@@ -7157,55 +6951,22 @@
                     <a:p>
                       <a:pPr algn="ctr" fontAlgn="ctr"/>
                       <a:r>
-                        <a:rPr lang="en-US" sz="1200" b="0" i="0" u="none" strike="noStrike">
-                          <a:solidFill>
-                            <a:srgbClr val="000000"/>
-                          </a:solidFill>
-                          <a:latin typeface="黑体" pitchFamily="49" charset="-122"/>
-                          <a:ea typeface="黑体" pitchFamily="49" charset="-122"/>
+                        <a:rPr lang="en-US" sz="1200" u="none" strike="noStrike">
+                          <a:effectLst/>
                         </a:rPr>
                         <a:t>INSERT-RABATCHER-W_RTL_NPROF_IT_LC_DY_TMP.sql</a:t>
                       </a:r>
-                    </a:p>
-                  </a:txBody>
-                  <a:tcPr marL="9525" marR="9525" marT="9525" marB="0" anchor="ctr">
-                    <a:lnL w="6350" cap="flat" cmpd="sng" algn="ctr">
-                      <a:solidFill>
-                        <a:srgbClr val="000000"/>
-                      </a:solidFill>
-                      <a:prstDash val="solid"/>
-                      <a:round/>
-                      <a:headEnd type="none" w="med" len="med"/>
-                      <a:tailEnd type="none" w="med" len="med"/>
-                    </a:lnL>
-                    <a:lnR w="6350" cap="flat" cmpd="sng" algn="ctr">
-                      <a:solidFill>
-                        <a:srgbClr val="000000"/>
-                      </a:solidFill>
-                      <a:prstDash val="solid"/>
-                      <a:round/>
-                      <a:headEnd type="none" w="med" len="med"/>
-                      <a:tailEnd type="none" w="med" len="med"/>
-                    </a:lnR>
-                    <a:lnT w="6350" cap="flat" cmpd="sng" algn="ctr">
-                      <a:solidFill>
-                        <a:srgbClr val="000000"/>
-                      </a:solidFill>
-                      <a:prstDash val="solid"/>
-                      <a:round/>
-                      <a:headEnd type="none" w="med" len="med"/>
-                      <a:tailEnd type="none" w="med" len="med"/>
-                    </a:lnT>
-                    <a:lnB w="6350" cap="flat" cmpd="sng" algn="ctr">
-                      <a:solidFill>
-                        <a:srgbClr val="000000"/>
-                      </a:solidFill>
-                      <a:prstDash val="solid"/>
-                      <a:round/>
-                      <a:headEnd type="none" w="med" len="med"/>
-                      <a:tailEnd type="none" w="med" len="med"/>
-                    </a:lnB>
-                  </a:tcPr>
+                      <a:endParaRPr lang="en-US" sz="1200" b="0" i="0" u="none" strike="noStrike">
+                        <a:solidFill>
+                          <a:srgbClr val="000000"/>
+                        </a:solidFill>
+                        <a:effectLst/>
+                        <a:latin typeface="宋体" panose="02010600030101010101" pitchFamily="2" charset="-122"/>
+                        <a:ea typeface="宋体" panose="02010600030101010101" pitchFamily="2" charset="-122"/>
+                      </a:endParaRPr>
+                    </a:p>
+                  </a:txBody>
+                  <a:tcPr marL="9525" marR="9525" marT="9525" marB="0" anchor="ctr"/>
                 </a:tc>
                 <a:tc>
                   <a:txBody>
@@ -7214,55 +6975,22 @@
                     <a:p>
                       <a:pPr algn="ctr" fontAlgn="ctr"/>
                       <a:r>
-                        <a:rPr lang="en-US" sz="1200" b="0" i="0" u="none" strike="noStrike">
-                          <a:solidFill>
-                            <a:srgbClr val="000000"/>
-                          </a:solidFill>
-                          <a:latin typeface="黑体" pitchFamily="49" charset="-122"/>
-                          <a:ea typeface="黑体" pitchFamily="49" charset="-122"/>
+                        <a:rPr lang="en-US" sz="1200" u="none" strike="noStrike">
+                          <a:effectLst/>
                         </a:rPr>
                         <a:t>PLP_BBG_RETAILNETPROFITFACT</a:t>
                       </a:r>
-                    </a:p>
-                  </a:txBody>
-                  <a:tcPr marL="9525" marR="9525" marT="9525" marB="0" anchor="ctr">
-                    <a:lnL w="6350" cap="flat" cmpd="sng" algn="ctr">
-                      <a:solidFill>
-                        <a:srgbClr val="000000"/>
-                      </a:solidFill>
-                      <a:prstDash val="solid"/>
-                      <a:round/>
-                      <a:headEnd type="none" w="med" len="med"/>
-                      <a:tailEnd type="none" w="med" len="med"/>
-                    </a:lnL>
-                    <a:lnR w="6350" cap="flat" cmpd="sng" algn="ctr">
-                      <a:solidFill>
-                        <a:srgbClr val="000000"/>
-                      </a:solidFill>
-                      <a:prstDash val="solid"/>
-                      <a:round/>
-                      <a:headEnd type="none" w="med" len="med"/>
-                      <a:tailEnd type="none" w="med" len="med"/>
-                    </a:lnR>
-                    <a:lnT w="6350" cap="flat" cmpd="sng" algn="ctr">
-                      <a:solidFill>
-                        <a:srgbClr val="000000"/>
-                      </a:solidFill>
-                      <a:prstDash val="solid"/>
-                      <a:round/>
-                      <a:headEnd type="none" w="med" len="med"/>
-                      <a:tailEnd type="none" w="med" len="med"/>
-                    </a:lnT>
-                    <a:lnB w="6350" cap="flat" cmpd="sng" algn="ctr">
-                      <a:solidFill>
-                        <a:srgbClr val="000000"/>
-                      </a:solidFill>
-                      <a:prstDash val="solid"/>
-                      <a:round/>
-                      <a:headEnd type="none" w="med" len="med"/>
-                      <a:tailEnd type="none" w="med" len="med"/>
-                    </a:lnB>
-                  </a:tcPr>
+                      <a:endParaRPr lang="en-US" sz="1200" b="0" i="0" u="none" strike="noStrike">
+                        <a:solidFill>
+                          <a:srgbClr val="000000"/>
+                        </a:solidFill>
+                        <a:effectLst/>
+                        <a:latin typeface="宋体" panose="02010600030101010101" pitchFamily="2" charset="-122"/>
+                        <a:ea typeface="宋体" panose="02010600030101010101" pitchFamily="2" charset="-122"/>
+                      </a:endParaRPr>
+                    </a:p>
+                  </a:txBody>
+                  <a:tcPr marL="9525" marR="9525" marT="9525" marB="0" anchor="ctr"/>
                 </a:tc>
                 <a:tc>
                   <a:txBody>
@@ -7271,55 +6999,22 @@
                     <a:p>
                       <a:pPr algn="ctr" fontAlgn="ctr"/>
                       <a:r>
-                        <a:rPr lang="zh-CN" altLang="en-US" sz="1200" b="0" i="0" u="none" strike="noStrike">
-                          <a:solidFill>
-                            <a:srgbClr val="000000"/>
-                          </a:solidFill>
-                          <a:latin typeface="黑体" pitchFamily="49" charset="-122"/>
-                          <a:ea typeface="黑体" pitchFamily="49" charset="-122"/>
+                        <a:rPr lang="zh-CN" altLang="en-US" sz="1200" u="none" strike="noStrike">
+                          <a:effectLst/>
                         </a:rPr>
                         <a:t>　</a:t>
                       </a:r>
-                    </a:p>
-                  </a:txBody>
-                  <a:tcPr marL="9525" marR="9525" marT="9525" marB="0" anchor="ctr">
-                    <a:lnL w="6350" cap="flat" cmpd="sng" algn="ctr">
-                      <a:solidFill>
-                        <a:srgbClr val="000000"/>
-                      </a:solidFill>
-                      <a:prstDash val="solid"/>
-                      <a:round/>
-                      <a:headEnd type="none" w="med" len="med"/>
-                      <a:tailEnd type="none" w="med" len="med"/>
-                    </a:lnL>
-                    <a:lnR w="6350" cap="flat" cmpd="sng" algn="ctr">
-                      <a:solidFill>
-                        <a:srgbClr val="000000"/>
-                      </a:solidFill>
-                      <a:prstDash val="solid"/>
-                      <a:round/>
-                      <a:headEnd type="none" w="med" len="med"/>
-                      <a:tailEnd type="none" w="med" len="med"/>
-                    </a:lnR>
-                    <a:lnT w="6350" cap="flat" cmpd="sng" algn="ctr">
-                      <a:solidFill>
-                        <a:srgbClr val="000000"/>
-                      </a:solidFill>
-                      <a:prstDash val="solid"/>
-                      <a:round/>
-                      <a:headEnd type="none" w="med" len="med"/>
-                      <a:tailEnd type="none" w="med" len="med"/>
-                    </a:lnT>
-                    <a:lnB w="6350" cap="flat" cmpd="sng" algn="ctr">
-                      <a:solidFill>
-                        <a:srgbClr val="000000"/>
-                      </a:solidFill>
-                      <a:prstDash val="solid"/>
-                      <a:round/>
-                      <a:headEnd type="none" w="med" len="med"/>
-                      <a:tailEnd type="none" w="med" len="med"/>
-                    </a:lnB>
-                  </a:tcPr>
+                      <a:endParaRPr lang="zh-CN" altLang="en-US" sz="1200" b="0" i="0" u="none" strike="noStrike">
+                        <a:solidFill>
+                          <a:srgbClr val="000000"/>
+                        </a:solidFill>
+                        <a:effectLst/>
+                        <a:latin typeface="宋体" panose="02010600030101010101" pitchFamily="2" charset="-122"/>
+                        <a:ea typeface="宋体" panose="02010600030101010101" pitchFamily="2" charset="-122"/>
+                      </a:endParaRPr>
+                    </a:p>
+                  </a:txBody>
+                  <a:tcPr marL="9525" marR="9525" marT="9525" marB="0" anchor="ctr"/>
                 </a:tc>
                 <a:tc>
                   <a:txBody>
@@ -7328,55 +7023,22 @@
                     <a:p>
                       <a:pPr algn="ctr" fontAlgn="ctr"/>
                       <a:r>
-                        <a:rPr lang="en-US" sz="1200" b="0" i="0" u="none" strike="noStrike">
-                          <a:solidFill>
-                            <a:srgbClr val="000000"/>
-                          </a:solidFill>
-                          <a:latin typeface="黑体" pitchFamily="49" charset="-122"/>
-                          <a:ea typeface="黑体" pitchFamily="49" charset="-122"/>
+                        <a:rPr lang="en-US" sz="1200" u="none" strike="noStrike">
+                          <a:effectLst/>
                         </a:rPr>
                         <a:t>3597s</a:t>
                       </a:r>
-                    </a:p>
-                  </a:txBody>
-                  <a:tcPr marL="9525" marR="9525" marT="9525" marB="0" anchor="ctr">
-                    <a:lnL w="6350" cap="flat" cmpd="sng" algn="ctr">
-                      <a:solidFill>
-                        <a:srgbClr val="000000"/>
-                      </a:solidFill>
-                      <a:prstDash val="solid"/>
-                      <a:round/>
-                      <a:headEnd type="none" w="med" len="med"/>
-                      <a:tailEnd type="none" w="med" len="med"/>
-                    </a:lnL>
-                    <a:lnR w="6350" cap="flat" cmpd="sng" algn="ctr">
-                      <a:solidFill>
-                        <a:srgbClr val="000000"/>
-                      </a:solidFill>
-                      <a:prstDash val="solid"/>
-                      <a:round/>
-                      <a:headEnd type="none" w="med" len="med"/>
-                      <a:tailEnd type="none" w="med" len="med"/>
-                    </a:lnR>
-                    <a:lnT w="6350" cap="flat" cmpd="sng" algn="ctr">
-                      <a:solidFill>
-                        <a:srgbClr val="000000"/>
-                      </a:solidFill>
-                      <a:prstDash val="solid"/>
-                      <a:round/>
-                      <a:headEnd type="none" w="med" len="med"/>
-                      <a:tailEnd type="none" w="med" len="med"/>
-                    </a:lnT>
-                    <a:lnB w="6350" cap="flat" cmpd="sng" algn="ctr">
-                      <a:solidFill>
-                        <a:srgbClr val="000000"/>
-                      </a:solidFill>
-                      <a:prstDash val="solid"/>
-                      <a:round/>
-                      <a:headEnd type="none" w="med" len="med"/>
-                      <a:tailEnd type="none" w="med" len="med"/>
-                    </a:lnB>
-                  </a:tcPr>
+                      <a:endParaRPr lang="en-US" sz="1200" b="0" i="0" u="none" strike="noStrike">
+                        <a:solidFill>
+                          <a:srgbClr val="000000"/>
+                        </a:solidFill>
+                        <a:effectLst/>
+                        <a:latin typeface="宋体" panose="02010600030101010101" pitchFamily="2" charset="-122"/>
+                        <a:ea typeface="宋体" panose="02010600030101010101" pitchFamily="2" charset="-122"/>
+                      </a:endParaRPr>
+                    </a:p>
+                  </a:txBody>
+                  <a:tcPr marL="9525" marR="9525" marT="9525" marB="0" anchor="ctr"/>
                 </a:tc>
                 <a:tc>
                   <a:txBody>
@@ -7385,58 +7047,25 @@
                     <a:p>
                       <a:pPr algn="ctr" fontAlgn="ctr"/>
                       <a:r>
-                        <a:rPr lang="en-US" sz="1200" b="0" i="0" u="none" strike="noStrike">
-                          <a:solidFill>
-                            <a:srgbClr val="000000"/>
-                          </a:solidFill>
-                          <a:latin typeface="黑体" pitchFamily="49" charset="-122"/>
-                          <a:ea typeface="黑体" pitchFamily="49" charset="-122"/>
+                        <a:rPr lang="en-US" sz="1200" u="none" strike="noStrike" dirty="0">
+                          <a:effectLst/>
                         </a:rPr>
                         <a:t>200s</a:t>
                       </a:r>
-                    </a:p>
-                  </a:txBody>
-                  <a:tcPr marL="9525" marR="9525" marT="9525" marB="0" anchor="ctr">
-                    <a:lnL w="6350" cap="flat" cmpd="sng" algn="ctr">
-                      <a:solidFill>
-                        <a:srgbClr val="000000"/>
-                      </a:solidFill>
-                      <a:prstDash val="solid"/>
-                      <a:round/>
-                      <a:headEnd type="none" w="med" len="med"/>
-                      <a:tailEnd type="none" w="med" len="med"/>
-                    </a:lnL>
-                    <a:lnR w="6350" cap="flat" cmpd="sng" algn="ctr">
-                      <a:solidFill>
-                        <a:srgbClr val="000000"/>
-                      </a:solidFill>
-                      <a:prstDash val="solid"/>
-                      <a:round/>
-                      <a:headEnd type="none" w="med" len="med"/>
-                      <a:tailEnd type="none" w="med" len="med"/>
-                    </a:lnR>
-                    <a:lnT w="6350" cap="flat" cmpd="sng" algn="ctr">
-                      <a:solidFill>
-                        <a:srgbClr val="000000"/>
-                      </a:solidFill>
-                      <a:prstDash val="solid"/>
-                      <a:round/>
-                      <a:headEnd type="none" w="med" len="med"/>
-                      <a:tailEnd type="none" w="med" len="med"/>
-                    </a:lnT>
-                    <a:lnB w="6350" cap="flat" cmpd="sng" algn="ctr">
-                      <a:solidFill>
-                        <a:srgbClr val="000000"/>
-                      </a:solidFill>
-                      <a:prstDash val="solid"/>
-                      <a:round/>
-                      <a:headEnd type="none" w="med" len="med"/>
-                      <a:tailEnd type="none" w="med" len="med"/>
-                    </a:lnB>
-                  </a:tcPr>
+                      <a:endParaRPr lang="en-US" sz="1200" b="0" i="0" u="none" strike="noStrike" dirty="0">
+                        <a:solidFill>
+                          <a:srgbClr val="000000"/>
+                        </a:solidFill>
+                        <a:effectLst/>
+                        <a:latin typeface="宋体" panose="02010600030101010101" pitchFamily="2" charset="-122"/>
+                        <a:ea typeface="宋体" panose="02010600030101010101" pitchFamily="2" charset="-122"/>
+                      </a:endParaRPr>
+                    </a:p>
+                  </a:txBody>
+                  <a:tcPr marL="9525" marR="9525" marT="9525" marB="0" anchor="ctr"/>
                 </a:tc>
               </a:tr>
-              <a:tr h="421716">
+              <a:tr h="365754">
                 <a:tc>
                   <a:txBody>
                     <a:bodyPr/>
@@ -7444,55 +7073,46 @@
                     <a:p>
                       <a:pPr algn="ctr" fontAlgn="ctr"/>
                       <a:r>
-                        <a:rPr lang="en-US" altLang="zh-CN" sz="1200" b="0" i="0" u="none" strike="noStrike">
-                          <a:solidFill>
-                            <a:srgbClr val="000000"/>
-                          </a:solidFill>
-                          <a:latin typeface="黑体" pitchFamily="49" charset="-122"/>
-                          <a:ea typeface="黑体" pitchFamily="49" charset="-122"/>
+                        <a:rPr lang="en-US" altLang="zh-CN" sz="1200" u="none" strike="noStrike">
+                          <a:effectLst/>
+                        </a:rPr>
+                        <a:t>6</a:t>
+                      </a:r>
+                      <a:endParaRPr lang="en-US" altLang="zh-CN" sz="1200" b="0" i="0" u="none" strike="noStrike">
+                        <a:solidFill>
+                          <a:srgbClr val="000000"/>
+                        </a:solidFill>
+                        <a:effectLst/>
+                        <a:latin typeface="宋体" panose="02010600030101010101" pitchFamily="2" charset="-122"/>
+                        <a:ea typeface="宋体" panose="02010600030101010101" pitchFamily="2" charset="-122"/>
+                      </a:endParaRPr>
+                    </a:p>
+                  </a:txBody>
+                  <a:tcPr marL="9525" marR="9525" marT="9525" marB="0" anchor="ctr"/>
+                </a:tc>
+                <a:tc>
+                  <a:txBody>
+                    <a:bodyPr/>
+                    <a:lstStyle/>
+                    <a:p>
+                      <a:pPr algn="ctr" fontAlgn="ctr"/>
+                      <a:r>
+                        <a:rPr lang="en-US" altLang="zh-CN" sz="1200" u="none" strike="noStrike">
+                          <a:effectLst/>
                         </a:rPr>
                         <a:t>2015/7/10</a:t>
                       </a:r>
-                    </a:p>
-                  </a:txBody>
-                  <a:tcPr marL="9525" marR="9525" marT="9525" marB="0" anchor="ctr">
-                    <a:lnL w="6350" cap="flat" cmpd="sng" algn="ctr">
-                      <a:solidFill>
-                        <a:srgbClr val="000000"/>
-                      </a:solidFill>
-                      <a:prstDash val="solid"/>
-                      <a:round/>
-                      <a:headEnd type="none" w="med" len="med"/>
-                      <a:tailEnd type="none" w="med" len="med"/>
-                    </a:lnL>
-                    <a:lnR w="6350" cap="flat" cmpd="sng" algn="ctr">
-                      <a:solidFill>
-                        <a:srgbClr val="000000"/>
-                      </a:solidFill>
-                      <a:prstDash val="solid"/>
-                      <a:round/>
-                      <a:headEnd type="none" w="med" len="med"/>
-                      <a:tailEnd type="none" w="med" len="med"/>
-                    </a:lnR>
-                    <a:lnT w="6350" cap="flat" cmpd="sng" algn="ctr">
-                      <a:solidFill>
-                        <a:srgbClr val="000000"/>
-                      </a:solidFill>
-                      <a:prstDash val="solid"/>
-                      <a:round/>
-                      <a:headEnd type="none" w="med" len="med"/>
-                      <a:tailEnd type="none" w="med" len="med"/>
-                    </a:lnT>
-                    <a:lnB w="6350" cap="flat" cmpd="sng" algn="ctr">
-                      <a:solidFill>
-                        <a:srgbClr val="000000"/>
-                      </a:solidFill>
-                      <a:prstDash val="solid"/>
-                      <a:round/>
-                      <a:headEnd type="none" w="med" len="med"/>
-                      <a:tailEnd type="none" w="med" len="med"/>
-                    </a:lnB>
-                  </a:tcPr>
+                      <a:endParaRPr lang="en-US" altLang="zh-CN" sz="1200" b="0" i="0" u="none" strike="noStrike">
+                        <a:solidFill>
+                          <a:srgbClr val="000000"/>
+                        </a:solidFill>
+                        <a:effectLst/>
+                        <a:latin typeface="宋体" panose="02010600030101010101" pitchFamily="2" charset="-122"/>
+                        <a:ea typeface="宋体" panose="02010600030101010101" pitchFamily="2" charset="-122"/>
+                      </a:endParaRPr>
+                    </a:p>
+                  </a:txBody>
+                  <a:tcPr marL="9525" marR="9525" marT="9525" marB="0" anchor="ctr"/>
                 </a:tc>
                 <a:tc>
                   <a:txBody>
@@ -7501,55 +7121,22 @@
                     <a:p>
                       <a:pPr algn="ctr" fontAlgn="ctr"/>
                       <a:r>
-                        <a:rPr lang="en-US" sz="1200" b="0" i="0" u="none" strike="noStrike">
-                          <a:solidFill>
-                            <a:srgbClr val="000000"/>
-                          </a:solidFill>
-                          <a:latin typeface="黑体" pitchFamily="49" charset="-122"/>
-                          <a:ea typeface="黑体" pitchFamily="49" charset="-122"/>
+                        <a:rPr lang="en-US" sz="1200" u="none" strike="noStrike">
+                          <a:effectLst/>
                         </a:rPr>
                         <a:t>INSERT-RA_RMS-W_RTL_INV_IT_LC_TMP_A.sql</a:t>
                       </a:r>
-                    </a:p>
-                  </a:txBody>
-                  <a:tcPr marL="9525" marR="9525" marT="9525" marB="0" anchor="ctr">
-                    <a:lnL w="6350" cap="flat" cmpd="sng" algn="ctr">
-                      <a:solidFill>
-                        <a:srgbClr val="000000"/>
-                      </a:solidFill>
-                      <a:prstDash val="solid"/>
-                      <a:round/>
-                      <a:headEnd type="none" w="med" len="med"/>
-                      <a:tailEnd type="none" w="med" len="med"/>
-                    </a:lnL>
-                    <a:lnR w="6350" cap="flat" cmpd="sng" algn="ctr">
-                      <a:solidFill>
-                        <a:srgbClr val="000000"/>
-                      </a:solidFill>
-                      <a:prstDash val="solid"/>
-                      <a:round/>
-                      <a:headEnd type="none" w="med" len="med"/>
-                      <a:tailEnd type="none" w="med" len="med"/>
-                    </a:lnR>
-                    <a:lnT w="6350" cap="flat" cmpd="sng" algn="ctr">
-                      <a:solidFill>
-                        <a:srgbClr val="000000"/>
-                      </a:solidFill>
-                      <a:prstDash val="solid"/>
-                      <a:round/>
-                      <a:headEnd type="none" w="med" len="med"/>
-                      <a:tailEnd type="none" w="med" len="med"/>
-                    </a:lnT>
-                    <a:lnB w="6350" cap="flat" cmpd="sng" algn="ctr">
-                      <a:solidFill>
-                        <a:srgbClr val="000000"/>
-                      </a:solidFill>
-                      <a:prstDash val="solid"/>
-                      <a:round/>
-                      <a:headEnd type="none" w="med" len="med"/>
-                      <a:tailEnd type="none" w="med" len="med"/>
-                    </a:lnB>
-                  </a:tcPr>
+                      <a:endParaRPr lang="en-US" sz="1200" b="0" i="0" u="none" strike="noStrike">
+                        <a:solidFill>
+                          <a:srgbClr val="000000"/>
+                        </a:solidFill>
+                        <a:effectLst/>
+                        <a:latin typeface="宋体" panose="02010600030101010101" pitchFamily="2" charset="-122"/>
+                        <a:ea typeface="宋体" panose="02010600030101010101" pitchFamily="2" charset="-122"/>
+                      </a:endParaRPr>
+                    </a:p>
+                  </a:txBody>
+                  <a:tcPr marL="9525" marR="9525" marT="9525" marB="0" anchor="ctr"/>
                 </a:tc>
                 <a:tc>
                   <a:txBody>
@@ -7558,55 +7145,22 @@
                     <a:p>
                       <a:pPr algn="ctr" fontAlgn="ctr"/>
                       <a:r>
-                        <a:rPr lang="zh-CN" altLang="en-US" sz="1200" b="0" i="0" u="none" strike="noStrike">
-                          <a:solidFill>
-                            <a:srgbClr val="000000"/>
-                          </a:solidFill>
-                          <a:latin typeface="黑体" pitchFamily="49" charset="-122"/>
-                          <a:ea typeface="黑体" pitchFamily="49" charset="-122"/>
+                        <a:rPr lang="zh-CN" altLang="en-US" sz="1200" u="none" strike="noStrike">
+                          <a:effectLst/>
                         </a:rPr>
                         <a:t>　</a:t>
                       </a:r>
-                    </a:p>
-                  </a:txBody>
-                  <a:tcPr marL="9525" marR="9525" marT="9525" marB="0" anchor="ctr">
-                    <a:lnL w="6350" cap="flat" cmpd="sng" algn="ctr">
-                      <a:solidFill>
-                        <a:srgbClr val="000000"/>
-                      </a:solidFill>
-                      <a:prstDash val="solid"/>
-                      <a:round/>
-                      <a:headEnd type="none" w="med" len="med"/>
-                      <a:tailEnd type="none" w="med" len="med"/>
-                    </a:lnL>
-                    <a:lnR w="6350" cap="flat" cmpd="sng" algn="ctr">
-                      <a:solidFill>
-                        <a:srgbClr val="000000"/>
-                      </a:solidFill>
-                      <a:prstDash val="solid"/>
-                      <a:round/>
-                      <a:headEnd type="none" w="med" len="med"/>
-                      <a:tailEnd type="none" w="med" len="med"/>
-                    </a:lnR>
-                    <a:lnT w="6350" cap="flat" cmpd="sng" algn="ctr">
-                      <a:solidFill>
-                        <a:srgbClr val="000000"/>
-                      </a:solidFill>
-                      <a:prstDash val="solid"/>
-                      <a:round/>
-                      <a:headEnd type="none" w="med" len="med"/>
-                      <a:tailEnd type="none" w="med" len="med"/>
-                    </a:lnT>
-                    <a:lnB w="6350" cap="flat" cmpd="sng" algn="ctr">
-                      <a:solidFill>
-                        <a:srgbClr val="000000"/>
-                      </a:solidFill>
-                      <a:prstDash val="solid"/>
-                      <a:round/>
-                      <a:headEnd type="none" w="med" len="med"/>
-                      <a:tailEnd type="none" w="med" len="med"/>
-                    </a:lnB>
-                  </a:tcPr>
+                      <a:endParaRPr lang="zh-CN" altLang="en-US" sz="1200" b="0" i="0" u="none" strike="noStrike">
+                        <a:solidFill>
+                          <a:srgbClr val="000000"/>
+                        </a:solidFill>
+                        <a:effectLst/>
+                        <a:latin typeface="宋体" panose="02010600030101010101" pitchFamily="2" charset="-122"/>
+                        <a:ea typeface="宋体" panose="02010600030101010101" pitchFamily="2" charset="-122"/>
+                      </a:endParaRPr>
+                    </a:p>
+                  </a:txBody>
+                  <a:tcPr marL="9525" marR="9525" marT="9525" marB="0" anchor="ctr"/>
                 </a:tc>
                 <a:tc>
                   <a:txBody>
@@ -7615,55 +7169,22 @@
                     <a:p>
                       <a:pPr algn="ctr" fontAlgn="ctr"/>
                       <a:r>
-                        <a:rPr lang="zh-CN" altLang="en-US" sz="1200" b="0" i="0" u="none" strike="noStrike">
-                          <a:solidFill>
-                            <a:srgbClr val="000000"/>
-                          </a:solidFill>
-                          <a:latin typeface="黑体" pitchFamily="49" charset="-122"/>
-                          <a:ea typeface="黑体" pitchFamily="49" charset="-122"/>
+                        <a:rPr lang="zh-CN" altLang="en-US" sz="1200" u="none" strike="noStrike">
+                          <a:effectLst/>
                         </a:rPr>
                         <a:t>　</a:t>
                       </a:r>
-                    </a:p>
-                  </a:txBody>
-                  <a:tcPr marL="9525" marR="9525" marT="9525" marB="0" anchor="ctr">
-                    <a:lnL w="6350" cap="flat" cmpd="sng" algn="ctr">
-                      <a:solidFill>
-                        <a:srgbClr val="000000"/>
-                      </a:solidFill>
-                      <a:prstDash val="solid"/>
-                      <a:round/>
-                      <a:headEnd type="none" w="med" len="med"/>
-                      <a:tailEnd type="none" w="med" len="med"/>
-                    </a:lnL>
-                    <a:lnR w="6350" cap="flat" cmpd="sng" algn="ctr">
-                      <a:solidFill>
-                        <a:srgbClr val="000000"/>
-                      </a:solidFill>
-                      <a:prstDash val="solid"/>
-                      <a:round/>
-                      <a:headEnd type="none" w="med" len="med"/>
-                      <a:tailEnd type="none" w="med" len="med"/>
-                    </a:lnR>
-                    <a:lnT w="6350" cap="flat" cmpd="sng" algn="ctr">
-                      <a:solidFill>
-                        <a:srgbClr val="000000"/>
-                      </a:solidFill>
-                      <a:prstDash val="solid"/>
-                      <a:round/>
-                      <a:headEnd type="none" w="med" len="med"/>
-                      <a:tailEnd type="none" w="med" len="med"/>
-                    </a:lnT>
-                    <a:lnB w="6350" cap="flat" cmpd="sng" algn="ctr">
-                      <a:solidFill>
-                        <a:srgbClr val="000000"/>
-                      </a:solidFill>
-                      <a:prstDash val="solid"/>
-                      <a:round/>
-                      <a:headEnd type="none" w="med" len="med"/>
-                      <a:tailEnd type="none" w="med" len="med"/>
-                    </a:lnB>
-                  </a:tcPr>
+                      <a:endParaRPr lang="zh-CN" altLang="en-US" sz="1200" b="0" i="0" u="none" strike="noStrike">
+                        <a:solidFill>
+                          <a:srgbClr val="000000"/>
+                        </a:solidFill>
+                        <a:effectLst/>
+                        <a:latin typeface="宋体" panose="02010600030101010101" pitchFamily="2" charset="-122"/>
+                        <a:ea typeface="宋体" panose="02010600030101010101" pitchFamily="2" charset="-122"/>
+                      </a:endParaRPr>
+                    </a:p>
+                  </a:txBody>
+                  <a:tcPr marL="9525" marR="9525" marT="9525" marB="0" anchor="ctr"/>
                 </a:tc>
                 <a:tc>
                   <a:txBody>
@@ -7672,55 +7193,22 @@
                     <a:p>
                       <a:pPr algn="ctr" fontAlgn="ctr"/>
                       <a:r>
-                        <a:rPr lang="zh-CN" altLang="en-US" sz="1200" b="0" i="0" u="none" strike="noStrike">
-                          <a:solidFill>
-                            <a:srgbClr val="000000"/>
-                          </a:solidFill>
-                          <a:latin typeface="黑体" pitchFamily="49" charset="-122"/>
-                          <a:ea typeface="黑体" pitchFamily="49" charset="-122"/>
+                        <a:rPr lang="zh-CN" altLang="en-US" sz="1200" u="none" strike="noStrike">
+                          <a:effectLst/>
                         </a:rPr>
                         <a:t>　</a:t>
                       </a:r>
-                    </a:p>
-                  </a:txBody>
-                  <a:tcPr marL="9525" marR="9525" marT="9525" marB="0" anchor="ctr">
-                    <a:lnL w="6350" cap="flat" cmpd="sng" algn="ctr">
-                      <a:solidFill>
-                        <a:srgbClr val="000000"/>
-                      </a:solidFill>
-                      <a:prstDash val="solid"/>
-                      <a:round/>
-                      <a:headEnd type="none" w="med" len="med"/>
-                      <a:tailEnd type="none" w="med" len="med"/>
-                    </a:lnL>
-                    <a:lnR w="6350" cap="flat" cmpd="sng" algn="ctr">
-                      <a:solidFill>
-                        <a:srgbClr val="000000"/>
-                      </a:solidFill>
-                      <a:prstDash val="solid"/>
-                      <a:round/>
-                      <a:headEnd type="none" w="med" len="med"/>
-                      <a:tailEnd type="none" w="med" len="med"/>
-                    </a:lnR>
-                    <a:lnT w="6350" cap="flat" cmpd="sng" algn="ctr">
-                      <a:solidFill>
-                        <a:srgbClr val="000000"/>
-                      </a:solidFill>
-                      <a:prstDash val="solid"/>
-                      <a:round/>
-                      <a:headEnd type="none" w="med" len="med"/>
-                      <a:tailEnd type="none" w="med" len="med"/>
-                    </a:lnT>
-                    <a:lnB w="6350" cap="flat" cmpd="sng" algn="ctr">
-                      <a:solidFill>
-                        <a:srgbClr val="000000"/>
-                      </a:solidFill>
-                      <a:prstDash val="solid"/>
-                      <a:round/>
-                      <a:headEnd type="none" w="med" len="med"/>
-                      <a:tailEnd type="none" w="med" len="med"/>
-                    </a:lnB>
-                  </a:tcPr>
+                      <a:endParaRPr lang="zh-CN" altLang="en-US" sz="1200" b="0" i="0" u="none" strike="noStrike">
+                        <a:solidFill>
+                          <a:srgbClr val="000000"/>
+                        </a:solidFill>
+                        <a:effectLst/>
+                        <a:latin typeface="宋体" panose="02010600030101010101" pitchFamily="2" charset="-122"/>
+                        <a:ea typeface="宋体" panose="02010600030101010101" pitchFamily="2" charset="-122"/>
+                      </a:endParaRPr>
+                    </a:p>
+                  </a:txBody>
+                  <a:tcPr marL="9525" marR="9525" marT="9525" marB="0" anchor="ctr"/>
                 </a:tc>
                 <a:tc>
                   <a:txBody>
@@ -7729,58 +7217,25 @@
                     <a:p>
                       <a:pPr algn="ctr" fontAlgn="ctr"/>
                       <a:r>
-                        <a:rPr lang="zh-CN" altLang="en-US" sz="1200" b="0" i="0" u="none" strike="noStrike">
-                          <a:solidFill>
-                            <a:srgbClr val="000000"/>
-                          </a:solidFill>
-                          <a:latin typeface="黑体" pitchFamily="49" charset="-122"/>
-                          <a:ea typeface="黑体" pitchFamily="49" charset="-122"/>
+                        <a:rPr lang="zh-CN" altLang="en-US" sz="1200" u="none" strike="noStrike">
+                          <a:effectLst/>
                         </a:rPr>
                         <a:t>　</a:t>
                       </a:r>
-                    </a:p>
-                  </a:txBody>
-                  <a:tcPr marL="9525" marR="9525" marT="9525" marB="0" anchor="ctr">
-                    <a:lnL w="6350" cap="flat" cmpd="sng" algn="ctr">
-                      <a:solidFill>
-                        <a:srgbClr val="000000"/>
-                      </a:solidFill>
-                      <a:prstDash val="solid"/>
-                      <a:round/>
-                      <a:headEnd type="none" w="med" len="med"/>
-                      <a:tailEnd type="none" w="med" len="med"/>
-                    </a:lnL>
-                    <a:lnR w="6350" cap="flat" cmpd="sng" algn="ctr">
-                      <a:solidFill>
-                        <a:srgbClr val="000000"/>
-                      </a:solidFill>
-                      <a:prstDash val="solid"/>
-                      <a:round/>
-                      <a:headEnd type="none" w="med" len="med"/>
-                      <a:tailEnd type="none" w="med" len="med"/>
-                    </a:lnR>
-                    <a:lnT w="6350" cap="flat" cmpd="sng" algn="ctr">
-                      <a:solidFill>
-                        <a:srgbClr val="000000"/>
-                      </a:solidFill>
-                      <a:prstDash val="solid"/>
-                      <a:round/>
-                      <a:headEnd type="none" w="med" len="med"/>
-                      <a:tailEnd type="none" w="med" len="med"/>
-                    </a:lnT>
-                    <a:lnB w="6350" cap="flat" cmpd="sng" algn="ctr">
-                      <a:solidFill>
-                        <a:srgbClr val="000000"/>
-                      </a:solidFill>
-                      <a:prstDash val="solid"/>
-                      <a:round/>
-                      <a:headEnd type="none" w="med" len="med"/>
-                      <a:tailEnd type="none" w="med" len="med"/>
-                    </a:lnB>
-                  </a:tcPr>
+                      <a:endParaRPr lang="zh-CN" altLang="en-US" sz="1200" b="0" i="0" u="none" strike="noStrike">
+                        <a:solidFill>
+                          <a:srgbClr val="000000"/>
+                        </a:solidFill>
+                        <a:effectLst/>
+                        <a:latin typeface="宋体" panose="02010600030101010101" pitchFamily="2" charset="-122"/>
+                        <a:ea typeface="宋体" panose="02010600030101010101" pitchFamily="2" charset="-122"/>
+                      </a:endParaRPr>
+                    </a:p>
+                  </a:txBody>
+                  <a:tcPr marL="9525" marR="9525" marT="9525" marB="0" anchor="ctr"/>
                 </a:tc>
               </a:tr>
-              <a:tr h="421716">
+              <a:tr h="365754">
                 <a:tc>
                   <a:txBody>
                     <a:bodyPr/>
@@ -7788,55 +7243,46 @@
                     <a:p>
                       <a:pPr algn="ctr" fontAlgn="ctr"/>
                       <a:r>
-                        <a:rPr lang="en-US" altLang="zh-CN" sz="1200" b="0" i="0" u="none" strike="noStrike">
-                          <a:solidFill>
-                            <a:srgbClr val="000000"/>
-                          </a:solidFill>
-                          <a:latin typeface="黑体" pitchFamily="49" charset="-122"/>
-                          <a:ea typeface="黑体" pitchFamily="49" charset="-122"/>
+                        <a:rPr lang="en-US" altLang="zh-CN" sz="1200" u="none" strike="noStrike">
+                          <a:effectLst/>
+                        </a:rPr>
+                        <a:t>7</a:t>
+                      </a:r>
+                      <a:endParaRPr lang="en-US" altLang="zh-CN" sz="1200" b="0" i="0" u="none" strike="noStrike">
+                        <a:solidFill>
+                          <a:srgbClr val="000000"/>
+                        </a:solidFill>
+                        <a:effectLst/>
+                        <a:latin typeface="宋体" panose="02010600030101010101" pitchFamily="2" charset="-122"/>
+                        <a:ea typeface="宋体" panose="02010600030101010101" pitchFamily="2" charset="-122"/>
+                      </a:endParaRPr>
+                    </a:p>
+                  </a:txBody>
+                  <a:tcPr marL="9525" marR="9525" marT="9525" marB="0" anchor="ctr"/>
+                </a:tc>
+                <a:tc>
+                  <a:txBody>
+                    <a:bodyPr/>
+                    <a:lstStyle/>
+                    <a:p>
+                      <a:pPr algn="ctr" fontAlgn="ctr"/>
+                      <a:r>
+                        <a:rPr lang="en-US" altLang="zh-CN" sz="1200" u="none" strike="noStrike">
+                          <a:effectLst/>
                         </a:rPr>
                         <a:t>2015/7/16</a:t>
                       </a:r>
-                    </a:p>
-                  </a:txBody>
-                  <a:tcPr marL="9525" marR="9525" marT="9525" marB="0" anchor="ctr">
-                    <a:lnL w="6350" cap="flat" cmpd="sng" algn="ctr">
-                      <a:solidFill>
-                        <a:srgbClr val="000000"/>
-                      </a:solidFill>
-                      <a:prstDash val="solid"/>
-                      <a:round/>
-                      <a:headEnd type="none" w="med" len="med"/>
-                      <a:tailEnd type="none" w="med" len="med"/>
-                    </a:lnL>
-                    <a:lnR w="6350" cap="flat" cmpd="sng" algn="ctr">
-                      <a:solidFill>
-                        <a:srgbClr val="000000"/>
-                      </a:solidFill>
-                      <a:prstDash val="solid"/>
-                      <a:round/>
-                      <a:headEnd type="none" w="med" len="med"/>
-                      <a:tailEnd type="none" w="med" len="med"/>
-                    </a:lnR>
-                    <a:lnT w="6350" cap="flat" cmpd="sng" algn="ctr">
-                      <a:solidFill>
-                        <a:srgbClr val="000000"/>
-                      </a:solidFill>
-                      <a:prstDash val="solid"/>
-                      <a:round/>
-                      <a:headEnd type="none" w="med" len="med"/>
-                      <a:tailEnd type="none" w="med" len="med"/>
-                    </a:lnT>
-                    <a:lnB w="6350" cap="flat" cmpd="sng" algn="ctr">
-                      <a:solidFill>
-                        <a:srgbClr val="000000"/>
-                      </a:solidFill>
-                      <a:prstDash val="solid"/>
-                      <a:round/>
-                      <a:headEnd type="none" w="med" len="med"/>
-                      <a:tailEnd type="none" w="med" len="med"/>
-                    </a:lnB>
-                  </a:tcPr>
+                      <a:endParaRPr lang="en-US" altLang="zh-CN" sz="1200" b="0" i="0" u="none" strike="noStrike">
+                        <a:solidFill>
+                          <a:srgbClr val="000000"/>
+                        </a:solidFill>
+                        <a:effectLst/>
+                        <a:latin typeface="宋体" panose="02010600030101010101" pitchFamily="2" charset="-122"/>
+                        <a:ea typeface="宋体" panose="02010600030101010101" pitchFamily="2" charset="-122"/>
+                      </a:endParaRPr>
+                    </a:p>
+                  </a:txBody>
+                  <a:tcPr marL="9525" marR="9525" marT="9525" marB="0" anchor="ctr"/>
                 </a:tc>
                 <a:tc>
                   <a:txBody>
@@ -7845,55 +7291,22 @@
                     <a:p>
                       <a:pPr algn="ctr" fontAlgn="ctr"/>
                       <a:r>
-                        <a:rPr lang="en-US" sz="1200" b="0" i="0" u="none" strike="noStrike">
-                          <a:solidFill>
-                            <a:srgbClr val="000000"/>
-                          </a:solidFill>
-                          <a:latin typeface="黑体" pitchFamily="49" charset="-122"/>
-                          <a:ea typeface="黑体" pitchFamily="49" charset="-122"/>
+                        <a:rPr lang="en-US" sz="1200" u="none" strike="noStrike">
+                          <a:effectLst/>
                         </a:rPr>
                         <a:t>UPDATE_RADM_BBG_RA_ITEM_LOC_SUPP_D.sql</a:t>
                       </a:r>
-                    </a:p>
-                  </a:txBody>
-                  <a:tcPr marL="9525" marR="9525" marT="9525" marB="0" anchor="ctr">
-                    <a:lnL w="6350" cap="flat" cmpd="sng" algn="ctr">
-                      <a:solidFill>
-                        <a:srgbClr val="000000"/>
-                      </a:solidFill>
-                      <a:prstDash val="solid"/>
-                      <a:round/>
-                      <a:headEnd type="none" w="med" len="med"/>
-                      <a:tailEnd type="none" w="med" len="med"/>
-                    </a:lnL>
-                    <a:lnR w="6350" cap="flat" cmpd="sng" algn="ctr">
-                      <a:solidFill>
-                        <a:srgbClr val="000000"/>
-                      </a:solidFill>
-                      <a:prstDash val="solid"/>
-                      <a:round/>
-                      <a:headEnd type="none" w="med" len="med"/>
-                      <a:tailEnd type="none" w="med" len="med"/>
-                    </a:lnR>
-                    <a:lnT w="6350" cap="flat" cmpd="sng" algn="ctr">
-                      <a:solidFill>
-                        <a:srgbClr val="000000"/>
-                      </a:solidFill>
-                      <a:prstDash val="solid"/>
-                      <a:round/>
-                      <a:headEnd type="none" w="med" len="med"/>
-                      <a:tailEnd type="none" w="med" len="med"/>
-                    </a:lnT>
-                    <a:lnB w="6350" cap="flat" cmpd="sng" algn="ctr">
-                      <a:solidFill>
-                        <a:srgbClr val="000000"/>
-                      </a:solidFill>
-                      <a:prstDash val="solid"/>
-                      <a:round/>
-                      <a:headEnd type="none" w="med" len="med"/>
-                      <a:tailEnd type="none" w="med" len="med"/>
-                    </a:lnB>
-                  </a:tcPr>
+                      <a:endParaRPr lang="en-US" sz="1200" b="0" i="0" u="none" strike="noStrike">
+                        <a:solidFill>
+                          <a:srgbClr val="000000"/>
+                        </a:solidFill>
+                        <a:effectLst/>
+                        <a:latin typeface="宋体" panose="02010600030101010101" pitchFamily="2" charset="-122"/>
+                        <a:ea typeface="宋体" panose="02010600030101010101" pitchFamily="2" charset="-122"/>
+                      </a:endParaRPr>
+                    </a:p>
+                  </a:txBody>
+                  <a:tcPr marL="9525" marR="9525" marT="9525" marB="0" anchor="ctr"/>
                 </a:tc>
                 <a:tc>
                   <a:txBody>
@@ -7902,55 +7315,22 @@
                     <a:p>
                       <a:pPr algn="ctr" fontAlgn="ctr"/>
                       <a:r>
-                        <a:rPr lang="zh-CN" altLang="en-US" sz="1200" b="0" i="0" u="none" strike="noStrike">
-                          <a:solidFill>
-                            <a:srgbClr val="000000"/>
-                          </a:solidFill>
-                          <a:latin typeface="黑体" pitchFamily="49" charset="-122"/>
-                          <a:ea typeface="黑体" pitchFamily="49" charset="-122"/>
+                        <a:rPr lang="zh-CN" altLang="en-US" sz="1200" u="none" strike="noStrike">
+                          <a:effectLst/>
                         </a:rPr>
                         <a:t>　</a:t>
                       </a:r>
-                    </a:p>
-                  </a:txBody>
-                  <a:tcPr marL="9525" marR="9525" marT="9525" marB="0" anchor="ctr">
-                    <a:lnL w="6350" cap="flat" cmpd="sng" algn="ctr">
-                      <a:solidFill>
-                        <a:srgbClr val="000000"/>
-                      </a:solidFill>
-                      <a:prstDash val="solid"/>
-                      <a:round/>
-                      <a:headEnd type="none" w="med" len="med"/>
-                      <a:tailEnd type="none" w="med" len="med"/>
-                    </a:lnL>
-                    <a:lnR w="6350" cap="flat" cmpd="sng" algn="ctr">
-                      <a:solidFill>
-                        <a:srgbClr val="000000"/>
-                      </a:solidFill>
-                      <a:prstDash val="solid"/>
-                      <a:round/>
-                      <a:headEnd type="none" w="med" len="med"/>
-                      <a:tailEnd type="none" w="med" len="med"/>
-                    </a:lnR>
-                    <a:lnT w="6350" cap="flat" cmpd="sng" algn="ctr">
-                      <a:solidFill>
-                        <a:srgbClr val="000000"/>
-                      </a:solidFill>
-                      <a:prstDash val="solid"/>
-                      <a:round/>
-                      <a:headEnd type="none" w="med" len="med"/>
-                      <a:tailEnd type="none" w="med" len="med"/>
-                    </a:lnT>
-                    <a:lnB w="6350" cap="flat" cmpd="sng" algn="ctr">
-                      <a:solidFill>
-                        <a:srgbClr val="000000"/>
-                      </a:solidFill>
-                      <a:prstDash val="solid"/>
-                      <a:round/>
-                      <a:headEnd type="none" w="med" len="med"/>
-                      <a:tailEnd type="none" w="med" len="med"/>
-                    </a:lnB>
-                  </a:tcPr>
+                      <a:endParaRPr lang="zh-CN" altLang="en-US" sz="1200" b="0" i="0" u="none" strike="noStrike">
+                        <a:solidFill>
+                          <a:srgbClr val="000000"/>
+                        </a:solidFill>
+                        <a:effectLst/>
+                        <a:latin typeface="宋体" panose="02010600030101010101" pitchFamily="2" charset="-122"/>
+                        <a:ea typeface="宋体" panose="02010600030101010101" pitchFamily="2" charset="-122"/>
+                      </a:endParaRPr>
+                    </a:p>
+                  </a:txBody>
+                  <a:tcPr marL="9525" marR="9525" marT="9525" marB="0" anchor="ctr"/>
                 </a:tc>
                 <a:tc>
                   <a:txBody>
@@ -7959,55 +7339,22 @@
                     <a:p>
                       <a:pPr algn="ctr" fontAlgn="ctr"/>
                       <a:r>
-                        <a:rPr lang="zh-CN" altLang="en-US" sz="1200" b="0" i="0" u="none" strike="noStrike">
-                          <a:solidFill>
-                            <a:srgbClr val="000000"/>
-                          </a:solidFill>
-                          <a:latin typeface="黑体" pitchFamily="49" charset="-122"/>
-                          <a:ea typeface="黑体" pitchFamily="49" charset="-122"/>
+                        <a:rPr lang="zh-CN" altLang="en-US" sz="1200" u="none" strike="noStrike">
+                          <a:effectLst/>
                         </a:rPr>
                         <a:t>　</a:t>
                       </a:r>
-                    </a:p>
-                  </a:txBody>
-                  <a:tcPr marL="9525" marR="9525" marT="9525" marB="0" anchor="ctr">
-                    <a:lnL w="6350" cap="flat" cmpd="sng" algn="ctr">
-                      <a:solidFill>
-                        <a:srgbClr val="000000"/>
-                      </a:solidFill>
-                      <a:prstDash val="solid"/>
-                      <a:round/>
-                      <a:headEnd type="none" w="med" len="med"/>
-                      <a:tailEnd type="none" w="med" len="med"/>
-                    </a:lnL>
-                    <a:lnR w="6350" cap="flat" cmpd="sng" algn="ctr">
-                      <a:solidFill>
-                        <a:srgbClr val="000000"/>
-                      </a:solidFill>
-                      <a:prstDash val="solid"/>
-                      <a:round/>
-                      <a:headEnd type="none" w="med" len="med"/>
-                      <a:tailEnd type="none" w="med" len="med"/>
-                    </a:lnR>
-                    <a:lnT w="6350" cap="flat" cmpd="sng" algn="ctr">
-                      <a:solidFill>
-                        <a:srgbClr val="000000"/>
-                      </a:solidFill>
-                      <a:prstDash val="solid"/>
-                      <a:round/>
-                      <a:headEnd type="none" w="med" len="med"/>
-                      <a:tailEnd type="none" w="med" len="med"/>
-                    </a:lnT>
-                    <a:lnB w="6350" cap="flat" cmpd="sng" algn="ctr">
-                      <a:solidFill>
-                        <a:srgbClr val="000000"/>
-                      </a:solidFill>
-                      <a:prstDash val="solid"/>
-                      <a:round/>
-                      <a:headEnd type="none" w="med" len="med"/>
-                      <a:tailEnd type="none" w="med" len="med"/>
-                    </a:lnB>
-                  </a:tcPr>
+                      <a:endParaRPr lang="zh-CN" altLang="en-US" sz="1200" b="0" i="0" u="none" strike="noStrike">
+                        <a:solidFill>
+                          <a:srgbClr val="000000"/>
+                        </a:solidFill>
+                        <a:effectLst/>
+                        <a:latin typeface="宋体" panose="02010600030101010101" pitchFamily="2" charset="-122"/>
+                        <a:ea typeface="宋体" panose="02010600030101010101" pitchFamily="2" charset="-122"/>
+                      </a:endParaRPr>
+                    </a:p>
+                  </a:txBody>
+                  <a:tcPr marL="9525" marR="9525" marT="9525" marB="0" anchor="ctr"/>
                 </a:tc>
                 <a:tc>
                   <a:txBody>
@@ -8016,55 +7363,22 @@
                     <a:p>
                       <a:pPr algn="ctr" fontAlgn="ctr"/>
                       <a:r>
-                        <a:rPr lang="zh-CN" altLang="en-US" sz="1200" b="0" i="0" u="none" strike="noStrike">
-                          <a:solidFill>
-                            <a:srgbClr val="000000"/>
-                          </a:solidFill>
-                          <a:latin typeface="黑体" pitchFamily="49" charset="-122"/>
-                          <a:ea typeface="黑体" pitchFamily="49" charset="-122"/>
+                        <a:rPr lang="zh-CN" altLang="en-US" sz="1200" u="none" strike="noStrike">
+                          <a:effectLst/>
                         </a:rPr>
                         <a:t>　</a:t>
                       </a:r>
-                    </a:p>
-                  </a:txBody>
-                  <a:tcPr marL="9525" marR="9525" marT="9525" marB="0" anchor="ctr">
-                    <a:lnL w="6350" cap="flat" cmpd="sng" algn="ctr">
-                      <a:solidFill>
-                        <a:srgbClr val="000000"/>
-                      </a:solidFill>
-                      <a:prstDash val="solid"/>
-                      <a:round/>
-                      <a:headEnd type="none" w="med" len="med"/>
-                      <a:tailEnd type="none" w="med" len="med"/>
-                    </a:lnL>
-                    <a:lnR w="6350" cap="flat" cmpd="sng" algn="ctr">
-                      <a:solidFill>
-                        <a:srgbClr val="000000"/>
-                      </a:solidFill>
-                      <a:prstDash val="solid"/>
-                      <a:round/>
-                      <a:headEnd type="none" w="med" len="med"/>
-                      <a:tailEnd type="none" w="med" len="med"/>
-                    </a:lnR>
-                    <a:lnT w="6350" cap="flat" cmpd="sng" algn="ctr">
-                      <a:solidFill>
-                        <a:srgbClr val="000000"/>
-                      </a:solidFill>
-                      <a:prstDash val="solid"/>
-                      <a:round/>
-                      <a:headEnd type="none" w="med" len="med"/>
-                      <a:tailEnd type="none" w="med" len="med"/>
-                    </a:lnT>
-                    <a:lnB w="6350" cap="flat" cmpd="sng" algn="ctr">
-                      <a:solidFill>
-                        <a:srgbClr val="000000"/>
-                      </a:solidFill>
-                      <a:prstDash val="solid"/>
-                      <a:round/>
-                      <a:headEnd type="none" w="med" len="med"/>
-                      <a:tailEnd type="none" w="med" len="med"/>
-                    </a:lnB>
-                  </a:tcPr>
+                      <a:endParaRPr lang="zh-CN" altLang="en-US" sz="1200" b="0" i="0" u="none" strike="noStrike">
+                        <a:solidFill>
+                          <a:srgbClr val="000000"/>
+                        </a:solidFill>
+                        <a:effectLst/>
+                        <a:latin typeface="宋体" panose="02010600030101010101" pitchFamily="2" charset="-122"/>
+                        <a:ea typeface="宋体" panose="02010600030101010101" pitchFamily="2" charset="-122"/>
+                      </a:endParaRPr>
+                    </a:p>
+                  </a:txBody>
+                  <a:tcPr marL="9525" marR="9525" marT="9525" marB="0" anchor="ctr"/>
                 </a:tc>
                 <a:tc>
                   <a:txBody>
@@ -8073,58 +7387,25 @@
                     <a:p>
                       <a:pPr algn="ctr" fontAlgn="ctr"/>
                       <a:r>
-                        <a:rPr lang="zh-CN" altLang="en-US" sz="1200" b="0" i="0" u="none" strike="noStrike">
-                          <a:solidFill>
-                            <a:srgbClr val="000000"/>
-                          </a:solidFill>
-                          <a:latin typeface="黑体" pitchFamily="49" charset="-122"/>
-                          <a:ea typeface="黑体" pitchFamily="49" charset="-122"/>
+                        <a:rPr lang="zh-CN" altLang="en-US" sz="1200" u="none" strike="noStrike">
+                          <a:effectLst/>
                         </a:rPr>
                         <a:t>　</a:t>
                       </a:r>
-                    </a:p>
-                  </a:txBody>
-                  <a:tcPr marL="9525" marR="9525" marT="9525" marB="0" anchor="ctr">
-                    <a:lnL w="6350" cap="flat" cmpd="sng" algn="ctr">
-                      <a:solidFill>
-                        <a:srgbClr val="000000"/>
-                      </a:solidFill>
-                      <a:prstDash val="solid"/>
-                      <a:round/>
-                      <a:headEnd type="none" w="med" len="med"/>
-                      <a:tailEnd type="none" w="med" len="med"/>
-                    </a:lnL>
-                    <a:lnR w="6350" cap="flat" cmpd="sng" algn="ctr">
-                      <a:solidFill>
-                        <a:srgbClr val="000000"/>
-                      </a:solidFill>
-                      <a:prstDash val="solid"/>
-                      <a:round/>
-                      <a:headEnd type="none" w="med" len="med"/>
-                      <a:tailEnd type="none" w="med" len="med"/>
-                    </a:lnR>
-                    <a:lnT w="6350" cap="flat" cmpd="sng" algn="ctr">
-                      <a:solidFill>
-                        <a:srgbClr val="000000"/>
-                      </a:solidFill>
-                      <a:prstDash val="solid"/>
-                      <a:round/>
-                      <a:headEnd type="none" w="med" len="med"/>
-                      <a:tailEnd type="none" w="med" len="med"/>
-                    </a:lnT>
-                    <a:lnB w="6350" cap="flat" cmpd="sng" algn="ctr">
-                      <a:solidFill>
-                        <a:srgbClr val="000000"/>
-                      </a:solidFill>
-                      <a:prstDash val="solid"/>
-                      <a:round/>
-                      <a:headEnd type="none" w="med" len="med"/>
-                      <a:tailEnd type="none" w="med" len="med"/>
-                    </a:lnB>
-                  </a:tcPr>
+                      <a:endParaRPr lang="zh-CN" altLang="en-US" sz="1200" b="0" i="0" u="none" strike="noStrike">
+                        <a:solidFill>
+                          <a:srgbClr val="000000"/>
+                        </a:solidFill>
+                        <a:effectLst/>
+                        <a:latin typeface="宋体" panose="02010600030101010101" pitchFamily="2" charset="-122"/>
+                        <a:ea typeface="宋体" panose="02010600030101010101" pitchFamily="2" charset="-122"/>
+                      </a:endParaRPr>
+                    </a:p>
+                  </a:txBody>
+                  <a:tcPr marL="9525" marR="9525" marT="9525" marB="0" anchor="ctr"/>
                 </a:tc>
               </a:tr>
-              <a:tr h="421716">
+              <a:tr h="707758">
                 <a:tc>
                   <a:txBody>
                     <a:bodyPr/>
@@ -8132,55 +7413,46 @@
                     <a:p>
                       <a:pPr algn="ctr" fontAlgn="ctr"/>
                       <a:r>
-                        <a:rPr lang="en-US" altLang="zh-CN" sz="1200" b="0" i="0" u="none" strike="noStrike">
-                          <a:solidFill>
-                            <a:srgbClr val="FF0000"/>
-                          </a:solidFill>
-                          <a:latin typeface="黑体" pitchFamily="49" charset="-122"/>
-                          <a:ea typeface="黑体" pitchFamily="49" charset="-122"/>
+                        <a:rPr lang="en-US" altLang="zh-CN" sz="1200" u="none" strike="noStrike">
+                          <a:effectLst/>
+                        </a:rPr>
+                        <a:t>8</a:t>
+                      </a:r>
+                      <a:endParaRPr lang="en-US" altLang="zh-CN" sz="1200" b="0" i="0" u="none" strike="noStrike">
+                        <a:solidFill>
+                          <a:srgbClr val="000000"/>
+                        </a:solidFill>
+                        <a:effectLst/>
+                        <a:latin typeface="宋体" panose="02010600030101010101" pitchFamily="2" charset="-122"/>
+                        <a:ea typeface="宋体" panose="02010600030101010101" pitchFamily="2" charset="-122"/>
+                      </a:endParaRPr>
+                    </a:p>
+                  </a:txBody>
+                  <a:tcPr marL="9525" marR="9525" marT="9525" marB="0" anchor="ctr"/>
+                </a:tc>
+                <a:tc>
+                  <a:txBody>
+                    <a:bodyPr/>
+                    <a:lstStyle/>
+                    <a:p>
+                      <a:pPr algn="ctr" fontAlgn="ctr"/>
+                      <a:r>
+                        <a:rPr lang="en-US" altLang="zh-CN" sz="1200" u="none" strike="noStrike">
+                          <a:effectLst/>
                         </a:rPr>
                         <a:t>2016/3/3</a:t>
                       </a:r>
-                    </a:p>
-                  </a:txBody>
-                  <a:tcPr marL="9525" marR="9525" marT="9525" marB="0" anchor="ctr">
-                    <a:lnL w="6350" cap="flat" cmpd="sng" algn="ctr">
-                      <a:solidFill>
-                        <a:srgbClr val="000000"/>
-                      </a:solidFill>
-                      <a:prstDash val="solid"/>
-                      <a:round/>
-                      <a:headEnd type="none" w="med" len="med"/>
-                      <a:tailEnd type="none" w="med" len="med"/>
-                    </a:lnL>
-                    <a:lnR w="6350" cap="flat" cmpd="sng" algn="ctr">
-                      <a:solidFill>
-                        <a:srgbClr val="000000"/>
-                      </a:solidFill>
-                      <a:prstDash val="solid"/>
-                      <a:round/>
-                      <a:headEnd type="none" w="med" len="med"/>
-                      <a:tailEnd type="none" w="med" len="med"/>
-                    </a:lnR>
-                    <a:lnT w="6350" cap="flat" cmpd="sng" algn="ctr">
-                      <a:solidFill>
-                        <a:srgbClr val="000000"/>
-                      </a:solidFill>
-                      <a:prstDash val="solid"/>
-                      <a:round/>
-                      <a:headEnd type="none" w="med" len="med"/>
-                      <a:tailEnd type="none" w="med" len="med"/>
-                    </a:lnT>
-                    <a:lnB w="6350" cap="flat" cmpd="sng" algn="ctr">
-                      <a:solidFill>
-                        <a:srgbClr val="000000"/>
-                      </a:solidFill>
-                      <a:prstDash val="solid"/>
-                      <a:round/>
-                      <a:headEnd type="none" w="med" len="med"/>
-                      <a:tailEnd type="none" w="med" len="med"/>
-                    </a:lnB>
-                  </a:tcPr>
+                      <a:endParaRPr lang="en-US" altLang="zh-CN" sz="1200" b="0" i="0" u="none" strike="noStrike">
+                        <a:solidFill>
+                          <a:srgbClr val="FF0000"/>
+                        </a:solidFill>
+                        <a:effectLst/>
+                        <a:latin typeface="宋体" panose="02010600030101010101" pitchFamily="2" charset="-122"/>
+                        <a:ea typeface="宋体" panose="02010600030101010101" pitchFamily="2" charset="-122"/>
+                      </a:endParaRPr>
+                    </a:p>
+                  </a:txBody>
+                  <a:tcPr marL="9525" marR="9525" marT="9525" marB="0" anchor="ctr"/>
                 </a:tc>
                 <a:tc>
                   <a:txBody>
@@ -8189,55 +7461,22 @@
                     <a:p>
                       <a:pPr algn="ctr" fontAlgn="ctr"/>
                       <a:r>
-                        <a:rPr lang="en-US" sz="1200" b="0" i="0" u="none" strike="noStrike">
-                          <a:solidFill>
-                            <a:srgbClr val="FF0000"/>
-                          </a:solidFill>
-                          <a:latin typeface="黑体" pitchFamily="49" charset="-122"/>
-                          <a:ea typeface="黑体" pitchFamily="49" charset="-122"/>
+                        <a:rPr lang="en-US" sz="1200" u="none" strike="noStrike">
+                          <a:effectLst/>
                         </a:rPr>
                         <a:t>MERGE_RADM_BBG_RA_SLS_IT_LC_DY_A.sql</a:t>
                       </a:r>
-                    </a:p>
-                  </a:txBody>
-                  <a:tcPr marL="9525" marR="9525" marT="9525" marB="0" anchor="ctr">
-                    <a:lnL w="6350" cap="flat" cmpd="sng" algn="ctr">
-                      <a:solidFill>
-                        <a:srgbClr val="000000"/>
-                      </a:solidFill>
-                      <a:prstDash val="solid"/>
-                      <a:round/>
-                      <a:headEnd type="none" w="med" len="med"/>
-                      <a:tailEnd type="none" w="med" len="med"/>
-                    </a:lnL>
-                    <a:lnR w="6350" cap="flat" cmpd="sng" algn="ctr">
-                      <a:solidFill>
-                        <a:srgbClr val="000000"/>
-                      </a:solidFill>
-                      <a:prstDash val="solid"/>
-                      <a:round/>
-                      <a:headEnd type="none" w="med" len="med"/>
-                      <a:tailEnd type="none" w="med" len="med"/>
-                    </a:lnR>
-                    <a:lnT w="6350" cap="flat" cmpd="sng" algn="ctr">
-                      <a:solidFill>
-                        <a:srgbClr val="000000"/>
-                      </a:solidFill>
-                      <a:prstDash val="solid"/>
-                      <a:round/>
-                      <a:headEnd type="none" w="med" len="med"/>
-                      <a:tailEnd type="none" w="med" len="med"/>
-                    </a:lnT>
-                    <a:lnB w="6350" cap="flat" cmpd="sng" algn="ctr">
-                      <a:solidFill>
-                        <a:srgbClr val="000000"/>
-                      </a:solidFill>
-                      <a:prstDash val="solid"/>
-                      <a:round/>
-                      <a:headEnd type="none" w="med" len="med"/>
-                      <a:tailEnd type="none" w="med" len="med"/>
-                    </a:lnB>
-                  </a:tcPr>
+                      <a:endParaRPr lang="en-US" sz="1200" b="0" i="0" u="none" strike="noStrike">
+                        <a:solidFill>
+                          <a:srgbClr val="FF0000"/>
+                        </a:solidFill>
+                        <a:effectLst/>
+                        <a:latin typeface="宋体" panose="02010600030101010101" pitchFamily="2" charset="-122"/>
+                        <a:ea typeface="宋体" panose="02010600030101010101" pitchFamily="2" charset="-122"/>
+                      </a:endParaRPr>
+                    </a:p>
+                  </a:txBody>
+                  <a:tcPr marL="9525" marR="9525" marT="9525" marB="0" anchor="ctr"/>
                 </a:tc>
                 <a:tc>
                   <a:txBody>
@@ -8246,55 +7485,22 @@
                     <a:p>
                       <a:pPr algn="ctr" fontAlgn="ctr"/>
                       <a:r>
-                        <a:rPr lang="en-US" sz="1200" b="0" i="0" u="none" strike="noStrike">
-                          <a:solidFill>
-                            <a:srgbClr val="FF0000"/>
-                          </a:solidFill>
-                          <a:latin typeface="黑体" pitchFamily="49" charset="-122"/>
-                          <a:ea typeface="黑体" pitchFamily="49" charset="-122"/>
+                        <a:rPr lang="en-US" sz="1200" u="none" strike="noStrike">
+                          <a:effectLst/>
                         </a:rPr>
                         <a:t>PLP_RETAILSUPPSALESITSCLCDYAGGREGATE</a:t>
                       </a:r>
-                    </a:p>
-                  </a:txBody>
-                  <a:tcPr marL="9525" marR="9525" marT="9525" marB="0" anchor="ctr">
-                    <a:lnL w="6350" cap="flat" cmpd="sng" algn="ctr">
-                      <a:solidFill>
-                        <a:srgbClr val="000000"/>
-                      </a:solidFill>
-                      <a:prstDash val="solid"/>
-                      <a:round/>
-                      <a:headEnd type="none" w="med" len="med"/>
-                      <a:tailEnd type="none" w="med" len="med"/>
-                    </a:lnL>
-                    <a:lnR w="6350" cap="flat" cmpd="sng" algn="ctr">
-                      <a:solidFill>
-                        <a:srgbClr val="000000"/>
-                      </a:solidFill>
-                      <a:prstDash val="solid"/>
-                      <a:round/>
-                      <a:headEnd type="none" w="med" len="med"/>
-                      <a:tailEnd type="none" w="med" len="med"/>
-                    </a:lnR>
-                    <a:lnT w="6350" cap="flat" cmpd="sng" algn="ctr">
-                      <a:solidFill>
-                        <a:srgbClr val="000000"/>
-                      </a:solidFill>
-                      <a:prstDash val="solid"/>
-                      <a:round/>
-                      <a:headEnd type="none" w="med" len="med"/>
-                      <a:tailEnd type="none" w="med" len="med"/>
-                    </a:lnT>
-                    <a:lnB w="6350" cap="flat" cmpd="sng" algn="ctr">
-                      <a:solidFill>
-                        <a:srgbClr val="000000"/>
-                      </a:solidFill>
-                      <a:prstDash val="solid"/>
-                      <a:round/>
-                      <a:headEnd type="none" w="med" len="med"/>
-                      <a:tailEnd type="none" w="med" len="med"/>
-                    </a:lnB>
-                  </a:tcPr>
+                      <a:endParaRPr lang="en-US" sz="1200" b="0" i="0" u="none" strike="noStrike">
+                        <a:solidFill>
+                          <a:srgbClr val="FF0000"/>
+                        </a:solidFill>
+                        <a:effectLst/>
+                        <a:latin typeface="宋体" panose="02010600030101010101" pitchFamily="2" charset="-122"/>
+                        <a:ea typeface="宋体" panose="02010600030101010101" pitchFamily="2" charset="-122"/>
+                      </a:endParaRPr>
+                    </a:p>
+                  </a:txBody>
+                  <a:tcPr marL="9525" marR="9525" marT="9525" marB="0" anchor="ctr"/>
                 </a:tc>
                 <a:tc>
                   <a:txBody>
@@ -8303,55 +7509,22 @@
                     <a:p>
                       <a:pPr algn="ctr" fontAlgn="ctr"/>
                       <a:r>
-                        <a:rPr lang="en-US" sz="1200" b="0" i="0" u="none" strike="noStrike">
-                          <a:solidFill>
-                            <a:srgbClr val="FF0000"/>
-                          </a:solidFill>
-                          <a:latin typeface="黑体" pitchFamily="49" charset="-122"/>
-                          <a:ea typeface="黑体" pitchFamily="49" charset="-122"/>
+                        <a:rPr lang="en-US" sz="1200" u="none" strike="noStrike">
+                          <a:effectLst/>
                         </a:rPr>
                         <a:t>BBG_RA_SUPP_SLSSLDPLP.KSH</a:t>
                       </a:r>
-                    </a:p>
-                  </a:txBody>
-                  <a:tcPr marL="9525" marR="9525" marT="9525" marB="0" anchor="ctr">
-                    <a:lnL w="6350" cap="flat" cmpd="sng" algn="ctr">
-                      <a:solidFill>
-                        <a:srgbClr val="000000"/>
-                      </a:solidFill>
-                      <a:prstDash val="solid"/>
-                      <a:round/>
-                      <a:headEnd type="none" w="med" len="med"/>
-                      <a:tailEnd type="none" w="med" len="med"/>
-                    </a:lnL>
-                    <a:lnR w="6350" cap="flat" cmpd="sng" algn="ctr">
-                      <a:solidFill>
-                        <a:srgbClr val="000000"/>
-                      </a:solidFill>
-                      <a:prstDash val="solid"/>
-                      <a:round/>
-                      <a:headEnd type="none" w="med" len="med"/>
-                      <a:tailEnd type="none" w="med" len="med"/>
-                    </a:lnR>
-                    <a:lnT w="6350" cap="flat" cmpd="sng" algn="ctr">
-                      <a:solidFill>
-                        <a:srgbClr val="000000"/>
-                      </a:solidFill>
-                      <a:prstDash val="solid"/>
-                      <a:round/>
-                      <a:headEnd type="none" w="med" len="med"/>
-                      <a:tailEnd type="none" w="med" len="med"/>
-                    </a:lnT>
-                    <a:lnB w="6350" cap="flat" cmpd="sng" algn="ctr">
-                      <a:solidFill>
-                        <a:srgbClr val="000000"/>
-                      </a:solidFill>
-                      <a:prstDash val="solid"/>
-                      <a:round/>
-                      <a:headEnd type="none" w="med" len="med"/>
-                      <a:tailEnd type="none" w="med" len="med"/>
-                    </a:lnB>
-                  </a:tcPr>
+                      <a:endParaRPr lang="en-US" sz="1200" b="0" i="0" u="none" strike="noStrike">
+                        <a:solidFill>
+                          <a:srgbClr val="FF0000"/>
+                        </a:solidFill>
+                        <a:effectLst/>
+                        <a:latin typeface="宋体" panose="02010600030101010101" pitchFamily="2" charset="-122"/>
+                        <a:ea typeface="宋体" panose="02010600030101010101" pitchFamily="2" charset="-122"/>
+                      </a:endParaRPr>
+                    </a:p>
+                  </a:txBody>
+                  <a:tcPr marL="9525" marR="9525" marT="9525" marB="0" anchor="ctr"/>
                 </a:tc>
                 <a:tc>
                   <a:txBody>
@@ -8360,55 +7533,22 @@
                     <a:p>
                       <a:pPr algn="ctr" fontAlgn="ctr"/>
                       <a:r>
-                        <a:rPr lang="zh-CN" altLang="en-US" sz="1200" b="0" i="0" u="none" strike="noStrike">
-                          <a:solidFill>
-                            <a:srgbClr val="000000"/>
-                          </a:solidFill>
-                          <a:latin typeface="黑体" pitchFamily="49" charset="-122"/>
-                          <a:ea typeface="黑体" pitchFamily="49" charset="-122"/>
+                        <a:rPr lang="zh-CN" altLang="en-US" sz="1200" u="none" strike="noStrike">
+                          <a:effectLst/>
                         </a:rPr>
                         <a:t>　</a:t>
                       </a:r>
-                    </a:p>
-                  </a:txBody>
-                  <a:tcPr marL="9525" marR="9525" marT="9525" marB="0" anchor="ctr">
-                    <a:lnL w="6350" cap="flat" cmpd="sng" algn="ctr">
-                      <a:solidFill>
-                        <a:srgbClr val="000000"/>
-                      </a:solidFill>
-                      <a:prstDash val="solid"/>
-                      <a:round/>
-                      <a:headEnd type="none" w="med" len="med"/>
-                      <a:tailEnd type="none" w="med" len="med"/>
-                    </a:lnL>
-                    <a:lnR w="6350" cap="flat" cmpd="sng" algn="ctr">
-                      <a:solidFill>
-                        <a:srgbClr val="000000"/>
-                      </a:solidFill>
-                      <a:prstDash val="solid"/>
-                      <a:round/>
-                      <a:headEnd type="none" w="med" len="med"/>
-                      <a:tailEnd type="none" w="med" len="med"/>
-                    </a:lnR>
-                    <a:lnT w="6350" cap="flat" cmpd="sng" algn="ctr">
-                      <a:solidFill>
-                        <a:srgbClr val="000000"/>
-                      </a:solidFill>
-                      <a:prstDash val="solid"/>
-                      <a:round/>
-                      <a:headEnd type="none" w="med" len="med"/>
-                      <a:tailEnd type="none" w="med" len="med"/>
-                    </a:lnT>
-                    <a:lnB w="6350" cap="flat" cmpd="sng" algn="ctr">
-                      <a:solidFill>
-                        <a:srgbClr val="000000"/>
-                      </a:solidFill>
-                      <a:prstDash val="solid"/>
-                      <a:round/>
-                      <a:headEnd type="none" w="med" len="med"/>
-                      <a:tailEnd type="none" w="med" len="med"/>
-                    </a:lnB>
-                  </a:tcPr>
+                      <a:endParaRPr lang="zh-CN" altLang="en-US" sz="1200" b="0" i="0" u="none" strike="noStrike">
+                        <a:solidFill>
+                          <a:srgbClr val="000000"/>
+                        </a:solidFill>
+                        <a:effectLst/>
+                        <a:latin typeface="宋体" panose="02010600030101010101" pitchFamily="2" charset="-122"/>
+                        <a:ea typeface="宋体" panose="02010600030101010101" pitchFamily="2" charset="-122"/>
+                      </a:endParaRPr>
+                    </a:p>
+                  </a:txBody>
+                  <a:tcPr marL="9525" marR="9525" marT="9525" marB="0" anchor="ctr"/>
                 </a:tc>
                 <a:tc>
                   <a:txBody>
@@ -8417,58 +7557,25 @@
                     <a:p>
                       <a:pPr algn="ctr" fontAlgn="ctr"/>
                       <a:r>
-                        <a:rPr lang="en-US" sz="1200" b="0" i="0" u="none" strike="noStrike">
-                          <a:solidFill>
-                            <a:srgbClr val="000000"/>
-                          </a:solidFill>
-                          <a:latin typeface="黑体" pitchFamily="49" charset="-122"/>
-                          <a:ea typeface="黑体" pitchFamily="49" charset="-122"/>
+                        <a:rPr lang="en-US" sz="1200" u="none" strike="noStrike">
+                          <a:effectLst/>
                         </a:rPr>
                         <a:t>600s</a:t>
                       </a:r>
-                    </a:p>
-                  </a:txBody>
-                  <a:tcPr marL="9525" marR="9525" marT="9525" marB="0" anchor="ctr">
-                    <a:lnL w="6350" cap="flat" cmpd="sng" algn="ctr">
-                      <a:solidFill>
-                        <a:srgbClr val="000000"/>
-                      </a:solidFill>
-                      <a:prstDash val="solid"/>
-                      <a:round/>
-                      <a:headEnd type="none" w="med" len="med"/>
-                      <a:tailEnd type="none" w="med" len="med"/>
-                    </a:lnL>
-                    <a:lnR w="6350" cap="flat" cmpd="sng" algn="ctr">
-                      <a:solidFill>
-                        <a:srgbClr val="000000"/>
-                      </a:solidFill>
-                      <a:prstDash val="solid"/>
-                      <a:round/>
-                      <a:headEnd type="none" w="med" len="med"/>
-                      <a:tailEnd type="none" w="med" len="med"/>
-                    </a:lnR>
-                    <a:lnT w="6350" cap="flat" cmpd="sng" algn="ctr">
-                      <a:solidFill>
-                        <a:srgbClr val="000000"/>
-                      </a:solidFill>
-                      <a:prstDash val="solid"/>
-                      <a:round/>
-                      <a:headEnd type="none" w="med" len="med"/>
-                      <a:tailEnd type="none" w="med" len="med"/>
-                    </a:lnT>
-                    <a:lnB w="6350" cap="flat" cmpd="sng" algn="ctr">
-                      <a:solidFill>
-                        <a:srgbClr val="000000"/>
-                      </a:solidFill>
-                      <a:prstDash val="solid"/>
-                      <a:round/>
-                      <a:headEnd type="none" w="med" len="med"/>
-                      <a:tailEnd type="none" w="med" len="med"/>
-                    </a:lnB>
-                  </a:tcPr>
+                      <a:endParaRPr lang="en-US" sz="1200" b="0" i="0" u="none" strike="noStrike">
+                        <a:solidFill>
+                          <a:srgbClr val="000000"/>
+                        </a:solidFill>
+                        <a:effectLst/>
+                        <a:latin typeface="宋体" panose="02010600030101010101" pitchFamily="2" charset="-122"/>
+                        <a:ea typeface="宋体" panose="02010600030101010101" pitchFamily="2" charset="-122"/>
+                      </a:endParaRPr>
+                    </a:p>
+                  </a:txBody>
+                  <a:tcPr marL="9525" marR="9525" marT="9525" marB="0" anchor="ctr"/>
                 </a:tc>
               </a:tr>
-              <a:tr h="421716">
+              <a:tr h="365754">
                 <a:tc>
                   <a:txBody>
                     <a:bodyPr/>
@@ -8476,55 +7583,46 @@
                     <a:p>
                       <a:pPr algn="ctr" fontAlgn="ctr"/>
                       <a:r>
-                        <a:rPr lang="en-US" altLang="zh-CN" sz="1200" b="0" i="0" u="none" strike="noStrike">
-                          <a:solidFill>
-                            <a:srgbClr val="000000"/>
-                          </a:solidFill>
-                          <a:latin typeface="黑体" pitchFamily="49" charset="-122"/>
-                          <a:ea typeface="黑体" pitchFamily="49" charset="-122"/>
+                        <a:rPr lang="en-US" altLang="zh-CN" sz="1200" u="none" strike="noStrike">
+                          <a:effectLst/>
+                        </a:rPr>
+                        <a:t>9</a:t>
+                      </a:r>
+                      <a:endParaRPr lang="en-US" altLang="zh-CN" sz="1200" b="0" i="0" u="none" strike="noStrike">
+                        <a:solidFill>
+                          <a:srgbClr val="000000"/>
+                        </a:solidFill>
+                        <a:effectLst/>
+                        <a:latin typeface="宋体" panose="02010600030101010101" pitchFamily="2" charset="-122"/>
+                        <a:ea typeface="宋体" panose="02010600030101010101" pitchFamily="2" charset="-122"/>
+                      </a:endParaRPr>
+                    </a:p>
+                  </a:txBody>
+                  <a:tcPr marL="9525" marR="9525" marT="9525" marB="0" anchor="ctr"/>
+                </a:tc>
+                <a:tc>
+                  <a:txBody>
+                    <a:bodyPr/>
+                    <a:lstStyle/>
+                    <a:p>
+                      <a:pPr algn="ctr" fontAlgn="ctr"/>
+                      <a:r>
+                        <a:rPr lang="en-US" altLang="zh-CN" sz="1200" u="none" strike="noStrike">
+                          <a:effectLst/>
                         </a:rPr>
                         <a:t>2016/3/22</a:t>
                       </a:r>
-                    </a:p>
-                  </a:txBody>
-                  <a:tcPr marL="9525" marR="9525" marT="9525" marB="0" anchor="ctr">
-                    <a:lnL w="6350" cap="flat" cmpd="sng" algn="ctr">
-                      <a:solidFill>
-                        <a:srgbClr val="000000"/>
-                      </a:solidFill>
-                      <a:prstDash val="solid"/>
-                      <a:round/>
-                      <a:headEnd type="none" w="med" len="med"/>
-                      <a:tailEnd type="none" w="med" len="med"/>
-                    </a:lnL>
-                    <a:lnR w="6350" cap="flat" cmpd="sng" algn="ctr">
-                      <a:solidFill>
-                        <a:srgbClr val="000000"/>
-                      </a:solidFill>
-                      <a:prstDash val="solid"/>
-                      <a:round/>
-                      <a:headEnd type="none" w="med" len="med"/>
-                      <a:tailEnd type="none" w="med" len="med"/>
-                    </a:lnR>
-                    <a:lnT w="6350" cap="flat" cmpd="sng" algn="ctr">
-                      <a:solidFill>
-                        <a:srgbClr val="000000"/>
-                      </a:solidFill>
-                      <a:prstDash val="solid"/>
-                      <a:round/>
-                      <a:headEnd type="none" w="med" len="med"/>
-                      <a:tailEnd type="none" w="med" len="med"/>
-                    </a:lnT>
-                    <a:lnB w="6350" cap="flat" cmpd="sng" algn="ctr">
-                      <a:solidFill>
-                        <a:srgbClr val="000000"/>
-                      </a:solidFill>
-                      <a:prstDash val="solid"/>
-                      <a:round/>
-                      <a:headEnd type="none" w="med" len="med"/>
-                      <a:tailEnd type="none" w="med" len="med"/>
-                    </a:lnB>
-                  </a:tcPr>
+                      <a:endParaRPr lang="en-US" altLang="zh-CN" sz="1200" b="0" i="0" u="none" strike="noStrike">
+                        <a:solidFill>
+                          <a:srgbClr val="000000"/>
+                        </a:solidFill>
+                        <a:effectLst/>
+                        <a:latin typeface="宋体" panose="02010600030101010101" pitchFamily="2" charset="-122"/>
+                        <a:ea typeface="宋体" panose="02010600030101010101" pitchFamily="2" charset="-122"/>
+                      </a:endParaRPr>
+                    </a:p>
+                  </a:txBody>
+                  <a:tcPr marL="9525" marR="9525" marT="9525" marB="0" anchor="ctr"/>
                 </a:tc>
                 <a:tc>
                   <a:txBody>
@@ -8533,55 +7631,22 @@
                     <a:p>
                       <a:pPr algn="ctr" fontAlgn="ctr"/>
                       <a:r>
-                        <a:rPr lang="en-US" sz="1200" b="0" i="0" u="none" strike="noStrike">
-                          <a:solidFill>
-                            <a:srgbClr val="000000"/>
-                          </a:solidFill>
-                          <a:latin typeface="黑体" pitchFamily="49" charset="-122"/>
-                          <a:ea typeface="黑体" pitchFamily="49" charset="-122"/>
+                        <a:rPr lang="en-US" sz="1200" u="none" strike="noStrike">
+                          <a:effectLst/>
                         </a:rPr>
                         <a:t>MERGE_RADM_W_RTL_PRICE_IT_LC_DY_F.sql</a:t>
                       </a:r>
-                    </a:p>
-                  </a:txBody>
-                  <a:tcPr marL="9525" marR="9525" marT="9525" marB="0" anchor="ctr">
-                    <a:lnL w="6350" cap="flat" cmpd="sng" algn="ctr">
-                      <a:solidFill>
-                        <a:srgbClr val="000000"/>
-                      </a:solidFill>
-                      <a:prstDash val="solid"/>
-                      <a:round/>
-                      <a:headEnd type="none" w="med" len="med"/>
-                      <a:tailEnd type="none" w="med" len="med"/>
-                    </a:lnL>
-                    <a:lnR w="6350" cap="flat" cmpd="sng" algn="ctr">
-                      <a:solidFill>
-                        <a:srgbClr val="000000"/>
-                      </a:solidFill>
-                      <a:prstDash val="solid"/>
-                      <a:round/>
-                      <a:headEnd type="none" w="med" len="med"/>
-                      <a:tailEnd type="none" w="med" len="med"/>
-                    </a:lnR>
-                    <a:lnT w="6350" cap="flat" cmpd="sng" algn="ctr">
-                      <a:solidFill>
-                        <a:srgbClr val="000000"/>
-                      </a:solidFill>
-                      <a:prstDash val="solid"/>
-                      <a:round/>
-                      <a:headEnd type="none" w="med" len="med"/>
-                      <a:tailEnd type="none" w="med" len="med"/>
-                    </a:lnT>
-                    <a:lnB w="6350" cap="flat" cmpd="sng" algn="ctr">
-                      <a:solidFill>
-                        <a:srgbClr val="000000"/>
-                      </a:solidFill>
-                      <a:prstDash val="solid"/>
-                      <a:round/>
-                      <a:headEnd type="none" w="med" len="med"/>
-                      <a:tailEnd type="none" w="med" len="med"/>
-                    </a:lnB>
-                  </a:tcPr>
+                      <a:endParaRPr lang="en-US" sz="1200" b="0" i="0" u="none" strike="noStrike">
+                        <a:solidFill>
+                          <a:srgbClr val="000000"/>
+                        </a:solidFill>
+                        <a:effectLst/>
+                        <a:latin typeface="宋体" panose="02010600030101010101" pitchFamily="2" charset="-122"/>
+                        <a:ea typeface="宋体" panose="02010600030101010101" pitchFamily="2" charset="-122"/>
+                      </a:endParaRPr>
+                    </a:p>
+                  </a:txBody>
+                  <a:tcPr marL="9525" marR="9525" marT="9525" marB="0" anchor="ctr"/>
                 </a:tc>
                 <a:tc>
                   <a:txBody>
@@ -8590,55 +7655,22 @@
                     <a:p>
                       <a:pPr algn="ctr" fontAlgn="ctr"/>
                       <a:r>
-                        <a:rPr lang="en-US" sz="1200" b="0" i="0" u="none" strike="noStrike">
-                          <a:solidFill>
-                            <a:srgbClr val="000000"/>
-                          </a:solidFill>
-                          <a:latin typeface="黑体" pitchFamily="49" charset="-122"/>
-                          <a:ea typeface="黑体" pitchFamily="49" charset="-122"/>
+                        <a:rPr lang="en-US" sz="1200" u="none" strike="noStrike">
+                          <a:effectLst/>
                         </a:rPr>
                         <a:t>SIL_BBG_RETAILPRICEFACT</a:t>
                       </a:r>
-                    </a:p>
-                  </a:txBody>
-                  <a:tcPr marL="9525" marR="9525" marT="9525" marB="0" anchor="ctr">
-                    <a:lnL w="6350" cap="flat" cmpd="sng" algn="ctr">
-                      <a:solidFill>
-                        <a:srgbClr val="000000"/>
-                      </a:solidFill>
-                      <a:prstDash val="solid"/>
-                      <a:round/>
-                      <a:headEnd type="none" w="med" len="med"/>
-                      <a:tailEnd type="none" w="med" len="med"/>
-                    </a:lnL>
-                    <a:lnR w="6350" cap="flat" cmpd="sng" algn="ctr">
-                      <a:solidFill>
-                        <a:srgbClr val="000000"/>
-                      </a:solidFill>
-                      <a:prstDash val="solid"/>
-                      <a:round/>
-                      <a:headEnd type="none" w="med" len="med"/>
-                      <a:tailEnd type="none" w="med" len="med"/>
-                    </a:lnR>
-                    <a:lnT w="6350" cap="flat" cmpd="sng" algn="ctr">
-                      <a:solidFill>
-                        <a:srgbClr val="000000"/>
-                      </a:solidFill>
-                      <a:prstDash val="solid"/>
-                      <a:round/>
-                      <a:headEnd type="none" w="med" len="med"/>
-                      <a:tailEnd type="none" w="med" len="med"/>
-                    </a:lnT>
-                    <a:lnB w="6350" cap="flat" cmpd="sng" algn="ctr">
-                      <a:solidFill>
-                        <a:srgbClr val="000000"/>
-                      </a:solidFill>
-                      <a:prstDash val="solid"/>
-                      <a:round/>
-                      <a:headEnd type="none" w="med" len="med"/>
-                      <a:tailEnd type="none" w="med" len="med"/>
-                    </a:lnB>
-                  </a:tcPr>
+                      <a:endParaRPr lang="en-US" sz="1200" b="0" i="0" u="none" strike="noStrike">
+                        <a:solidFill>
+                          <a:srgbClr val="000000"/>
+                        </a:solidFill>
+                        <a:effectLst/>
+                        <a:latin typeface="宋体" panose="02010600030101010101" pitchFamily="2" charset="-122"/>
+                        <a:ea typeface="宋体" panose="02010600030101010101" pitchFamily="2" charset="-122"/>
+                      </a:endParaRPr>
+                    </a:p>
+                  </a:txBody>
+                  <a:tcPr marL="9525" marR="9525" marT="9525" marB="0" anchor="ctr"/>
                 </a:tc>
                 <a:tc>
                   <a:txBody>
@@ -8647,55 +7679,22 @@
                     <a:p>
                       <a:pPr algn="ctr" fontAlgn="ctr"/>
                       <a:r>
-                        <a:rPr lang="en-US" sz="1200" b="0" i="0" u="none" strike="noStrike">
-                          <a:solidFill>
-                            <a:srgbClr val="000000"/>
-                          </a:solidFill>
-                          <a:latin typeface="黑体" pitchFamily="49" charset="-122"/>
-                          <a:ea typeface="黑体" pitchFamily="49" charset="-122"/>
+                        <a:rPr lang="en-US" sz="1200" u="none" strike="noStrike">
+                          <a:effectLst/>
                         </a:rPr>
                         <a:t>BBG_PRCILSIL.KSH</a:t>
                       </a:r>
-                    </a:p>
-                  </a:txBody>
-                  <a:tcPr marL="9525" marR="9525" marT="9525" marB="0" anchor="ctr">
-                    <a:lnL w="6350" cap="flat" cmpd="sng" algn="ctr">
-                      <a:solidFill>
-                        <a:srgbClr val="000000"/>
-                      </a:solidFill>
-                      <a:prstDash val="solid"/>
-                      <a:round/>
-                      <a:headEnd type="none" w="med" len="med"/>
-                      <a:tailEnd type="none" w="med" len="med"/>
-                    </a:lnL>
-                    <a:lnR w="6350" cap="flat" cmpd="sng" algn="ctr">
-                      <a:solidFill>
-                        <a:srgbClr val="000000"/>
-                      </a:solidFill>
-                      <a:prstDash val="solid"/>
-                      <a:round/>
-                      <a:headEnd type="none" w="med" len="med"/>
-                      <a:tailEnd type="none" w="med" len="med"/>
-                    </a:lnR>
-                    <a:lnT w="6350" cap="flat" cmpd="sng" algn="ctr">
-                      <a:solidFill>
-                        <a:srgbClr val="000000"/>
-                      </a:solidFill>
-                      <a:prstDash val="solid"/>
-                      <a:round/>
-                      <a:headEnd type="none" w="med" len="med"/>
-                      <a:tailEnd type="none" w="med" len="med"/>
-                    </a:lnT>
-                    <a:lnB w="6350" cap="flat" cmpd="sng" algn="ctr">
-                      <a:solidFill>
-                        <a:srgbClr val="000000"/>
-                      </a:solidFill>
-                      <a:prstDash val="solid"/>
-                      <a:round/>
-                      <a:headEnd type="none" w="med" len="med"/>
-                      <a:tailEnd type="none" w="med" len="med"/>
-                    </a:lnB>
-                  </a:tcPr>
+                      <a:endParaRPr lang="en-US" sz="1200" b="0" i="0" u="none" strike="noStrike">
+                        <a:solidFill>
+                          <a:srgbClr val="000000"/>
+                        </a:solidFill>
+                        <a:effectLst/>
+                        <a:latin typeface="宋体" panose="02010600030101010101" pitchFamily="2" charset="-122"/>
+                        <a:ea typeface="宋体" panose="02010600030101010101" pitchFamily="2" charset="-122"/>
+                      </a:endParaRPr>
+                    </a:p>
+                  </a:txBody>
+                  <a:tcPr marL="9525" marR="9525" marT="9525" marB="0" anchor="ctr"/>
                 </a:tc>
                 <a:tc>
                   <a:txBody>
@@ -8704,55 +7703,22 @@
                     <a:p>
                       <a:pPr algn="ctr" fontAlgn="ctr"/>
                       <a:r>
-                        <a:rPr lang="zh-CN" altLang="en-US" sz="1200" b="0" i="0" u="none" strike="noStrike">
-                          <a:solidFill>
-                            <a:srgbClr val="000000"/>
-                          </a:solidFill>
-                          <a:latin typeface="黑体" pitchFamily="49" charset="-122"/>
-                          <a:ea typeface="黑体" pitchFamily="49" charset="-122"/>
+                        <a:rPr lang="zh-CN" altLang="en-US" sz="1200" u="none" strike="noStrike">
+                          <a:effectLst/>
                         </a:rPr>
                         <a:t>　</a:t>
                       </a:r>
-                    </a:p>
-                  </a:txBody>
-                  <a:tcPr marL="9525" marR="9525" marT="9525" marB="0" anchor="ctr">
-                    <a:lnL w="6350" cap="flat" cmpd="sng" algn="ctr">
-                      <a:solidFill>
-                        <a:srgbClr val="000000"/>
-                      </a:solidFill>
-                      <a:prstDash val="solid"/>
-                      <a:round/>
-                      <a:headEnd type="none" w="med" len="med"/>
-                      <a:tailEnd type="none" w="med" len="med"/>
-                    </a:lnL>
-                    <a:lnR w="6350" cap="flat" cmpd="sng" algn="ctr">
-                      <a:solidFill>
-                        <a:srgbClr val="000000"/>
-                      </a:solidFill>
-                      <a:prstDash val="solid"/>
-                      <a:round/>
-                      <a:headEnd type="none" w="med" len="med"/>
-                      <a:tailEnd type="none" w="med" len="med"/>
-                    </a:lnR>
-                    <a:lnT w="6350" cap="flat" cmpd="sng" algn="ctr">
-                      <a:solidFill>
-                        <a:srgbClr val="000000"/>
-                      </a:solidFill>
-                      <a:prstDash val="solid"/>
-                      <a:round/>
-                      <a:headEnd type="none" w="med" len="med"/>
-                      <a:tailEnd type="none" w="med" len="med"/>
-                    </a:lnT>
-                    <a:lnB w="6350" cap="flat" cmpd="sng" algn="ctr">
-                      <a:solidFill>
-                        <a:srgbClr val="000000"/>
-                      </a:solidFill>
-                      <a:prstDash val="solid"/>
-                      <a:round/>
-                      <a:headEnd type="none" w="med" len="med"/>
-                      <a:tailEnd type="none" w="med" len="med"/>
-                    </a:lnB>
-                  </a:tcPr>
+                      <a:endParaRPr lang="zh-CN" altLang="en-US" sz="1200" b="0" i="0" u="none" strike="noStrike">
+                        <a:solidFill>
+                          <a:srgbClr val="000000"/>
+                        </a:solidFill>
+                        <a:effectLst/>
+                        <a:latin typeface="宋体" panose="02010600030101010101" pitchFamily="2" charset="-122"/>
+                        <a:ea typeface="宋体" panose="02010600030101010101" pitchFamily="2" charset="-122"/>
+                      </a:endParaRPr>
+                    </a:p>
+                  </a:txBody>
+                  <a:tcPr marL="9525" marR="9525" marT="9525" marB="0" anchor="ctr"/>
                 </a:tc>
                 <a:tc>
                   <a:txBody>
@@ -8761,55 +7727,22 @@
                     <a:p>
                       <a:pPr algn="ctr" fontAlgn="ctr"/>
                       <a:r>
-                        <a:rPr lang="zh-CN" altLang="en-US" sz="1200" b="0" i="0" u="none" strike="noStrike" dirty="0">
-                          <a:solidFill>
-                            <a:srgbClr val="000000"/>
-                          </a:solidFill>
-                          <a:latin typeface="黑体" pitchFamily="49" charset="-122"/>
-                          <a:ea typeface="黑体" pitchFamily="49" charset="-122"/>
+                        <a:rPr lang="zh-CN" altLang="en-US" sz="1200" u="none" strike="noStrike" dirty="0">
+                          <a:effectLst/>
                         </a:rPr>
                         <a:t>　</a:t>
                       </a:r>
-                    </a:p>
-                  </a:txBody>
-                  <a:tcPr marL="9525" marR="9525" marT="9525" marB="0" anchor="ctr">
-                    <a:lnL w="6350" cap="flat" cmpd="sng" algn="ctr">
-                      <a:solidFill>
-                        <a:srgbClr val="000000"/>
-                      </a:solidFill>
-                      <a:prstDash val="solid"/>
-                      <a:round/>
-                      <a:headEnd type="none" w="med" len="med"/>
-                      <a:tailEnd type="none" w="med" len="med"/>
-                    </a:lnL>
-                    <a:lnR w="6350" cap="flat" cmpd="sng" algn="ctr">
-                      <a:solidFill>
-                        <a:srgbClr val="000000"/>
-                      </a:solidFill>
-                      <a:prstDash val="solid"/>
-                      <a:round/>
-                      <a:headEnd type="none" w="med" len="med"/>
-                      <a:tailEnd type="none" w="med" len="med"/>
-                    </a:lnR>
-                    <a:lnT w="6350" cap="flat" cmpd="sng" algn="ctr">
-                      <a:solidFill>
-                        <a:srgbClr val="000000"/>
-                      </a:solidFill>
-                      <a:prstDash val="solid"/>
-                      <a:round/>
-                      <a:headEnd type="none" w="med" len="med"/>
-                      <a:tailEnd type="none" w="med" len="med"/>
-                    </a:lnT>
-                    <a:lnB w="6350" cap="flat" cmpd="sng" algn="ctr">
-                      <a:solidFill>
-                        <a:srgbClr val="000000"/>
-                      </a:solidFill>
-                      <a:prstDash val="solid"/>
-                      <a:round/>
-                      <a:headEnd type="none" w="med" len="med"/>
-                      <a:tailEnd type="none" w="med" len="med"/>
-                    </a:lnB>
-                  </a:tcPr>
+                      <a:endParaRPr lang="zh-CN" altLang="en-US" sz="1200" b="0" i="0" u="none" strike="noStrike" dirty="0">
+                        <a:solidFill>
+                          <a:srgbClr val="000000"/>
+                        </a:solidFill>
+                        <a:effectLst/>
+                        <a:latin typeface="宋体" panose="02010600030101010101" pitchFamily="2" charset="-122"/>
+                        <a:ea typeface="宋体" panose="02010600030101010101" pitchFamily="2" charset="-122"/>
+                      </a:endParaRPr>
+                    </a:p>
+                  </a:txBody>
+                  <a:tcPr marL="9525" marR="9525" marT="9525" marB="0" anchor="ctr"/>
                 </a:tc>
               </a:tr>
             </a:tbl>
@@ -9213,7 +8146,7 @@
     </p:spTree>
     <p:extLst>
       <p:ext uri="{BB962C8B-B14F-4D97-AF65-F5344CB8AC3E}">
-        <p14:creationId xmlns="" xmlns:p14="http://schemas.microsoft.com/office/powerpoint/2010/main" val="503885514"/>
+        <p14:creationId xmlns:p14="http://schemas.microsoft.com/office/powerpoint/2010/main" val="503885514"/>
       </p:ext>
     </p:extLst>
   </p:cSld>
@@ -9255,7 +8188,15 @@
           <a:bodyPr/>
           <a:lstStyle/>
           <a:p>
-            <a:endParaRPr lang="zh-CN" altLang="en-US"/>
+            <a:r>
+              <a:rPr lang="en-US" altLang="zh-CN" dirty="0"/>
+              <a:t>RA</a:t>
+            </a:r>
+            <a:r>
+              <a:rPr lang="zh-CN" altLang="en-US" dirty="0"/>
+              <a:t>日结报错统计</a:t>
+            </a:r>
+            <a:endParaRPr lang="zh-CN" altLang="en-US" dirty="0"/>
           </a:p>
         </p:txBody>
       </p:sp>
@@ -9571,7 +8512,7 @@
     </p:spTree>
     <p:extLst>
       <p:ext uri="{BB962C8B-B14F-4D97-AF65-F5344CB8AC3E}">
-        <p14:creationId xmlns="" xmlns:p14="http://schemas.microsoft.com/office/powerpoint/2010/main" val="2548660364"/>
+        <p14:creationId xmlns:p14="http://schemas.microsoft.com/office/powerpoint/2010/main" val="2548660364"/>
       </p:ext>
     </p:extLst>
   </p:cSld>
